--- a/Hira samihafa/Rehefa miaraka @ i Jeso.pptx
+++ b/Hira samihafa/Rehefa miaraka @ i Jeso.pptx
@@ -7,13 +7,15 @@
   <p:sldIdLst>
     <p:sldId id="256" r:id="rId2"/>
     <p:sldId id="257" r:id="rId3"/>
-    <p:sldId id="258" r:id="rId4"/>
-    <p:sldId id="259" r:id="rId5"/>
-    <p:sldId id="260" r:id="rId6"/>
-    <p:sldId id="261" r:id="rId7"/>
-    <p:sldId id="262" r:id="rId8"/>
-    <p:sldId id="263" r:id="rId9"/>
-    <p:sldId id="264" r:id="rId10"/>
+    <p:sldId id="265" r:id="rId4"/>
+    <p:sldId id="258" r:id="rId5"/>
+    <p:sldId id="259" r:id="rId6"/>
+    <p:sldId id="260" r:id="rId7"/>
+    <p:sldId id="261" r:id="rId8"/>
+    <p:sldId id="266" r:id="rId9"/>
+    <p:sldId id="262" r:id="rId10"/>
+    <p:sldId id="263" r:id="rId11"/>
+    <p:sldId id="264" r:id="rId12"/>
   </p:sldIdLst>
   <p:sldSz cx="12192000" cy="6858000"/>
   <p:notesSz cx="6858000" cy="9144000"/>
@@ -112,6 +114,38 @@
       </a:defRPr>
     </a:lvl9pPr>
   </p:defaultTextStyle>
+  <p:extLst>
+    <p:ext uri="{521415D9-36F7-43E2-AB2F-B90AF26B5E84}">
+      <p14:sectionLst xmlns:p14="http://schemas.microsoft.com/office/powerpoint/2010/main">
+        <p14:section name="Section par défaut" id="{6ED3507D-64A5-41A3-9A04-E6D92E0E73E1}">
+          <p14:sldIdLst>
+            <p14:sldId id="256"/>
+          </p14:sldIdLst>
+        </p14:section>
+        <p14:section name="Andininy 1" id="{371A07A1-7DE3-452C-8E32-061F4B65E628}">
+          <p14:sldIdLst>
+            <p14:sldId id="257"/>
+            <p14:sldId id="265"/>
+            <p14:sldId id="258"/>
+            <p14:sldId id="259"/>
+            <p14:sldId id="260"/>
+          </p14:sldIdLst>
+        </p14:section>
+        <p14:section name="Andininy 2" id="{E6E56152-A2DE-4D60-B5C7-06F8716E34DA}">
+          <p14:sldIdLst>
+            <p14:sldId id="261"/>
+            <p14:sldId id="266"/>
+            <p14:sldId id="262"/>
+            <p14:sldId id="263"/>
+            <p14:sldId id="264"/>
+          </p14:sldIdLst>
+        </p14:section>
+      </p14:sectionLst>
+    </p:ext>
+    <p:ext uri="{EFAFB233-063F-42B5-8137-9DF3F51BA10A}">
+      <p15:sldGuideLst xmlns:p15="http://schemas.microsoft.com/office/powerpoint/2012/main"/>
+    </p:ext>
+  </p:extLst>
 </p:presentation>
 </file>
 
@@ -246,7 +280,7 @@
           <a:p>
             <a:fld id="{9CEC725A-4BE0-4D5D-959E-82F5D8F394B7}" type="datetimeFigureOut">
               <a:rPr lang="fr-FR" smtClean="0"/>
-              <a:t>23/11/2024</a:t>
+              <a:t>24/11/2024</a:t>
             </a:fld>
             <a:endParaRPr lang="fr-FR"/>
           </a:p>
@@ -416,7 +450,7 @@
           <a:p>
             <a:fld id="{9CEC725A-4BE0-4D5D-959E-82F5D8F394B7}" type="datetimeFigureOut">
               <a:rPr lang="fr-FR" smtClean="0"/>
-              <a:t>23/11/2024</a:t>
+              <a:t>24/11/2024</a:t>
             </a:fld>
             <a:endParaRPr lang="fr-FR"/>
           </a:p>
@@ -596,7 +630,7 @@
           <a:p>
             <a:fld id="{9CEC725A-4BE0-4D5D-959E-82F5D8F394B7}" type="datetimeFigureOut">
               <a:rPr lang="fr-FR" smtClean="0"/>
-              <a:t>23/11/2024</a:t>
+              <a:t>24/11/2024</a:t>
             </a:fld>
             <a:endParaRPr lang="fr-FR"/>
           </a:p>
@@ -766,7 +800,7 @@
           <a:p>
             <a:fld id="{9CEC725A-4BE0-4D5D-959E-82F5D8F394B7}" type="datetimeFigureOut">
               <a:rPr lang="fr-FR" smtClean="0"/>
-              <a:t>23/11/2024</a:t>
+              <a:t>24/11/2024</a:t>
             </a:fld>
             <a:endParaRPr lang="fr-FR"/>
           </a:p>
@@ -1012,7 +1046,7 @@
           <a:p>
             <a:fld id="{9CEC725A-4BE0-4D5D-959E-82F5D8F394B7}" type="datetimeFigureOut">
               <a:rPr lang="fr-FR" smtClean="0"/>
-              <a:t>23/11/2024</a:t>
+              <a:t>24/11/2024</a:t>
             </a:fld>
             <a:endParaRPr lang="fr-FR"/>
           </a:p>
@@ -1244,7 +1278,7 @@
           <a:p>
             <a:fld id="{9CEC725A-4BE0-4D5D-959E-82F5D8F394B7}" type="datetimeFigureOut">
               <a:rPr lang="fr-FR" smtClean="0"/>
-              <a:t>23/11/2024</a:t>
+              <a:t>24/11/2024</a:t>
             </a:fld>
             <a:endParaRPr lang="fr-FR"/>
           </a:p>
@@ -1611,7 +1645,7 @@
           <a:p>
             <a:fld id="{9CEC725A-4BE0-4D5D-959E-82F5D8F394B7}" type="datetimeFigureOut">
               <a:rPr lang="fr-FR" smtClean="0"/>
-              <a:t>23/11/2024</a:t>
+              <a:t>24/11/2024</a:t>
             </a:fld>
             <a:endParaRPr lang="fr-FR"/>
           </a:p>
@@ -1729,7 +1763,7 @@
           <a:p>
             <a:fld id="{9CEC725A-4BE0-4D5D-959E-82F5D8F394B7}" type="datetimeFigureOut">
               <a:rPr lang="fr-FR" smtClean="0"/>
-              <a:t>23/11/2024</a:t>
+              <a:t>24/11/2024</a:t>
             </a:fld>
             <a:endParaRPr lang="fr-FR"/>
           </a:p>
@@ -1824,7 +1858,7 @@
           <a:p>
             <a:fld id="{9CEC725A-4BE0-4D5D-959E-82F5D8F394B7}" type="datetimeFigureOut">
               <a:rPr lang="fr-FR" smtClean="0"/>
-              <a:t>23/11/2024</a:t>
+              <a:t>24/11/2024</a:t>
             </a:fld>
             <a:endParaRPr lang="fr-FR"/>
           </a:p>
@@ -2101,7 +2135,7 @@
           <a:p>
             <a:fld id="{9CEC725A-4BE0-4D5D-959E-82F5D8F394B7}" type="datetimeFigureOut">
               <a:rPr lang="fr-FR" smtClean="0"/>
-              <a:t>23/11/2024</a:t>
+              <a:t>24/11/2024</a:t>
             </a:fld>
             <a:endParaRPr lang="fr-FR"/>
           </a:p>
@@ -2354,7 +2388,7 @@
           <a:p>
             <a:fld id="{9CEC725A-4BE0-4D5D-959E-82F5D8F394B7}" type="datetimeFigureOut">
               <a:rPr lang="fr-FR" smtClean="0"/>
-              <a:t>23/11/2024</a:t>
+              <a:t>24/11/2024</a:t>
             </a:fld>
             <a:endParaRPr lang="fr-FR"/>
           </a:p>
@@ -2567,7 +2601,7 @@
           <a:p>
             <a:fld id="{9CEC725A-4BE0-4D5D-959E-82F5D8F394B7}" type="datetimeFigureOut">
               <a:rPr lang="fr-FR" smtClean="0"/>
-              <a:t>23/11/2024</a:t>
+              <a:t>24/11/2024</a:t>
             </a:fld>
             <a:endParaRPr lang="fr-FR"/>
           </a:p>
@@ -3044,1023 +3078,17 @@
   <p:clrMapOvr>
     <a:masterClrMapping/>
   </p:clrMapOvr>
+  <p:timing>
+    <p:tnLst>
+      <p:par>
+        <p:cTn id="1" dur="indefinite" restart="never" nodeType="tmRoot"/>
+      </p:par>
+    </p:tnLst>
+  </p:timing>
 </p:sld>
 </file>
 
-<file path=ppt/slides/slide2.xml><?xml version="1.0" encoding="utf-8"?>
-<p:sld xmlns:a="http://schemas.openxmlformats.org/drawingml/2006/main" xmlns:r="http://schemas.openxmlformats.org/officeDocument/2006/relationships" xmlns:p="http://schemas.openxmlformats.org/presentationml/2006/main">
-  <p:cSld>
-    <p:spTree>
-      <p:nvGrpSpPr>
-        <p:cNvPr id="1" name=""/>
-        <p:cNvGrpSpPr/>
-        <p:nvPr/>
-      </p:nvGrpSpPr>
-      <p:grpSpPr>
-        <a:xfrm>
-          <a:off x="0" y="0"/>
-          <a:ext cx="0" cy="0"/>
-          <a:chOff x="0" y="0"/>
-          <a:chExt cx="0" cy="0"/>
-        </a:xfrm>
-      </p:grpSpPr>
-      <p:sp>
-        <p:nvSpPr>
-          <p:cNvPr id="4" name="Rectangle 3"/>
-          <p:cNvSpPr/>
-          <p:nvPr/>
-        </p:nvSpPr>
-        <p:spPr>
-          <a:xfrm>
-            <a:off x="0" y="238540"/>
-            <a:ext cx="12192000" cy="6247864"/>
-          </a:xfrm>
-          <a:prstGeom prst="rect">
-            <a:avLst/>
-          </a:prstGeom>
-        </p:spPr>
-        <p:txBody>
-          <a:bodyPr wrap="square">
-            <a:spAutoFit/>
-          </a:bodyPr>
-          <a:lstStyle/>
-          <a:p>
-            <a:pPr algn="ctr"/>
-            <a:r>
-              <a:rPr lang="fr-FR" sz="8000" b="1" dirty="0" smtClean="0">
-                <a:effectLst>
-                  <a:outerShdw blurRad="38100" dist="38100" dir="2700000" algn="tl">
-                    <a:srgbClr val="000000">
-                      <a:alpha val="43137"/>
-                    </a:srgbClr>
-                  </a:outerShdw>
-                </a:effectLst>
-              </a:rPr>
-              <a:t>1- </a:t>
-            </a:r>
-            <a:r>
-              <a:rPr lang="fr-FR" sz="8000" b="1" dirty="0" err="1" smtClean="0">
-                <a:effectLst>
-                  <a:outerShdw blurRad="38100" dist="38100" dir="2700000" algn="tl">
-                    <a:srgbClr val="000000">
-                      <a:alpha val="43137"/>
-                    </a:srgbClr>
-                  </a:outerShdw>
-                </a:effectLst>
-              </a:rPr>
-              <a:t>Rehefa</a:t>
-            </a:r>
-            <a:r>
-              <a:rPr lang="fr-FR" sz="8000" b="1" dirty="0" smtClean="0">
-                <a:effectLst>
-                  <a:outerShdw blurRad="38100" dist="38100" dir="2700000" algn="tl">
-                    <a:srgbClr val="000000">
-                      <a:alpha val="43137"/>
-                    </a:srgbClr>
-                  </a:outerShdw>
-                </a:effectLst>
-              </a:rPr>
-              <a:t> </a:t>
-            </a:r>
-            <a:r>
-              <a:rPr lang="fr-FR" sz="8000" b="1" dirty="0" err="1" smtClean="0">
-                <a:effectLst>
-                  <a:outerShdw blurRad="38100" dist="38100" dir="2700000" algn="tl">
-                    <a:srgbClr val="000000">
-                      <a:alpha val="43137"/>
-                    </a:srgbClr>
-                  </a:outerShdw>
-                </a:effectLst>
-              </a:rPr>
-              <a:t>miaraka</a:t>
-            </a:r>
-            <a:r>
-              <a:rPr lang="fr-FR" sz="8000" b="1" dirty="0" smtClean="0">
-                <a:effectLst>
-                  <a:outerShdw blurRad="38100" dist="38100" dir="2700000" algn="tl">
-                    <a:srgbClr val="000000">
-                      <a:alpha val="43137"/>
-                    </a:srgbClr>
-                  </a:outerShdw>
-                </a:effectLst>
-              </a:rPr>
-              <a:t> @ i </a:t>
-            </a:r>
-            <a:r>
-              <a:rPr lang="fr-FR" sz="8000" b="1" dirty="0" err="1" smtClean="0">
-                <a:effectLst>
-                  <a:outerShdw blurRad="38100" dist="38100" dir="2700000" algn="tl">
-                    <a:srgbClr val="000000">
-                      <a:alpha val="43137"/>
-                    </a:srgbClr>
-                  </a:outerShdw>
-                </a:effectLst>
-              </a:rPr>
-              <a:t>Jeso</a:t>
-            </a:r>
-            <a:r>
-              <a:rPr lang="fr-FR" sz="8000" b="1" dirty="0" smtClean="0">
-                <a:effectLst>
-                  <a:outerShdw blurRad="38100" dist="38100" dir="2700000" algn="tl">
-                    <a:srgbClr val="000000">
-                      <a:alpha val="43137"/>
-                    </a:srgbClr>
-                  </a:outerShdw>
-                </a:effectLst>
-              </a:rPr>
-              <a:t> </a:t>
-            </a:r>
-          </a:p>
-          <a:p>
-            <a:pPr algn="ctr"/>
-            <a:r>
-              <a:rPr lang="fr-FR" sz="8000" b="1" dirty="0" err="1" smtClean="0">
-                <a:effectLst>
-                  <a:outerShdw blurRad="38100" dist="38100" dir="2700000" algn="tl">
-                    <a:srgbClr val="000000">
-                      <a:alpha val="43137"/>
-                    </a:srgbClr>
-                  </a:outerShdw>
-                </a:effectLst>
-              </a:rPr>
-              <a:t>Tsy</a:t>
-            </a:r>
-            <a:r>
-              <a:rPr lang="fr-FR" sz="8000" b="1" dirty="0" smtClean="0">
-                <a:effectLst>
-                  <a:outerShdw blurRad="38100" dist="38100" dir="2700000" algn="tl">
-                    <a:srgbClr val="000000">
-                      <a:alpha val="43137"/>
-                    </a:srgbClr>
-                  </a:outerShdw>
-                </a:effectLst>
-              </a:rPr>
-              <a:t> </a:t>
-            </a:r>
-            <a:r>
-              <a:rPr lang="fr-FR" sz="8000" b="1" dirty="0" err="1" smtClean="0">
-                <a:effectLst>
-                  <a:outerShdw blurRad="38100" dist="38100" dir="2700000" algn="tl">
-                    <a:srgbClr val="000000">
-                      <a:alpha val="43137"/>
-                    </a:srgbClr>
-                  </a:outerShdw>
-                </a:effectLst>
-              </a:rPr>
-              <a:t>mila</a:t>
-            </a:r>
-            <a:r>
-              <a:rPr lang="fr-FR" sz="8000" b="1" dirty="0" smtClean="0">
-                <a:effectLst>
-                  <a:outerShdw blurRad="38100" dist="38100" dir="2700000" algn="tl">
-                    <a:srgbClr val="000000">
-                      <a:alpha val="43137"/>
-                    </a:srgbClr>
-                  </a:outerShdw>
-                </a:effectLst>
-              </a:rPr>
-              <a:t> </a:t>
-            </a:r>
-            <a:r>
-              <a:rPr lang="fr-FR" sz="8000" b="1" dirty="0" err="1" smtClean="0">
-                <a:effectLst>
-                  <a:outerShdw blurRad="38100" dist="38100" dir="2700000" algn="tl">
-                    <a:srgbClr val="000000">
-                      <a:alpha val="43137"/>
-                    </a:srgbClr>
-                  </a:outerShdw>
-                </a:effectLst>
-              </a:rPr>
-              <a:t>maditra</a:t>
-            </a:r>
-            <a:r>
-              <a:rPr lang="fr-FR" sz="8000" b="1" dirty="0" smtClean="0">
-                <a:effectLst>
-                  <a:outerShdw blurRad="38100" dist="38100" dir="2700000" algn="tl">
-                    <a:srgbClr val="000000">
-                      <a:alpha val="43137"/>
-                    </a:srgbClr>
-                  </a:outerShdw>
-                </a:effectLst>
-              </a:rPr>
-              <a:t> </a:t>
-            </a:r>
-          </a:p>
-          <a:p>
-            <a:pPr algn="ctr"/>
-            <a:r>
-              <a:rPr lang="fr-FR" sz="8000" b="1" dirty="0" err="1" smtClean="0">
-                <a:effectLst>
-                  <a:outerShdw blurRad="38100" dist="38100" dir="2700000" algn="tl">
-                    <a:srgbClr val="000000">
-                      <a:alpha val="43137"/>
-                    </a:srgbClr>
-                  </a:outerShdw>
-                </a:effectLst>
-              </a:rPr>
-              <a:t>Rehefa</a:t>
-            </a:r>
-            <a:r>
-              <a:rPr lang="fr-FR" sz="8000" b="1" dirty="0" smtClean="0">
-                <a:effectLst>
-                  <a:outerShdw blurRad="38100" dist="38100" dir="2700000" algn="tl">
-                    <a:srgbClr val="000000">
-                      <a:alpha val="43137"/>
-                    </a:srgbClr>
-                  </a:outerShdw>
-                </a:effectLst>
-              </a:rPr>
-              <a:t> </a:t>
-            </a:r>
-            <a:r>
-              <a:rPr lang="fr-FR" sz="8000" b="1" dirty="0" err="1" smtClean="0">
-                <a:effectLst>
-                  <a:outerShdw blurRad="38100" dist="38100" dir="2700000" algn="tl">
-                    <a:srgbClr val="000000">
-                      <a:alpha val="43137"/>
-                    </a:srgbClr>
-                  </a:outerShdw>
-                </a:effectLst>
-              </a:rPr>
-              <a:t>miaraka</a:t>
-            </a:r>
-            <a:r>
-              <a:rPr lang="fr-FR" sz="8000" b="1" dirty="0" smtClean="0">
-                <a:effectLst>
-                  <a:outerShdw blurRad="38100" dist="38100" dir="2700000" algn="tl">
-                    <a:srgbClr val="000000">
-                      <a:alpha val="43137"/>
-                    </a:srgbClr>
-                  </a:outerShdw>
-                </a:effectLst>
-              </a:rPr>
-              <a:t> @ i </a:t>
-            </a:r>
-            <a:r>
-              <a:rPr lang="fr-FR" sz="8000" b="1" dirty="0" err="1" smtClean="0">
-                <a:effectLst>
-                  <a:outerShdw blurRad="38100" dist="38100" dir="2700000" algn="tl">
-                    <a:srgbClr val="000000">
-                      <a:alpha val="43137"/>
-                    </a:srgbClr>
-                  </a:outerShdw>
-                </a:effectLst>
-              </a:rPr>
-              <a:t>Jeso</a:t>
-            </a:r>
-            <a:r>
-              <a:rPr lang="fr-FR" sz="8000" b="1" dirty="0" smtClean="0">
-                <a:effectLst>
-                  <a:outerShdw blurRad="38100" dist="38100" dir="2700000" algn="tl">
-                    <a:srgbClr val="000000">
-                      <a:alpha val="43137"/>
-                    </a:srgbClr>
-                  </a:outerShdw>
-                </a:effectLst>
-              </a:rPr>
-              <a:t> </a:t>
-            </a:r>
-          </a:p>
-          <a:p>
-            <a:pPr algn="ctr"/>
-            <a:r>
-              <a:rPr lang="fr-FR" sz="8000" b="1" dirty="0" err="1" smtClean="0">
-                <a:effectLst>
-                  <a:outerShdw blurRad="38100" dist="38100" dir="2700000" algn="tl">
-                    <a:srgbClr val="000000">
-                      <a:alpha val="43137"/>
-                    </a:srgbClr>
-                  </a:outerShdw>
-                </a:effectLst>
-              </a:rPr>
-              <a:t>Tsy</a:t>
-            </a:r>
-            <a:r>
-              <a:rPr lang="fr-FR" sz="8000" b="1" dirty="0" smtClean="0">
-                <a:effectLst>
-                  <a:outerShdw blurRad="38100" dist="38100" dir="2700000" algn="tl">
-                    <a:srgbClr val="000000">
-                      <a:alpha val="43137"/>
-                    </a:srgbClr>
-                  </a:outerShdw>
-                </a:effectLst>
-              </a:rPr>
-              <a:t> </a:t>
-            </a:r>
-            <a:r>
-              <a:rPr lang="fr-FR" sz="8000" b="1" dirty="0" err="1" smtClean="0">
-                <a:effectLst>
-                  <a:outerShdw blurRad="38100" dist="38100" dir="2700000" algn="tl">
-                    <a:srgbClr val="000000">
-                      <a:alpha val="43137"/>
-                    </a:srgbClr>
-                  </a:outerShdw>
-                </a:effectLst>
-              </a:rPr>
-              <a:t>mihisitrisitra</a:t>
-            </a:r>
-            <a:r>
-              <a:rPr lang="fr-FR" sz="8000" b="1" dirty="0" smtClean="0">
-                <a:effectLst>
-                  <a:outerShdw blurRad="38100" dist="38100" dir="2700000" algn="tl">
-                    <a:srgbClr val="000000">
-                      <a:alpha val="43137"/>
-                    </a:srgbClr>
-                  </a:outerShdw>
-                </a:effectLst>
-              </a:rPr>
-              <a:t> </a:t>
-            </a:r>
-          </a:p>
-          <a:p>
-            <a:pPr algn="ctr"/>
-            <a:r>
-              <a:rPr lang="fr-FR" sz="8000" b="1" dirty="0" err="1" smtClean="0">
-                <a:effectLst>
-                  <a:outerShdw blurRad="38100" dist="38100" dir="2700000" algn="tl">
-                    <a:srgbClr val="000000">
-                      <a:alpha val="43137"/>
-                    </a:srgbClr>
-                  </a:outerShdw>
-                </a:effectLst>
-              </a:rPr>
-              <a:t>Tsy</a:t>
-            </a:r>
-            <a:r>
-              <a:rPr lang="fr-FR" sz="8000" b="1" dirty="0" smtClean="0">
-                <a:effectLst>
-                  <a:outerShdw blurRad="38100" dist="38100" dir="2700000" algn="tl">
-                    <a:srgbClr val="000000">
-                      <a:alpha val="43137"/>
-                    </a:srgbClr>
-                  </a:outerShdw>
-                </a:effectLst>
-              </a:rPr>
-              <a:t> </a:t>
-            </a:r>
-            <a:r>
-              <a:rPr lang="fr-FR" sz="8000" b="1" dirty="0" err="1" smtClean="0">
-                <a:effectLst>
-                  <a:outerShdw blurRad="38100" dist="38100" dir="2700000" algn="tl">
-                    <a:srgbClr val="000000">
-                      <a:alpha val="43137"/>
-                    </a:srgbClr>
-                  </a:outerShdw>
-                </a:effectLst>
-              </a:rPr>
-              <a:t>manao</a:t>
-            </a:r>
-            <a:r>
-              <a:rPr lang="fr-FR" sz="8000" b="1" dirty="0" smtClean="0">
-                <a:effectLst>
-                  <a:outerShdw blurRad="38100" dist="38100" dir="2700000" algn="tl">
-                    <a:srgbClr val="000000">
-                      <a:alpha val="43137"/>
-                    </a:srgbClr>
-                  </a:outerShdw>
-                </a:effectLst>
-              </a:rPr>
-              <a:t> </a:t>
-            </a:r>
-            <a:r>
-              <a:rPr lang="fr-FR" sz="8000" b="1" dirty="0" err="1" smtClean="0">
-                <a:effectLst>
-                  <a:outerShdw blurRad="38100" dist="38100" dir="2700000" algn="tl">
-                    <a:srgbClr val="000000">
-                      <a:alpha val="43137"/>
-                    </a:srgbClr>
-                  </a:outerShdw>
-                </a:effectLst>
-              </a:rPr>
-              <a:t>be</a:t>
-            </a:r>
-            <a:r>
-              <a:rPr lang="fr-FR" sz="8000" b="1" dirty="0" smtClean="0">
-                <a:effectLst>
-                  <a:outerShdw blurRad="38100" dist="38100" dir="2700000" algn="tl">
-                    <a:srgbClr val="000000">
-                      <a:alpha val="43137"/>
-                    </a:srgbClr>
-                  </a:outerShdw>
-                </a:effectLst>
-              </a:rPr>
-              <a:t> </a:t>
-            </a:r>
-            <a:r>
-              <a:rPr lang="fr-FR" sz="8000" b="1" dirty="0" err="1" smtClean="0">
-                <a:effectLst>
-                  <a:outerShdw blurRad="38100" dist="38100" dir="2700000" algn="tl">
-                    <a:srgbClr val="000000">
-                      <a:alpha val="43137"/>
-                    </a:srgbClr>
-                  </a:outerShdw>
-                </a:effectLst>
-              </a:rPr>
-              <a:t>loha</a:t>
-            </a:r>
-            <a:endParaRPr lang="fr-FR" sz="8000" b="1" dirty="0">
-              <a:effectLst>
-                <a:outerShdw blurRad="38100" dist="38100" dir="2700000" algn="tl">
-                  <a:srgbClr val="000000">
-                    <a:alpha val="43137"/>
-                  </a:srgbClr>
-                </a:outerShdw>
-              </a:effectLst>
-            </a:endParaRPr>
-          </a:p>
-        </p:txBody>
-      </p:sp>
-    </p:spTree>
-    <p:extLst>
-      <p:ext uri="{BB962C8B-B14F-4D97-AF65-F5344CB8AC3E}">
-        <p14:creationId xmlns:p14="http://schemas.microsoft.com/office/powerpoint/2010/main" val="2739369533"/>
-      </p:ext>
-    </p:extLst>
-  </p:cSld>
-  <p:clrMapOvr>
-    <a:masterClrMapping/>
-  </p:clrMapOvr>
-</p:sld>
-</file>
-
-<file path=ppt/slides/slide3.xml><?xml version="1.0" encoding="utf-8"?>
-<p:sld xmlns:a="http://schemas.openxmlformats.org/drawingml/2006/main" xmlns:r="http://schemas.openxmlformats.org/officeDocument/2006/relationships" xmlns:p="http://schemas.openxmlformats.org/presentationml/2006/main">
-  <p:cSld>
-    <p:spTree>
-      <p:nvGrpSpPr>
-        <p:cNvPr id="1" name=""/>
-        <p:cNvGrpSpPr/>
-        <p:nvPr/>
-      </p:nvGrpSpPr>
-      <p:grpSpPr>
-        <a:xfrm>
-          <a:off x="0" y="0"/>
-          <a:ext cx="0" cy="0"/>
-          <a:chOff x="0" y="0"/>
-          <a:chExt cx="0" cy="0"/>
-        </a:xfrm>
-      </p:grpSpPr>
-      <p:sp>
-        <p:nvSpPr>
-          <p:cNvPr id="2" name="Rectangle 1"/>
-          <p:cNvSpPr/>
-          <p:nvPr/>
-        </p:nvSpPr>
-        <p:spPr>
-          <a:xfrm>
-            <a:off x="0" y="90150"/>
-            <a:ext cx="12192000" cy="6740307"/>
-          </a:xfrm>
-          <a:prstGeom prst="rect">
-            <a:avLst/>
-          </a:prstGeom>
-        </p:spPr>
-        <p:txBody>
-          <a:bodyPr wrap="square">
-            <a:spAutoFit/>
-          </a:bodyPr>
-          <a:lstStyle/>
-          <a:p>
-            <a:pPr algn="ctr"/>
-            <a:r>
-              <a:rPr lang="fr-FR" sz="7200" b="1" dirty="0" err="1" smtClean="0">
-                <a:effectLst>
-                  <a:outerShdw blurRad="38100" dist="38100" dir="2700000" algn="tl">
-                    <a:srgbClr val="000000">
-                      <a:alpha val="43137"/>
-                    </a:srgbClr>
-                  </a:outerShdw>
-                </a:effectLst>
-              </a:rPr>
-              <a:t>Tsy</a:t>
-            </a:r>
-            <a:r>
-              <a:rPr lang="fr-FR" sz="7200" b="1" dirty="0" smtClean="0">
-                <a:effectLst>
-                  <a:outerShdw blurRad="38100" dist="38100" dir="2700000" algn="tl">
-                    <a:srgbClr val="000000">
-                      <a:alpha val="43137"/>
-                    </a:srgbClr>
-                  </a:outerShdw>
-                </a:effectLst>
-              </a:rPr>
-              <a:t> </a:t>
-            </a:r>
-            <a:r>
-              <a:rPr lang="fr-FR" sz="7200" b="1" dirty="0" err="1" smtClean="0">
-                <a:effectLst>
-                  <a:outerShdw blurRad="38100" dist="38100" dir="2700000" algn="tl">
-                    <a:srgbClr val="000000">
-                      <a:alpha val="43137"/>
-                    </a:srgbClr>
-                  </a:outerShdw>
-                </a:effectLst>
-              </a:rPr>
-              <a:t>manao</a:t>
-            </a:r>
-            <a:r>
-              <a:rPr lang="fr-FR" sz="7200" b="1" dirty="0" smtClean="0">
-                <a:effectLst>
-                  <a:outerShdw blurRad="38100" dist="38100" dir="2700000" algn="tl">
-                    <a:srgbClr val="000000">
-                      <a:alpha val="43137"/>
-                    </a:srgbClr>
-                  </a:outerShdw>
-                </a:effectLst>
-              </a:rPr>
-              <a:t> </a:t>
-            </a:r>
-            <a:r>
-              <a:rPr lang="fr-FR" sz="7200" b="1" dirty="0" err="1" smtClean="0">
-                <a:effectLst>
-                  <a:outerShdw blurRad="38100" dist="38100" dir="2700000" algn="tl">
-                    <a:srgbClr val="000000">
-                      <a:alpha val="43137"/>
-                    </a:srgbClr>
-                  </a:outerShdw>
-                </a:effectLst>
-              </a:rPr>
-              <a:t>mafy</a:t>
-            </a:r>
-            <a:r>
-              <a:rPr lang="fr-FR" sz="7200" b="1" dirty="0" smtClean="0">
-                <a:effectLst>
-                  <a:outerShdw blurRad="38100" dist="38100" dir="2700000" algn="tl">
-                    <a:srgbClr val="000000">
-                      <a:alpha val="43137"/>
-                    </a:srgbClr>
-                  </a:outerShdw>
-                </a:effectLst>
-              </a:rPr>
-              <a:t> </a:t>
-            </a:r>
-            <a:r>
-              <a:rPr lang="fr-FR" sz="7200" b="1" dirty="0" err="1" smtClean="0">
-                <a:effectLst>
-                  <a:outerShdw blurRad="38100" dist="38100" dir="2700000" algn="tl">
-                    <a:srgbClr val="000000">
-                      <a:alpha val="43137"/>
-                    </a:srgbClr>
-                  </a:outerShdw>
-                </a:effectLst>
-              </a:rPr>
-              <a:t>loha</a:t>
-            </a:r>
-            <a:r>
-              <a:rPr lang="fr-FR" sz="7200" b="1" dirty="0" smtClean="0">
-                <a:effectLst>
-                  <a:outerShdw blurRad="38100" dist="38100" dir="2700000" algn="tl">
-                    <a:srgbClr val="000000">
-                      <a:alpha val="43137"/>
-                    </a:srgbClr>
-                  </a:outerShdw>
-                </a:effectLst>
-              </a:rPr>
-              <a:t> </a:t>
-            </a:r>
-          </a:p>
-          <a:p>
-            <a:pPr algn="ctr"/>
-            <a:r>
-              <a:rPr lang="fr-FR" sz="7200" b="1" dirty="0" smtClean="0">
-                <a:effectLst>
-                  <a:outerShdw blurRad="38100" dist="38100" dir="2700000" algn="tl">
-                    <a:srgbClr val="000000">
-                      <a:alpha val="43137"/>
-                    </a:srgbClr>
-                  </a:outerShdw>
-                </a:effectLst>
-              </a:rPr>
-              <a:t>Fa dia </a:t>
-            </a:r>
-            <a:r>
-              <a:rPr lang="fr-FR" sz="7200" b="1" dirty="0" err="1" smtClean="0">
-                <a:effectLst>
-                  <a:outerShdw blurRad="38100" dist="38100" dir="2700000" algn="tl">
-                    <a:srgbClr val="000000">
-                      <a:alpha val="43137"/>
-                    </a:srgbClr>
-                  </a:outerShdw>
-                </a:effectLst>
-              </a:rPr>
-              <a:t>mankatò</a:t>
-            </a:r>
-            <a:r>
-              <a:rPr lang="fr-FR" sz="7200" b="1" dirty="0" smtClean="0">
-                <a:effectLst>
-                  <a:outerShdw blurRad="38100" dist="38100" dir="2700000" algn="tl">
-                    <a:srgbClr val="000000">
-                      <a:alpha val="43137"/>
-                    </a:srgbClr>
-                  </a:outerShdw>
-                </a:effectLst>
-              </a:rPr>
-              <a:t> </a:t>
-            </a:r>
-            <a:r>
-              <a:rPr lang="fr-FR" sz="7200" b="1" dirty="0" err="1" smtClean="0">
-                <a:effectLst>
-                  <a:outerShdw blurRad="38100" dist="38100" dir="2700000" algn="tl">
-                    <a:srgbClr val="000000">
-                      <a:alpha val="43137"/>
-                    </a:srgbClr>
-                  </a:outerShdw>
-                </a:effectLst>
-              </a:rPr>
-              <a:t>tokoa</a:t>
-            </a:r>
-            <a:r>
-              <a:rPr lang="fr-FR" sz="7200" b="1" dirty="0" smtClean="0">
-                <a:effectLst>
-                  <a:outerShdw blurRad="38100" dist="38100" dir="2700000" algn="tl">
-                    <a:srgbClr val="000000">
-                      <a:alpha val="43137"/>
-                    </a:srgbClr>
-                  </a:outerShdw>
-                </a:effectLst>
-              </a:rPr>
-              <a:t> </a:t>
-            </a:r>
-            <a:r>
-              <a:rPr lang="fr-FR" sz="7200" b="1" dirty="0" err="1" smtClean="0">
-                <a:effectLst>
-                  <a:outerShdw blurRad="38100" dist="38100" dir="2700000" algn="tl">
-                    <a:srgbClr val="000000">
-                      <a:alpha val="43137"/>
-                    </a:srgbClr>
-                  </a:outerShdw>
-                </a:effectLst>
-              </a:rPr>
-              <a:t>tokoa</a:t>
-            </a:r>
-            <a:r>
-              <a:rPr lang="fr-FR" sz="7200" b="1" dirty="0" smtClean="0">
-                <a:effectLst>
-                  <a:outerShdw blurRad="38100" dist="38100" dir="2700000" algn="tl">
-                    <a:srgbClr val="000000">
-                      <a:alpha val="43137"/>
-                    </a:srgbClr>
-                  </a:outerShdw>
-                </a:effectLst>
-              </a:rPr>
-              <a:t> </a:t>
-            </a:r>
-          </a:p>
-          <a:p>
-            <a:pPr algn="ctr"/>
-            <a:r>
-              <a:rPr lang="fr-FR" sz="7200" b="1" dirty="0" err="1" smtClean="0">
-                <a:effectLst>
-                  <a:outerShdw blurRad="38100" dist="38100" dir="2700000" algn="tl">
-                    <a:srgbClr val="000000">
-                      <a:alpha val="43137"/>
-                    </a:srgbClr>
-                  </a:outerShdw>
-                </a:effectLst>
-              </a:rPr>
-              <a:t>Tsy</a:t>
-            </a:r>
-            <a:r>
-              <a:rPr lang="fr-FR" sz="7200" b="1" dirty="0" smtClean="0">
-                <a:effectLst>
-                  <a:outerShdw blurRad="38100" dist="38100" dir="2700000" algn="tl">
-                    <a:srgbClr val="000000">
-                      <a:alpha val="43137"/>
-                    </a:srgbClr>
-                  </a:outerShdw>
-                </a:effectLst>
-              </a:rPr>
-              <a:t> </a:t>
-            </a:r>
-            <a:r>
-              <a:rPr lang="fr-FR" sz="7200" b="1" dirty="0" err="1" smtClean="0">
-                <a:effectLst>
-                  <a:outerShdw blurRad="38100" dist="38100" dir="2700000" algn="tl">
-                    <a:srgbClr val="000000">
-                      <a:alpha val="43137"/>
-                    </a:srgbClr>
-                  </a:outerShdw>
-                </a:effectLst>
-              </a:rPr>
-              <a:t>manao</a:t>
-            </a:r>
-            <a:r>
-              <a:rPr lang="fr-FR" sz="7200" b="1" dirty="0" smtClean="0">
-                <a:effectLst>
-                  <a:outerShdw blurRad="38100" dist="38100" dir="2700000" algn="tl">
-                    <a:srgbClr val="000000">
-                      <a:alpha val="43137"/>
-                    </a:srgbClr>
-                  </a:outerShdw>
-                </a:effectLst>
-              </a:rPr>
-              <a:t> </a:t>
-            </a:r>
-            <a:r>
-              <a:rPr lang="fr-FR" sz="7200" b="1" dirty="0" err="1" smtClean="0">
-                <a:effectLst>
-                  <a:outerShdw blurRad="38100" dist="38100" dir="2700000" algn="tl">
-                    <a:srgbClr val="000000">
-                      <a:alpha val="43137"/>
-                    </a:srgbClr>
-                  </a:outerShdw>
-                </a:effectLst>
-              </a:rPr>
-              <a:t>be</a:t>
-            </a:r>
-            <a:r>
-              <a:rPr lang="fr-FR" sz="7200" b="1" dirty="0" smtClean="0">
-                <a:effectLst>
-                  <a:outerShdw blurRad="38100" dist="38100" dir="2700000" algn="tl">
-                    <a:srgbClr val="000000">
-                      <a:alpha val="43137"/>
-                    </a:srgbClr>
-                  </a:outerShdw>
-                </a:effectLst>
-              </a:rPr>
-              <a:t> </a:t>
-            </a:r>
-            <a:r>
-              <a:rPr lang="fr-FR" sz="7200" b="1" dirty="0" err="1" smtClean="0">
-                <a:effectLst>
-                  <a:outerShdw blurRad="38100" dist="38100" dir="2700000" algn="tl">
-                    <a:srgbClr val="000000">
-                      <a:alpha val="43137"/>
-                    </a:srgbClr>
-                  </a:outerShdw>
-                </a:effectLst>
-              </a:rPr>
-              <a:t>loha</a:t>
-            </a:r>
-            <a:r>
-              <a:rPr lang="fr-FR" sz="7200" b="1" dirty="0" smtClean="0">
-                <a:effectLst>
-                  <a:outerShdw blurRad="38100" dist="38100" dir="2700000" algn="tl">
-                    <a:srgbClr val="000000">
-                      <a:alpha val="43137"/>
-                    </a:srgbClr>
-                  </a:outerShdw>
-                </a:effectLst>
-              </a:rPr>
-              <a:t> </a:t>
-            </a:r>
-            <a:r>
-              <a:rPr lang="fr-FR" sz="7200" b="1" dirty="0" err="1" smtClean="0">
-                <a:effectLst>
-                  <a:outerShdw blurRad="38100" dist="38100" dir="2700000" algn="tl">
-                    <a:srgbClr val="000000">
-                      <a:alpha val="43137"/>
-                    </a:srgbClr>
-                  </a:outerShdw>
-                </a:effectLst>
-              </a:rPr>
-              <a:t>zany</a:t>
-            </a:r>
-            <a:endParaRPr lang="fr-FR" sz="7200" b="1" dirty="0" smtClean="0">
-              <a:effectLst>
-                <a:outerShdw blurRad="38100" dist="38100" dir="2700000" algn="tl">
-                  <a:srgbClr val="000000">
-                    <a:alpha val="43137"/>
-                  </a:srgbClr>
-                </a:outerShdw>
-              </a:effectLst>
-            </a:endParaRPr>
-          </a:p>
-          <a:p>
-            <a:pPr algn="ctr"/>
-            <a:r>
-              <a:rPr lang="fr-FR" sz="7200" b="1" dirty="0" err="1" smtClean="0">
-                <a:effectLst>
-                  <a:outerShdw blurRad="38100" dist="38100" dir="2700000" algn="tl">
-                    <a:srgbClr val="000000">
-                      <a:alpha val="43137"/>
-                    </a:srgbClr>
-                  </a:outerShdw>
-                </a:effectLst>
-              </a:rPr>
-              <a:t>Tsy</a:t>
-            </a:r>
-            <a:r>
-              <a:rPr lang="fr-FR" sz="7200" b="1" dirty="0" smtClean="0">
-                <a:effectLst>
-                  <a:outerShdw blurRad="38100" dist="38100" dir="2700000" algn="tl">
-                    <a:srgbClr val="000000">
-                      <a:alpha val="43137"/>
-                    </a:srgbClr>
-                  </a:outerShdw>
-                </a:effectLst>
-              </a:rPr>
-              <a:t> </a:t>
-            </a:r>
-            <a:r>
-              <a:rPr lang="fr-FR" sz="7200" b="1" dirty="0" err="1" smtClean="0">
-                <a:effectLst>
-                  <a:outerShdw blurRad="38100" dist="38100" dir="2700000" algn="tl">
-                    <a:srgbClr val="000000">
-                      <a:alpha val="43137"/>
-                    </a:srgbClr>
-                  </a:outerShdw>
-                </a:effectLst>
-              </a:rPr>
-              <a:t>manao</a:t>
-            </a:r>
-            <a:r>
-              <a:rPr lang="fr-FR" sz="7200" b="1" dirty="0" smtClean="0">
-                <a:effectLst>
-                  <a:outerShdw blurRad="38100" dist="38100" dir="2700000" algn="tl">
-                    <a:srgbClr val="000000">
-                      <a:alpha val="43137"/>
-                    </a:srgbClr>
-                  </a:outerShdw>
-                </a:effectLst>
-              </a:rPr>
-              <a:t> </a:t>
-            </a:r>
-            <a:r>
-              <a:rPr lang="fr-FR" sz="7200" b="1" dirty="0" err="1" smtClean="0">
-                <a:effectLst>
-                  <a:outerShdw blurRad="38100" dist="38100" dir="2700000" algn="tl">
-                    <a:srgbClr val="000000">
-                      <a:alpha val="43137"/>
-                    </a:srgbClr>
-                  </a:outerShdw>
-                </a:effectLst>
-              </a:rPr>
-              <a:t>mafy</a:t>
-            </a:r>
-            <a:r>
-              <a:rPr lang="fr-FR" sz="7200" b="1" dirty="0" smtClean="0">
-                <a:effectLst>
-                  <a:outerShdw blurRad="38100" dist="38100" dir="2700000" algn="tl">
-                    <a:srgbClr val="000000">
-                      <a:alpha val="43137"/>
-                    </a:srgbClr>
-                  </a:outerShdw>
-                </a:effectLst>
-              </a:rPr>
-              <a:t> </a:t>
-            </a:r>
-            <a:r>
-              <a:rPr lang="fr-FR" sz="7200" b="1" dirty="0" err="1" smtClean="0">
-                <a:effectLst>
-                  <a:outerShdw blurRad="38100" dist="38100" dir="2700000" algn="tl">
-                    <a:srgbClr val="000000">
-                      <a:alpha val="43137"/>
-                    </a:srgbClr>
-                  </a:outerShdw>
-                </a:effectLst>
-              </a:rPr>
-              <a:t>loha</a:t>
-            </a:r>
-            <a:r>
-              <a:rPr lang="fr-FR" sz="7200" b="1" dirty="0" smtClean="0">
-                <a:effectLst>
-                  <a:outerShdw blurRad="38100" dist="38100" dir="2700000" algn="tl">
-                    <a:srgbClr val="000000">
-                      <a:alpha val="43137"/>
-                    </a:srgbClr>
-                  </a:outerShdw>
-                </a:effectLst>
-              </a:rPr>
-              <a:t> </a:t>
-            </a:r>
-            <a:r>
-              <a:rPr lang="fr-FR" sz="7200" b="1" dirty="0" err="1" smtClean="0">
-                <a:effectLst>
-                  <a:outerShdw blurRad="38100" dist="38100" dir="2700000" algn="tl">
-                    <a:srgbClr val="000000">
-                      <a:alpha val="43137"/>
-                    </a:srgbClr>
-                  </a:outerShdw>
-                </a:effectLst>
-              </a:rPr>
-              <a:t>zany</a:t>
-            </a:r>
-            <a:r>
-              <a:rPr lang="fr-FR" sz="7200" b="1" dirty="0" smtClean="0">
-                <a:effectLst>
-                  <a:outerShdw blurRad="38100" dist="38100" dir="2700000" algn="tl">
-                    <a:srgbClr val="000000">
-                      <a:alpha val="43137"/>
-                    </a:srgbClr>
-                  </a:outerShdw>
-                </a:effectLst>
-              </a:rPr>
-              <a:t> </a:t>
-            </a:r>
-          </a:p>
-          <a:p>
-            <a:pPr algn="ctr"/>
-            <a:r>
-              <a:rPr lang="fr-FR" sz="7200" b="1" dirty="0" smtClean="0">
-                <a:effectLst>
-                  <a:outerShdw blurRad="38100" dist="38100" dir="2700000" algn="tl">
-                    <a:srgbClr val="000000">
-                      <a:alpha val="43137"/>
-                    </a:srgbClr>
-                  </a:outerShdw>
-                </a:effectLst>
-              </a:rPr>
-              <a:t>Fa dia </a:t>
-            </a:r>
-            <a:r>
-              <a:rPr lang="fr-FR" sz="7200" b="1" dirty="0" err="1" smtClean="0">
-                <a:effectLst>
-                  <a:outerShdw blurRad="38100" dist="38100" dir="2700000" algn="tl">
-                    <a:srgbClr val="000000">
-                      <a:alpha val="43137"/>
-                    </a:srgbClr>
-                  </a:outerShdw>
-                </a:effectLst>
-              </a:rPr>
-              <a:t>mankatò</a:t>
-            </a:r>
-            <a:r>
-              <a:rPr lang="fr-FR" sz="7200" b="1" dirty="0" smtClean="0">
-                <a:effectLst>
-                  <a:outerShdw blurRad="38100" dist="38100" dir="2700000" algn="tl">
-                    <a:srgbClr val="000000">
-                      <a:alpha val="43137"/>
-                    </a:srgbClr>
-                  </a:outerShdw>
-                </a:effectLst>
-              </a:rPr>
-              <a:t> </a:t>
-            </a:r>
-            <a:r>
-              <a:rPr lang="fr-FR" sz="7200" b="1" dirty="0" err="1" smtClean="0">
-                <a:effectLst>
-                  <a:outerShdw blurRad="38100" dist="38100" dir="2700000" algn="tl">
-                    <a:srgbClr val="000000">
-                      <a:alpha val="43137"/>
-                    </a:srgbClr>
-                  </a:outerShdw>
-                </a:effectLst>
-              </a:rPr>
-              <a:t>hatrany</a:t>
-            </a:r>
-            <a:r>
-              <a:rPr lang="fr-FR" sz="7200" b="1" dirty="0" smtClean="0">
-                <a:effectLst>
-                  <a:outerShdw blurRad="38100" dist="38100" dir="2700000" algn="tl">
-                    <a:srgbClr val="000000">
-                      <a:alpha val="43137"/>
-                    </a:srgbClr>
-                  </a:outerShdw>
-                </a:effectLst>
-              </a:rPr>
-              <a:t> </a:t>
-            </a:r>
-            <a:r>
-              <a:rPr lang="fr-FR" sz="7200" b="1" dirty="0" err="1" smtClean="0">
-                <a:effectLst>
-                  <a:outerShdw blurRad="38100" dist="38100" dir="2700000" algn="tl">
-                    <a:srgbClr val="000000">
-                      <a:alpha val="43137"/>
-                    </a:srgbClr>
-                  </a:outerShdw>
-                </a:effectLst>
-              </a:rPr>
-              <a:t>hatrany</a:t>
-            </a:r>
-            <a:r>
-              <a:rPr lang="fr-FR" sz="7200" b="1" dirty="0" smtClean="0">
-                <a:effectLst>
-                  <a:outerShdw blurRad="38100" dist="38100" dir="2700000" algn="tl">
-                    <a:srgbClr val="000000">
-                      <a:alpha val="43137"/>
-                    </a:srgbClr>
-                  </a:outerShdw>
-                </a:effectLst>
-              </a:rPr>
-              <a:t> </a:t>
-            </a:r>
-            <a:endParaRPr lang="fr-FR" sz="7200" b="1" dirty="0">
-              <a:effectLst>
-                <a:outerShdw blurRad="38100" dist="38100" dir="2700000" algn="tl">
-                  <a:srgbClr val="000000">
-                    <a:alpha val="43137"/>
-                  </a:srgbClr>
-                </a:outerShdw>
-              </a:effectLst>
-            </a:endParaRPr>
-          </a:p>
-        </p:txBody>
-      </p:sp>
-    </p:spTree>
-    <p:extLst>
-      <p:ext uri="{BB962C8B-B14F-4D97-AF65-F5344CB8AC3E}">
-        <p14:creationId xmlns:p14="http://schemas.microsoft.com/office/powerpoint/2010/main" val="2393730872"/>
-      </p:ext>
-    </p:extLst>
-  </p:cSld>
-  <p:clrMapOvr>
-    <a:masterClrMapping/>
-  </p:clrMapOvr>
-</p:sld>
-</file>
-
-<file path=ppt/slides/slide4.xml><?xml version="1.0" encoding="utf-8"?>
+<file path=ppt/slides/slide10.xml><?xml version="1.0" encoding="utf-8"?>
 <p:sld xmlns:a="http://schemas.openxmlformats.org/drawingml/2006/main" xmlns:r="http://schemas.openxmlformats.org/officeDocument/2006/relationships" xmlns:p="http://schemas.openxmlformats.org/presentationml/2006/main">
   <p:cSld>
     <p:spTree>
@@ -4487,7 +3515,31 @@
                   </a:outerShdw>
                 </a:effectLst>
               </a:rPr>
-              <a:t> na </a:t>
+              <a:t> </a:t>
+            </a:r>
+            <a:endParaRPr lang="fr-FR" sz="7200" b="1" dirty="0" smtClean="0">
+              <a:effectLst>
+                <a:outerShdw blurRad="38100" dist="38100" dir="2700000" algn="tl">
+                  <a:srgbClr val="000000">
+                    <a:alpha val="43137"/>
+                  </a:srgbClr>
+                </a:outerShdw>
+              </a:effectLst>
+            </a:endParaRPr>
+          </a:p>
+          <a:p>
+            <a:pPr algn="ctr"/>
+            <a:r>
+              <a:rPr lang="fr-FR" sz="7200" b="1" dirty="0" smtClean="0">
+                <a:effectLst>
+                  <a:outerShdw blurRad="38100" dist="38100" dir="2700000" algn="tl">
+                    <a:srgbClr val="000000">
+                      <a:alpha val="43137"/>
+                    </a:srgbClr>
+                  </a:outerShdw>
+                </a:effectLst>
+              </a:rPr>
+              <a:t>na </a:t>
             </a:r>
             <a:r>
               <a:rPr lang="fr-FR" sz="7200" b="1" dirty="0" err="1" smtClean="0">
@@ -4543,13 +3595,1705 @@
     </p:spTree>
     <p:extLst>
       <p:ext uri="{BB962C8B-B14F-4D97-AF65-F5344CB8AC3E}">
-        <p14:creationId xmlns:p14="http://schemas.microsoft.com/office/powerpoint/2010/main" val="2172762215"/>
+        <p14:creationId xmlns:p14="http://schemas.microsoft.com/office/powerpoint/2010/main" val="716134702"/>
       </p:ext>
     </p:extLst>
   </p:cSld>
   <p:clrMapOvr>
     <a:masterClrMapping/>
   </p:clrMapOvr>
+  <p:timing>
+    <p:tnLst>
+      <p:par>
+        <p:cTn id="1" dur="indefinite" restart="never" nodeType="tmRoot"/>
+      </p:par>
+    </p:tnLst>
+  </p:timing>
+</p:sld>
+</file>
+
+<file path=ppt/slides/slide11.xml><?xml version="1.0" encoding="utf-8"?>
+<p:sld xmlns:a="http://schemas.openxmlformats.org/drawingml/2006/main" xmlns:r="http://schemas.openxmlformats.org/officeDocument/2006/relationships" xmlns:p="http://schemas.openxmlformats.org/presentationml/2006/main">
+  <p:cSld>
+    <p:spTree>
+      <p:nvGrpSpPr>
+        <p:cNvPr id="1" name=""/>
+        <p:cNvGrpSpPr/>
+        <p:nvPr/>
+      </p:nvGrpSpPr>
+      <p:grpSpPr>
+        <a:xfrm>
+          <a:off x="0" y="0"/>
+          <a:ext cx="0" cy="0"/>
+          <a:chOff x="0" y="0"/>
+          <a:chExt cx="0" cy="0"/>
+        </a:xfrm>
+      </p:grpSpPr>
+      <p:sp>
+        <p:nvSpPr>
+          <p:cNvPr id="2" name="Rectangle 1"/>
+          <p:cNvSpPr/>
+          <p:nvPr/>
+        </p:nvSpPr>
+        <p:spPr>
+          <a:xfrm>
+            <a:off x="0" y="0"/>
+            <a:ext cx="12192000" cy="6740307"/>
+          </a:xfrm>
+          <a:prstGeom prst="rect">
+            <a:avLst/>
+          </a:prstGeom>
+        </p:spPr>
+        <p:txBody>
+          <a:bodyPr wrap="square">
+            <a:spAutoFit/>
+          </a:bodyPr>
+          <a:lstStyle/>
+          <a:p>
+            <a:pPr algn="ctr"/>
+            <a:r>
+              <a:rPr lang="fr-FR" sz="7200" b="1" dirty="0" err="1" smtClean="0">
+                <a:effectLst>
+                  <a:outerShdw blurRad="38100" dist="38100" dir="2700000" algn="tl">
+                    <a:srgbClr val="000000">
+                      <a:alpha val="43137"/>
+                    </a:srgbClr>
+                  </a:outerShdw>
+                </a:effectLst>
+              </a:rPr>
+              <a:t>Rehefa</a:t>
+            </a:r>
+            <a:r>
+              <a:rPr lang="fr-FR" sz="7200" b="1" dirty="0" smtClean="0">
+                <a:effectLst>
+                  <a:outerShdw blurRad="38100" dist="38100" dir="2700000" algn="tl">
+                    <a:srgbClr val="000000">
+                      <a:alpha val="43137"/>
+                    </a:srgbClr>
+                  </a:outerShdw>
+                </a:effectLst>
+              </a:rPr>
+              <a:t> </a:t>
+            </a:r>
+            <a:r>
+              <a:rPr lang="fr-FR" sz="7200" b="1" dirty="0" err="1" smtClean="0">
+                <a:effectLst>
+                  <a:outerShdw blurRad="38100" dist="38100" dir="2700000" algn="tl">
+                    <a:srgbClr val="000000">
+                      <a:alpha val="43137"/>
+                    </a:srgbClr>
+                  </a:outerShdw>
+                </a:effectLst>
+              </a:rPr>
+              <a:t>miaraka</a:t>
+            </a:r>
+            <a:r>
+              <a:rPr lang="fr-FR" sz="7200" b="1" dirty="0" smtClean="0">
+                <a:effectLst>
+                  <a:outerShdw blurRad="38100" dist="38100" dir="2700000" algn="tl">
+                    <a:srgbClr val="000000">
+                      <a:alpha val="43137"/>
+                    </a:srgbClr>
+                  </a:outerShdw>
+                </a:effectLst>
+              </a:rPr>
+              <a:t> @ i </a:t>
+            </a:r>
+            <a:r>
+              <a:rPr lang="fr-FR" sz="7200" b="1" dirty="0" err="1" smtClean="0">
+                <a:effectLst>
+                  <a:outerShdw blurRad="38100" dist="38100" dir="2700000" algn="tl">
+                    <a:srgbClr val="000000">
+                      <a:alpha val="43137"/>
+                    </a:srgbClr>
+                  </a:outerShdw>
+                </a:effectLst>
+              </a:rPr>
+              <a:t>Jeso</a:t>
+            </a:r>
+            <a:r>
+              <a:rPr lang="fr-FR" sz="7200" b="1" dirty="0" smtClean="0">
+                <a:effectLst>
+                  <a:outerShdw blurRad="38100" dist="38100" dir="2700000" algn="tl">
+                    <a:srgbClr val="000000">
+                      <a:alpha val="43137"/>
+                    </a:srgbClr>
+                  </a:outerShdw>
+                </a:effectLst>
+              </a:rPr>
+              <a:t> </a:t>
+            </a:r>
+          </a:p>
+          <a:p>
+            <a:pPr algn="ctr"/>
+            <a:r>
+              <a:rPr lang="fr-FR" sz="7200" b="1" dirty="0" err="1" smtClean="0">
+                <a:effectLst>
+                  <a:outerShdw blurRad="38100" dist="38100" dir="2700000" algn="tl">
+                    <a:srgbClr val="000000">
+                      <a:alpha val="43137"/>
+                    </a:srgbClr>
+                  </a:outerShdw>
+                </a:effectLst>
+              </a:rPr>
+              <a:t>Tsy</a:t>
+            </a:r>
+            <a:r>
+              <a:rPr lang="fr-FR" sz="7200" b="1" dirty="0" smtClean="0">
+                <a:effectLst>
+                  <a:outerShdw blurRad="38100" dist="38100" dir="2700000" algn="tl">
+                    <a:srgbClr val="000000">
+                      <a:alpha val="43137"/>
+                    </a:srgbClr>
+                  </a:outerShdw>
+                </a:effectLst>
+              </a:rPr>
+              <a:t> </a:t>
+            </a:r>
+            <a:r>
+              <a:rPr lang="fr-FR" sz="7200" b="1" dirty="0" err="1" smtClean="0">
+                <a:effectLst>
+                  <a:outerShdw blurRad="38100" dist="38100" dir="2700000" algn="tl">
+                    <a:srgbClr val="000000">
+                      <a:alpha val="43137"/>
+                    </a:srgbClr>
+                  </a:outerShdw>
+                </a:effectLst>
+              </a:rPr>
+              <a:t>mamalivaly</a:t>
+            </a:r>
+            <a:r>
+              <a:rPr lang="fr-FR" sz="7200" b="1" dirty="0" smtClean="0">
+                <a:effectLst>
+                  <a:outerShdw blurRad="38100" dist="38100" dir="2700000" algn="tl">
+                    <a:srgbClr val="000000">
+                      <a:alpha val="43137"/>
+                    </a:srgbClr>
+                  </a:outerShdw>
+                </a:effectLst>
+              </a:rPr>
+              <a:t> </a:t>
+            </a:r>
+          </a:p>
+          <a:p>
+            <a:pPr algn="ctr"/>
+            <a:r>
+              <a:rPr lang="fr-FR" sz="7200" b="1" dirty="0" smtClean="0">
+                <a:effectLst>
+                  <a:outerShdw blurRad="38100" dist="38100" dir="2700000" algn="tl">
+                    <a:srgbClr val="000000">
+                      <a:alpha val="43137"/>
+                    </a:srgbClr>
+                  </a:outerShdw>
+                </a:effectLst>
+              </a:rPr>
+              <a:t>non </a:t>
+            </a:r>
+            <a:r>
+              <a:rPr lang="fr-FR" sz="7200" b="1" dirty="0" err="1" smtClean="0">
+                <a:effectLst>
+                  <a:outerShdw blurRad="38100" dist="38100" dir="2700000" algn="tl">
+                    <a:srgbClr val="000000">
+                      <a:alpha val="43137"/>
+                    </a:srgbClr>
+                  </a:outerShdw>
+                </a:effectLst>
+              </a:rPr>
+              <a:t>non</a:t>
+            </a:r>
+            <a:r>
+              <a:rPr lang="fr-FR" sz="7200" b="1" dirty="0" smtClean="0">
+                <a:effectLst>
+                  <a:outerShdw blurRad="38100" dist="38100" dir="2700000" algn="tl">
+                    <a:srgbClr val="000000">
+                      <a:alpha val="43137"/>
+                    </a:srgbClr>
+                  </a:outerShdw>
+                </a:effectLst>
+              </a:rPr>
+              <a:t> </a:t>
+            </a:r>
+            <a:r>
+              <a:rPr lang="fr-FR" sz="7200" b="1" dirty="0" err="1" smtClean="0">
+                <a:effectLst>
+                  <a:outerShdw blurRad="38100" dist="38100" dir="2700000" algn="tl">
+                    <a:srgbClr val="000000">
+                      <a:alpha val="43137"/>
+                    </a:srgbClr>
+                  </a:outerShdw>
+                </a:effectLst>
+              </a:rPr>
+              <a:t>non</a:t>
+            </a:r>
+            <a:r>
+              <a:rPr lang="fr-FR" sz="7200" b="1" dirty="0" smtClean="0">
+                <a:effectLst>
+                  <a:outerShdw blurRad="38100" dist="38100" dir="2700000" algn="tl">
+                    <a:srgbClr val="000000">
+                      <a:alpha val="43137"/>
+                    </a:srgbClr>
+                  </a:outerShdw>
+                </a:effectLst>
+              </a:rPr>
+              <a:t> </a:t>
+            </a:r>
+            <a:r>
+              <a:rPr lang="fr-FR" sz="7200" b="1" dirty="0" err="1" smtClean="0">
+                <a:effectLst>
+                  <a:outerShdw blurRad="38100" dist="38100" dir="2700000" algn="tl">
+                    <a:srgbClr val="000000">
+                      <a:alpha val="43137"/>
+                    </a:srgbClr>
+                  </a:outerShdw>
+                </a:effectLst>
+              </a:rPr>
+              <a:t>non</a:t>
+            </a:r>
+            <a:r>
+              <a:rPr lang="fr-FR" sz="7200" b="1" dirty="0" smtClean="0">
+                <a:effectLst>
+                  <a:outerShdw blurRad="38100" dist="38100" dir="2700000" algn="tl">
+                    <a:srgbClr val="000000">
+                      <a:alpha val="43137"/>
+                    </a:srgbClr>
+                  </a:outerShdw>
+                </a:effectLst>
+              </a:rPr>
+              <a:t> </a:t>
+            </a:r>
+            <a:r>
+              <a:rPr lang="fr-FR" sz="7200" b="1" dirty="0" err="1" smtClean="0">
+                <a:effectLst>
+                  <a:outerShdw blurRad="38100" dist="38100" dir="2700000" algn="tl">
+                    <a:srgbClr val="000000">
+                      <a:alpha val="43137"/>
+                    </a:srgbClr>
+                  </a:outerShdw>
+                </a:effectLst>
+              </a:rPr>
+              <a:t>non</a:t>
+            </a:r>
+            <a:endParaRPr lang="fr-FR" sz="7200" b="1" dirty="0" smtClean="0">
+              <a:effectLst>
+                <a:outerShdw blurRad="38100" dist="38100" dir="2700000" algn="tl">
+                  <a:srgbClr val="000000">
+                    <a:alpha val="43137"/>
+                  </a:srgbClr>
+                </a:outerShdw>
+              </a:effectLst>
+            </a:endParaRPr>
+          </a:p>
+          <a:p>
+            <a:pPr algn="ctr"/>
+            <a:r>
+              <a:rPr lang="fr-FR" sz="7200" b="1" dirty="0" err="1" smtClean="0">
+                <a:effectLst>
+                  <a:outerShdw blurRad="38100" dist="38100" dir="2700000" algn="tl">
+                    <a:srgbClr val="000000">
+                      <a:alpha val="43137"/>
+                    </a:srgbClr>
+                  </a:outerShdw>
+                </a:effectLst>
+              </a:rPr>
+              <a:t>Rehefa</a:t>
+            </a:r>
+            <a:r>
+              <a:rPr lang="fr-FR" sz="7200" b="1" dirty="0" smtClean="0">
+                <a:effectLst>
+                  <a:outerShdw blurRad="38100" dist="38100" dir="2700000" algn="tl">
+                    <a:srgbClr val="000000">
+                      <a:alpha val="43137"/>
+                    </a:srgbClr>
+                  </a:outerShdw>
+                </a:effectLst>
+              </a:rPr>
+              <a:t> </a:t>
+            </a:r>
+            <a:r>
+              <a:rPr lang="fr-FR" sz="7200" b="1" dirty="0" err="1" smtClean="0">
+                <a:effectLst>
+                  <a:outerShdw blurRad="38100" dist="38100" dir="2700000" algn="tl">
+                    <a:srgbClr val="000000">
+                      <a:alpha val="43137"/>
+                    </a:srgbClr>
+                  </a:outerShdw>
+                </a:effectLst>
+              </a:rPr>
+              <a:t>miaraka</a:t>
+            </a:r>
+            <a:r>
+              <a:rPr lang="fr-FR" sz="7200" b="1" dirty="0" smtClean="0">
+                <a:effectLst>
+                  <a:outerShdw blurRad="38100" dist="38100" dir="2700000" algn="tl">
+                    <a:srgbClr val="000000">
+                      <a:alpha val="43137"/>
+                    </a:srgbClr>
+                  </a:outerShdw>
+                </a:effectLst>
+              </a:rPr>
+              <a:t> @ i </a:t>
+            </a:r>
+            <a:r>
+              <a:rPr lang="fr-FR" sz="7200" b="1" dirty="0" err="1" smtClean="0">
+                <a:effectLst>
+                  <a:outerShdw blurRad="38100" dist="38100" dir="2700000" algn="tl">
+                    <a:srgbClr val="000000">
+                      <a:alpha val="43137"/>
+                    </a:srgbClr>
+                  </a:outerShdw>
+                </a:effectLst>
+              </a:rPr>
+              <a:t>Jeso</a:t>
+            </a:r>
+            <a:r>
+              <a:rPr lang="fr-FR" sz="7200" b="1" dirty="0" smtClean="0">
+                <a:effectLst>
+                  <a:outerShdw blurRad="38100" dist="38100" dir="2700000" algn="tl">
+                    <a:srgbClr val="000000">
+                      <a:alpha val="43137"/>
+                    </a:srgbClr>
+                  </a:outerShdw>
+                </a:effectLst>
+              </a:rPr>
+              <a:t> </a:t>
+            </a:r>
+          </a:p>
+          <a:p>
+            <a:pPr algn="ctr"/>
+            <a:r>
+              <a:rPr lang="fr-FR" sz="7200" b="1" dirty="0" err="1" smtClean="0">
+                <a:effectLst>
+                  <a:outerShdw blurRad="38100" dist="38100" dir="2700000" algn="tl">
+                    <a:srgbClr val="000000">
+                      <a:alpha val="43137"/>
+                    </a:srgbClr>
+                  </a:outerShdw>
+                </a:effectLst>
+              </a:rPr>
+              <a:t>Tsika</a:t>
+            </a:r>
+            <a:r>
+              <a:rPr lang="fr-FR" sz="7200" b="1" dirty="0" smtClean="0">
+                <a:effectLst>
+                  <a:outerShdw blurRad="38100" dist="38100" dir="2700000" algn="tl">
+                    <a:srgbClr val="000000">
+                      <a:alpha val="43137"/>
+                    </a:srgbClr>
+                  </a:outerShdw>
+                </a:effectLst>
+              </a:rPr>
+              <a:t> </a:t>
+            </a:r>
+            <a:r>
+              <a:rPr lang="fr-FR" sz="7200" b="1" dirty="0" err="1" smtClean="0">
+                <a:effectLst>
+                  <a:outerShdw blurRad="38100" dist="38100" dir="2700000" algn="tl">
+                    <a:srgbClr val="000000">
+                      <a:alpha val="43137"/>
+                    </a:srgbClr>
+                  </a:outerShdw>
+                </a:effectLst>
+              </a:rPr>
+              <a:t>falifaly</a:t>
+            </a:r>
+            <a:r>
+              <a:rPr lang="fr-FR" sz="7200" b="1" dirty="0" smtClean="0">
+                <a:effectLst>
+                  <a:outerShdw blurRad="38100" dist="38100" dir="2700000" algn="tl">
+                    <a:srgbClr val="000000">
+                      <a:alpha val="43137"/>
+                    </a:srgbClr>
+                  </a:outerShdw>
+                </a:effectLst>
+              </a:rPr>
+              <a:t> </a:t>
+            </a:r>
+          </a:p>
+          <a:p>
+            <a:pPr algn="ctr"/>
+            <a:r>
+              <a:rPr lang="fr-FR" sz="7200" b="1" dirty="0" smtClean="0">
+                <a:effectLst>
+                  <a:outerShdw blurRad="38100" dist="38100" dir="2700000" algn="tl">
+                    <a:srgbClr val="000000">
+                      <a:alpha val="43137"/>
+                    </a:srgbClr>
+                  </a:outerShdw>
+                </a:effectLst>
+              </a:rPr>
+              <a:t>bon </a:t>
+            </a:r>
+            <a:r>
+              <a:rPr lang="fr-FR" sz="7200" b="1" dirty="0" err="1" smtClean="0">
+                <a:effectLst>
+                  <a:outerShdw blurRad="38100" dist="38100" dir="2700000" algn="tl">
+                    <a:srgbClr val="000000">
+                      <a:alpha val="43137"/>
+                    </a:srgbClr>
+                  </a:outerShdw>
+                </a:effectLst>
+              </a:rPr>
+              <a:t>bon</a:t>
+            </a:r>
+            <a:r>
+              <a:rPr lang="fr-FR" sz="7200" b="1" dirty="0" smtClean="0">
+                <a:effectLst>
+                  <a:outerShdw blurRad="38100" dist="38100" dir="2700000" algn="tl">
+                    <a:srgbClr val="000000">
+                      <a:alpha val="43137"/>
+                    </a:srgbClr>
+                  </a:outerShdw>
+                </a:effectLst>
+              </a:rPr>
+              <a:t> </a:t>
+            </a:r>
+            <a:r>
+              <a:rPr lang="fr-FR" sz="7200" b="1" dirty="0" err="1" smtClean="0">
+                <a:effectLst>
+                  <a:outerShdw blurRad="38100" dist="38100" dir="2700000" algn="tl">
+                    <a:srgbClr val="000000">
+                      <a:alpha val="43137"/>
+                    </a:srgbClr>
+                  </a:outerShdw>
+                </a:effectLst>
+              </a:rPr>
+              <a:t>bon</a:t>
+            </a:r>
+            <a:r>
+              <a:rPr lang="fr-FR" sz="7200" b="1" dirty="0" smtClean="0">
+                <a:effectLst>
+                  <a:outerShdw blurRad="38100" dist="38100" dir="2700000" algn="tl">
+                    <a:srgbClr val="000000">
+                      <a:alpha val="43137"/>
+                    </a:srgbClr>
+                  </a:outerShdw>
+                </a:effectLst>
+              </a:rPr>
+              <a:t> </a:t>
+            </a:r>
+            <a:r>
+              <a:rPr lang="fr-FR" sz="7200" b="1" dirty="0" err="1" smtClean="0">
+                <a:effectLst>
+                  <a:outerShdw blurRad="38100" dist="38100" dir="2700000" algn="tl">
+                    <a:srgbClr val="000000">
+                      <a:alpha val="43137"/>
+                    </a:srgbClr>
+                  </a:outerShdw>
+                </a:effectLst>
+              </a:rPr>
+              <a:t>bon</a:t>
+            </a:r>
+            <a:r>
+              <a:rPr lang="fr-FR" sz="7200" b="1" dirty="0" smtClean="0">
+                <a:effectLst>
+                  <a:outerShdw blurRad="38100" dist="38100" dir="2700000" algn="tl">
+                    <a:srgbClr val="000000">
+                      <a:alpha val="43137"/>
+                    </a:srgbClr>
+                  </a:outerShdw>
+                </a:effectLst>
+              </a:rPr>
+              <a:t> </a:t>
+            </a:r>
+            <a:r>
+              <a:rPr lang="fr-FR" sz="7200" b="1" dirty="0" err="1" smtClean="0">
+                <a:effectLst>
+                  <a:outerShdw blurRad="38100" dist="38100" dir="2700000" algn="tl">
+                    <a:srgbClr val="000000">
+                      <a:alpha val="43137"/>
+                    </a:srgbClr>
+                  </a:outerShdw>
+                </a:effectLst>
+              </a:rPr>
+              <a:t>bon</a:t>
+            </a:r>
+            <a:r>
+              <a:rPr lang="fr-FR" sz="7200" b="1" dirty="0" smtClean="0">
+                <a:effectLst>
+                  <a:outerShdw blurRad="38100" dist="38100" dir="2700000" algn="tl">
+                    <a:srgbClr val="000000">
+                      <a:alpha val="43137"/>
+                    </a:srgbClr>
+                  </a:outerShdw>
+                </a:effectLst>
+              </a:rPr>
+              <a:t> </a:t>
+            </a:r>
+            <a:endParaRPr lang="fr-FR" sz="7200" b="1" dirty="0">
+              <a:effectLst>
+                <a:outerShdw blurRad="38100" dist="38100" dir="2700000" algn="tl">
+                  <a:srgbClr val="000000">
+                    <a:alpha val="43137"/>
+                  </a:srgbClr>
+                </a:outerShdw>
+              </a:effectLst>
+            </a:endParaRPr>
+          </a:p>
+        </p:txBody>
+      </p:sp>
+    </p:spTree>
+    <p:extLst>
+      <p:ext uri="{BB962C8B-B14F-4D97-AF65-F5344CB8AC3E}">
+        <p14:creationId xmlns:p14="http://schemas.microsoft.com/office/powerpoint/2010/main" val="2065094532"/>
+      </p:ext>
+    </p:extLst>
+  </p:cSld>
+  <p:clrMapOvr>
+    <a:masterClrMapping/>
+  </p:clrMapOvr>
+  <p:timing>
+    <p:tnLst>
+      <p:par>
+        <p:cTn id="1" dur="indefinite" restart="never" nodeType="tmRoot"/>
+      </p:par>
+    </p:tnLst>
+  </p:timing>
+</p:sld>
+</file>
+
+<file path=ppt/slides/slide2.xml><?xml version="1.0" encoding="utf-8"?>
+<p:sld xmlns:a="http://schemas.openxmlformats.org/drawingml/2006/main" xmlns:r="http://schemas.openxmlformats.org/officeDocument/2006/relationships" xmlns:p="http://schemas.openxmlformats.org/presentationml/2006/main">
+  <p:cSld>
+    <p:spTree>
+      <p:nvGrpSpPr>
+        <p:cNvPr id="1" name=""/>
+        <p:cNvGrpSpPr/>
+        <p:nvPr/>
+      </p:nvGrpSpPr>
+      <p:grpSpPr>
+        <a:xfrm>
+          <a:off x="0" y="0"/>
+          <a:ext cx="0" cy="0"/>
+          <a:chOff x="0" y="0"/>
+          <a:chExt cx="0" cy="0"/>
+        </a:xfrm>
+      </p:grpSpPr>
+      <p:sp>
+        <p:nvSpPr>
+          <p:cNvPr id="4" name="Rectangle 3"/>
+          <p:cNvSpPr/>
+          <p:nvPr/>
+        </p:nvSpPr>
+        <p:spPr>
+          <a:xfrm>
+            <a:off x="0" y="6725"/>
+            <a:ext cx="12192000" cy="6863417"/>
+          </a:xfrm>
+          <a:prstGeom prst="rect">
+            <a:avLst/>
+          </a:prstGeom>
+        </p:spPr>
+        <p:txBody>
+          <a:bodyPr wrap="square">
+            <a:spAutoFit/>
+          </a:bodyPr>
+          <a:lstStyle/>
+          <a:p>
+            <a:pPr algn="ctr"/>
+            <a:r>
+              <a:rPr lang="fr-FR" sz="8800" b="1" dirty="0" smtClean="0">
+                <a:effectLst>
+                  <a:outerShdw blurRad="38100" dist="38100" dir="2700000" algn="tl">
+                    <a:srgbClr val="000000">
+                      <a:alpha val="43137"/>
+                    </a:srgbClr>
+                  </a:outerShdw>
+                </a:effectLst>
+              </a:rPr>
+              <a:t>1- </a:t>
+            </a:r>
+            <a:r>
+              <a:rPr lang="fr-FR" sz="8800" b="1" dirty="0" err="1" smtClean="0">
+                <a:effectLst>
+                  <a:outerShdw blurRad="38100" dist="38100" dir="2700000" algn="tl">
+                    <a:srgbClr val="000000">
+                      <a:alpha val="43137"/>
+                    </a:srgbClr>
+                  </a:outerShdw>
+                </a:effectLst>
+              </a:rPr>
+              <a:t>Rehefa</a:t>
+            </a:r>
+            <a:r>
+              <a:rPr lang="fr-FR" sz="8800" b="1" dirty="0" smtClean="0">
+                <a:effectLst>
+                  <a:outerShdw blurRad="38100" dist="38100" dir="2700000" algn="tl">
+                    <a:srgbClr val="000000">
+                      <a:alpha val="43137"/>
+                    </a:srgbClr>
+                  </a:outerShdw>
+                </a:effectLst>
+              </a:rPr>
+              <a:t> </a:t>
+            </a:r>
+            <a:r>
+              <a:rPr lang="fr-FR" sz="8800" b="1" dirty="0" err="1" smtClean="0">
+                <a:effectLst>
+                  <a:outerShdw blurRad="38100" dist="38100" dir="2700000" algn="tl">
+                    <a:srgbClr val="000000">
+                      <a:alpha val="43137"/>
+                    </a:srgbClr>
+                  </a:outerShdw>
+                </a:effectLst>
+              </a:rPr>
+              <a:t>miaraka</a:t>
+            </a:r>
+            <a:r>
+              <a:rPr lang="fr-FR" sz="8800" b="1" dirty="0" smtClean="0">
+                <a:effectLst>
+                  <a:outerShdw blurRad="38100" dist="38100" dir="2700000" algn="tl">
+                    <a:srgbClr val="000000">
+                      <a:alpha val="43137"/>
+                    </a:srgbClr>
+                  </a:outerShdw>
+                </a:effectLst>
+              </a:rPr>
+              <a:t> </a:t>
+            </a:r>
+            <a:endParaRPr lang="fr-FR" sz="8800" b="1" dirty="0" smtClean="0">
+              <a:effectLst>
+                <a:outerShdw blurRad="38100" dist="38100" dir="2700000" algn="tl">
+                  <a:srgbClr val="000000">
+                    <a:alpha val="43137"/>
+                  </a:srgbClr>
+                </a:outerShdw>
+              </a:effectLst>
+            </a:endParaRPr>
+          </a:p>
+          <a:p>
+            <a:pPr algn="ctr"/>
+            <a:r>
+              <a:rPr lang="fr-FR" sz="8800" b="1" dirty="0" smtClean="0">
+                <a:effectLst>
+                  <a:outerShdw blurRad="38100" dist="38100" dir="2700000" algn="tl">
+                    <a:srgbClr val="000000">
+                      <a:alpha val="43137"/>
+                    </a:srgbClr>
+                  </a:outerShdw>
+                </a:effectLst>
+              </a:rPr>
+              <a:t>@ </a:t>
+            </a:r>
+            <a:r>
+              <a:rPr lang="fr-FR" sz="8800" b="1" dirty="0" smtClean="0">
+                <a:effectLst>
+                  <a:outerShdw blurRad="38100" dist="38100" dir="2700000" algn="tl">
+                    <a:srgbClr val="000000">
+                      <a:alpha val="43137"/>
+                    </a:srgbClr>
+                  </a:outerShdw>
+                </a:effectLst>
+              </a:rPr>
+              <a:t>i </a:t>
+            </a:r>
+            <a:r>
+              <a:rPr lang="fr-FR" sz="8800" b="1" dirty="0" err="1" smtClean="0">
+                <a:effectLst>
+                  <a:outerShdw blurRad="38100" dist="38100" dir="2700000" algn="tl">
+                    <a:srgbClr val="000000">
+                      <a:alpha val="43137"/>
+                    </a:srgbClr>
+                  </a:outerShdw>
+                </a:effectLst>
+              </a:rPr>
+              <a:t>Jeso</a:t>
+            </a:r>
+            <a:r>
+              <a:rPr lang="fr-FR" sz="8800" b="1" dirty="0" smtClean="0">
+                <a:effectLst>
+                  <a:outerShdw blurRad="38100" dist="38100" dir="2700000" algn="tl">
+                    <a:srgbClr val="000000">
+                      <a:alpha val="43137"/>
+                    </a:srgbClr>
+                  </a:outerShdw>
+                </a:effectLst>
+              </a:rPr>
+              <a:t> </a:t>
+            </a:r>
+          </a:p>
+          <a:p>
+            <a:pPr algn="ctr"/>
+            <a:r>
+              <a:rPr lang="fr-FR" sz="8800" b="1" dirty="0" err="1" smtClean="0">
+                <a:effectLst>
+                  <a:outerShdw blurRad="38100" dist="38100" dir="2700000" algn="tl">
+                    <a:srgbClr val="000000">
+                      <a:alpha val="43137"/>
+                    </a:srgbClr>
+                  </a:outerShdw>
+                </a:effectLst>
+              </a:rPr>
+              <a:t>Tsy</a:t>
+            </a:r>
+            <a:r>
+              <a:rPr lang="fr-FR" sz="8800" b="1" dirty="0" smtClean="0">
+                <a:effectLst>
+                  <a:outerShdw blurRad="38100" dist="38100" dir="2700000" algn="tl">
+                    <a:srgbClr val="000000">
+                      <a:alpha val="43137"/>
+                    </a:srgbClr>
+                  </a:outerShdw>
+                </a:effectLst>
+              </a:rPr>
+              <a:t> </a:t>
+            </a:r>
+            <a:r>
+              <a:rPr lang="fr-FR" sz="8800" b="1" dirty="0" err="1" smtClean="0">
+                <a:effectLst>
+                  <a:outerShdw blurRad="38100" dist="38100" dir="2700000" algn="tl">
+                    <a:srgbClr val="000000">
+                      <a:alpha val="43137"/>
+                    </a:srgbClr>
+                  </a:outerShdw>
+                </a:effectLst>
+              </a:rPr>
+              <a:t>mila</a:t>
+            </a:r>
+            <a:r>
+              <a:rPr lang="fr-FR" sz="8800" b="1" dirty="0" smtClean="0">
+                <a:effectLst>
+                  <a:outerShdw blurRad="38100" dist="38100" dir="2700000" algn="tl">
+                    <a:srgbClr val="000000">
+                      <a:alpha val="43137"/>
+                    </a:srgbClr>
+                  </a:outerShdw>
+                </a:effectLst>
+              </a:rPr>
+              <a:t> </a:t>
+            </a:r>
+            <a:r>
+              <a:rPr lang="fr-FR" sz="8800" b="1" dirty="0" err="1" smtClean="0">
+                <a:effectLst>
+                  <a:outerShdw blurRad="38100" dist="38100" dir="2700000" algn="tl">
+                    <a:srgbClr val="000000">
+                      <a:alpha val="43137"/>
+                    </a:srgbClr>
+                  </a:outerShdw>
+                </a:effectLst>
+              </a:rPr>
+              <a:t>maditra</a:t>
+            </a:r>
+            <a:r>
+              <a:rPr lang="fr-FR" sz="8800" b="1" dirty="0" smtClean="0">
+                <a:effectLst>
+                  <a:outerShdw blurRad="38100" dist="38100" dir="2700000" algn="tl">
+                    <a:srgbClr val="000000">
+                      <a:alpha val="43137"/>
+                    </a:srgbClr>
+                  </a:outerShdw>
+                </a:effectLst>
+              </a:rPr>
+              <a:t> </a:t>
+            </a:r>
+          </a:p>
+          <a:p>
+            <a:pPr algn="ctr"/>
+            <a:r>
+              <a:rPr lang="fr-FR" sz="8800" b="1" dirty="0" err="1" smtClean="0">
+                <a:effectLst>
+                  <a:outerShdw blurRad="38100" dist="38100" dir="2700000" algn="tl">
+                    <a:srgbClr val="000000">
+                      <a:alpha val="43137"/>
+                    </a:srgbClr>
+                  </a:outerShdw>
+                </a:effectLst>
+              </a:rPr>
+              <a:t>Rehefa</a:t>
+            </a:r>
+            <a:r>
+              <a:rPr lang="fr-FR" sz="8800" b="1" dirty="0" smtClean="0">
+                <a:effectLst>
+                  <a:outerShdw blurRad="38100" dist="38100" dir="2700000" algn="tl">
+                    <a:srgbClr val="000000">
+                      <a:alpha val="43137"/>
+                    </a:srgbClr>
+                  </a:outerShdw>
+                </a:effectLst>
+              </a:rPr>
+              <a:t> </a:t>
+            </a:r>
+            <a:r>
+              <a:rPr lang="fr-FR" sz="8800" b="1" dirty="0" err="1" smtClean="0">
+                <a:effectLst>
+                  <a:outerShdw blurRad="38100" dist="38100" dir="2700000" algn="tl">
+                    <a:srgbClr val="000000">
+                      <a:alpha val="43137"/>
+                    </a:srgbClr>
+                  </a:outerShdw>
+                </a:effectLst>
+              </a:rPr>
+              <a:t>miaraka</a:t>
+            </a:r>
+            <a:r>
+              <a:rPr lang="fr-FR" sz="8800" b="1" dirty="0" smtClean="0">
+                <a:effectLst>
+                  <a:outerShdw blurRad="38100" dist="38100" dir="2700000" algn="tl">
+                    <a:srgbClr val="000000">
+                      <a:alpha val="43137"/>
+                    </a:srgbClr>
+                  </a:outerShdw>
+                </a:effectLst>
+              </a:rPr>
+              <a:t> @ i </a:t>
+            </a:r>
+            <a:r>
+              <a:rPr lang="fr-FR" sz="8800" b="1" dirty="0" err="1" smtClean="0">
+                <a:effectLst>
+                  <a:outerShdw blurRad="38100" dist="38100" dir="2700000" algn="tl">
+                    <a:srgbClr val="000000">
+                      <a:alpha val="43137"/>
+                    </a:srgbClr>
+                  </a:outerShdw>
+                </a:effectLst>
+              </a:rPr>
+              <a:t>Jeso</a:t>
+            </a:r>
+            <a:r>
+              <a:rPr lang="fr-FR" sz="8800" b="1" dirty="0" smtClean="0">
+                <a:effectLst>
+                  <a:outerShdw blurRad="38100" dist="38100" dir="2700000" algn="tl">
+                    <a:srgbClr val="000000">
+                      <a:alpha val="43137"/>
+                    </a:srgbClr>
+                  </a:outerShdw>
+                </a:effectLst>
+              </a:rPr>
+              <a:t> </a:t>
+            </a:r>
+          </a:p>
+          <a:p>
+            <a:pPr algn="ctr"/>
+            <a:r>
+              <a:rPr lang="fr-FR" sz="8800" b="1" dirty="0" err="1" smtClean="0">
+                <a:effectLst>
+                  <a:outerShdw blurRad="38100" dist="38100" dir="2700000" algn="tl">
+                    <a:srgbClr val="000000">
+                      <a:alpha val="43137"/>
+                    </a:srgbClr>
+                  </a:outerShdw>
+                </a:effectLst>
+              </a:rPr>
+              <a:t>Tsy</a:t>
+            </a:r>
+            <a:r>
+              <a:rPr lang="fr-FR" sz="8800" b="1" dirty="0" smtClean="0">
+                <a:effectLst>
+                  <a:outerShdw blurRad="38100" dist="38100" dir="2700000" algn="tl">
+                    <a:srgbClr val="000000">
+                      <a:alpha val="43137"/>
+                    </a:srgbClr>
+                  </a:outerShdw>
+                </a:effectLst>
+              </a:rPr>
+              <a:t> </a:t>
+            </a:r>
+            <a:r>
+              <a:rPr lang="fr-FR" sz="8800" b="1" dirty="0" err="1" smtClean="0">
+                <a:effectLst>
+                  <a:outerShdw blurRad="38100" dist="38100" dir="2700000" algn="tl">
+                    <a:srgbClr val="000000">
+                      <a:alpha val="43137"/>
+                    </a:srgbClr>
+                  </a:outerShdw>
+                </a:effectLst>
+              </a:rPr>
+              <a:t>mihisitrisitra</a:t>
+            </a:r>
+            <a:r>
+              <a:rPr lang="fr-FR" sz="8800" b="1" dirty="0" smtClean="0">
+                <a:effectLst>
+                  <a:outerShdw blurRad="38100" dist="38100" dir="2700000" algn="tl">
+                    <a:srgbClr val="000000">
+                      <a:alpha val="43137"/>
+                    </a:srgbClr>
+                  </a:outerShdw>
+                </a:effectLst>
+              </a:rPr>
+              <a:t> </a:t>
+            </a:r>
+          </a:p>
+        </p:txBody>
+      </p:sp>
+    </p:spTree>
+    <p:extLst>
+      <p:ext uri="{BB962C8B-B14F-4D97-AF65-F5344CB8AC3E}">
+        <p14:creationId xmlns:p14="http://schemas.microsoft.com/office/powerpoint/2010/main" val="2739369533"/>
+      </p:ext>
+    </p:extLst>
+  </p:cSld>
+  <p:clrMapOvr>
+    <a:masterClrMapping/>
+  </p:clrMapOvr>
+  <p:timing>
+    <p:tnLst>
+      <p:par>
+        <p:cTn id="1" dur="indefinite" restart="never" nodeType="tmRoot"/>
+      </p:par>
+    </p:tnLst>
+  </p:timing>
+</p:sld>
+</file>
+
+<file path=ppt/slides/slide3.xml><?xml version="1.0" encoding="utf-8"?>
+<p:sld xmlns:a="http://schemas.openxmlformats.org/drawingml/2006/main" xmlns:r="http://schemas.openxmlformats.org/officeDocument/2006/relationships" xmlns:p="http://schemas.openxmlformats.org/presentationml/2006/main">
+  <p:cSld>
+    <p:spTree>
+      <p:nvGrpSpPr>
+        <p:cNvPr id="1" name=""/>
+        <p:cNvGrpSpPr/>
+        <p:nvPr/>
+      </p:nvGrpSpPr>
+      <p:grpSpPr>
+        <a:xfrm>
+          <a:off x="0" y="0"/>
+          <a:ext cx="0" cy="0"/>
+          <a:chOff x="0" y="0"/>
+          <a:chExt cx="0" cy="0"/>
+        </a:xfrm>
+      </p:grpSpPr>
+      <p:sp>
+        <p:nvSpPr>
+          <p:cNvPr id="2" name="Rectangle 1"/>
+          <p:cNvSpPr/>
+          <p:nvPr/>
+        </p:nvSpPr>
+        <p:spPr>
+          <a:xfrm>
+            <a:off x="0" y="399249"/>
+            <a:ext cx="12192000" cy="6001643"/>
+          </a:xfrm>
+          <a:prstGeom prst="rect">
+            <a:avLst/>
+          </a:prstGeom>
+        </p:spPr>
+        <p:txBody>
+          <a:bodyPr wrap="square">
+            <a:spAutoFit/>
+          </a:bodyPr>
+          <a:lstStyle/>
+          <a:p>
+            <a:pPr algn="ctr"/>
+            <a:r>
+              <a:rPr lang="fr-FR" sz="9600" b="1" dirty="0" err="1">
+                <a:effectLst>
+                  <a:outerShdw blurRad="38100" dist="38100" dir="2700000" algn="tl">
+                    <a:srgbClr val="000000">
+                      <a:alpha val="43137"/>
+                    </a:srgbClr>
+                  </a:outerShdw>
+                </a:effectLst>
+              </a:rPr>
+              <a:t>Tsy</a:t>
+            </a:r>
+            <a:r>
+              <a:rPr lang="fr-FR" sz="9600" b="1" dirty="0">
+                <a:effectLst>
+                  <a:outerShdw blurRad="38100" dist="38100" dir="2700000" algn="tl">
+                    <a:srgbClr val="000000">
+                      <a:alpha val="43137"/>
+                    </a:srgbClr>
+                  </a:outerShdw>
+                </a:effectLst>
+              </a:rPr>
+              <a:t> </a:t>
+            </a:r>
+            <a:r>
+              <a:rPr lang="fr-FR" sz="9600" b="1" dirty="0" err="1">
+                <a:effectLst>
+                  <a:outerShdw blurRad="38100" dist="38100" dir="2700000" algn="tl">
+                    <a:srgbClr val="000000">
+                      <a:alpha val="43137"/>
+                    </a:srgbClr>
+                  </a:outerShdw>
+                </a:effectLst>
+              </a:rPr>
+              <a:t>manao</a:t>
+            </a:r>
+            <a:r>
+              <a:rPr lang="fr-FR" sz="9600" b="1" dirty="0">
+                <a:effectLst>
+                  <a:outerShdw blurRad="38100" dist="38100" dir="2700000" algn="tl">
+                    <a:srgbClr val="000000">
+                      <a:alpha val="43137"/>
+                    </a:srgbClr>
+                  </a:outerShdw>
+                </a:effectLst>
+              </a:rPr>
+              <a:t> </a:t>
+            </a:r>
+            <a:r>
+              <a:rPr lang="fr-FR" sz="9600" b="1" dirty="0" err="1">
+                <a:effectLst>
+                  <a:outerShdw blurRad="38100" dist="38100" dir="2700000" algn="tl">
+                    <a:srgbClr val="000000">
+                      <a:alpha val="43137"/>
+                    </a:srgbClr>
+                  </a:outerShdw>
+                </a:effectLst>
+              </a:rPr>
+              <a:t>be</a:t>
+            </a:r>
+            <a:r>
+              <a:rPr lang="fr-FR" sz="9600" b="1" dirty="0">
+                <a:effectLst>
+                  <a:outerShdw blurRad="38100" dist="38100" dir="2700000" algn="tl">
+                    <a:srgbClr val="000000">
+                      <a:alpha val="43137"/>
+                    </a:srgbClr>
+                  </a:outerShdw>
+                </a:effectLst>
+              </a:rPr>
+              <a:t> </a:t>
+            </a:r>
+            <a:r>
+              <a:rPr lang="fr-FR" sz="9600" b="1" dirty="0" err="1" smtClean="0">
+                <a:effectLst>
+                  <a:outerShdw blurRad="38100" dist="38100" dir="2700000" algn="tl">
+                    <a:srgbClr val="000000">
+                      <a:alpha val="43137"/>
+                    </a:srgbClr>
+                  </a:outerShdw>
+                </a:effectLst>
+              </a:rPr>
+              <a:t>loha</a:t>
+            </a:r>
+            <a:endParaRPr lang="fr-FR" sz="9600" b="1" dirty="0" smtClean="0">
+              <a:effectLst>
+                <a:outerShdw blurRad="38100" dist="38100" dir="2700000" algn="tl">
+                  <a:srgbClr val="000000">
+                    <a:alpha val="43137"/>
+                  </a:srgbClr>
+                </a:outerShdw>
+              </a:effectLst>
+            </a:endParaRPr>
+          </a:p>
+          <a:p>
+            <a:pPr algn="ctr"/>
+            <a:r>
+              <a:rPr lang="fr-FR" sz="9600" b="1" dirty="0" err="1" smtClean="0">
+                <a:effectLst>
+                  <a:outerShdw blurRad="38100" dist="38100" dir="2700000" algn="tl">
+                    <a:srgbClr val="000000">
+                      <a:alpha val="43137"/>
+                    </a:srgbClr>
+                  </a:outerShdw>
+                </a:effectLst>
+              </a:rPr>
+              <a:t>Tsy</a:t>
+            </a:r>
+            <a:r>
+              <a:rPr lang="fr-FR" sz="9600" b="1" dirty="0" smtClean="0">
+                <a:effectLst>
+                  <a:outerShdw blurRad="38100" dist="38100" dir="2700000" algn="tl">
+                    <a:srgbClr val="000000">
+                      <a:alpha val="43137"/>
+                    </a:srgbClr>
+                  </a:outerShdw>
+                </a:effectLst>
+              </a:rPr>
+              <a:t> </a:t>
+            </a:r>
+            <a:r>
+              <a:rPr lang="fr-FR" sz="9600" b="1" dirty="0" err="1">
+                <a:effectLst>
+                  <a:outerShdw blurRad="38100" dist="38100" dir="2700000" algn="tl">
+                    <a:srgbClr val="000000">
+                      <a:alpha val="43137"/>
+                    </a:srgbClr>
+                  </a:outerShdw>
+                </a:effectLst>
+              </a:rPr>
+              <a:t>manao</a:t>
+            </a:r>
+            <a:r>
+              <a:rPr lang="fr-FR" sz="9600" b="1" dirty="0">
+                <a:effectLst>
+                  <a:outerShdw blurRad="38100" dist="38100" dir="2700000" algn="tl">
+                    <a:srgbClr val="000000">
+                      <a:alpha val="43137"/>
+                    </a:srgbClr>
+                  </a:outerShdw>
+                </a:effectLst>
+              </a:rPr>
+              <a:t> </a:t>
+            </a:r>
+            <a:r>
+              <a:rPr lang="fr-FR" sz="9600" b="1" dirty="0" err="1" smtClean="0">
+                <a:effectLst>
+                  <a:outerShdw blurRad="38100" dist="38100" dir="2700000" algn="tl">
+                    <a:srgbClr val="000000">
+                      <a:alpha val="43137"/>
+                    </a:srgbClr>
+                  </a:outerShdw>
+                </a:effectLst>
+              </a:rPr>
+              <a:t>mafy</a:t>
+            </a:r>
+            <a:r>
+              <a:rPr lang="fr-FR" sz="9600" b="1" dirty="0" smtClean="0">
+                <a:effectLst>
+                  <a:outerShdw blurRad="38100" dist="38100" dir="2700000" algn="tl">
+                    <a:srgbClr val="000000">
+                      <a:alpha val="43137"/>
+                    </a:srgbClr>
+                  </a:outerShdw>
+                </a:effectLst>
+              </a:rPr>
+              <a:t> </a:t>
+            </a:r>
+            <a:r>
+              <a:rPr lang="fr-FR" sz="9600" b="1" dirty="0" err="1">
+                <a:effectLst>
+                  <a:outerShdw blurRad="38100" dist="38100" dir="2700000" algn="tl">
+                    <a:srgbClr val="000000">
+                      <a:alpha val="43137"/>
+                    </a:srgbClr>
+                  </a:outerShdw>
+                </a:effectLst>
+              </a:rPr>
+              <a:t>loha</a:t>
+            </a:r>
+            <a:r>
+              <a:rPr lang="fr-FR" sz="9600" b="1" dirty="0">
+                <a:effectLst>
+                  <a:outerShdw blurRad="38100" dist="38100" dir="2700000" algn="tl">
+                    <a:srgbClr val="000000">
+                      <a:alpha val="43137"/>
+                    </a:srgbClr>
+                  </a:outerShdw>
+                </a:effectLst>
+              </a:rPr>
+              <a:t> </a:t>
+            </a:r>
+          </a:p>
+          <a:p>
+            <a:pPr algn="ctr"/>
+            <a:r>
+              <a:rPr lang="fr-FR" sz="9600" b="1" dirty="0">
+                <a:effectLst>
+                  <a:outerShdw blurRad="38100" dist="38100" dir="2700000" algn="tl">
+                    <a:srgbClr val="000000">
+                      <a:alpha val="43137"/>
+                    </a:srgbClr>
+                  </a:outerShdw>
+                </a:effectLst>
+              </a:rPr>
+              <a:t>Fa dia </a:t>
+            </a:r>
+            <a:r>
+              <a:rPr lang="fr-FR" sz="9600" b="1" dirty="0" err="1">
+                <a:effectLst>
+                  <a:outerShdw blurRad="38100" dist="38100" dir="2700000" algn="tl">
+                    <a:srgbClr val="000000">
+                      <a:alpha val="43137"/>
+                    </a:srgbClr>
+                  </a:outerShdw>
+                </a:effectLst>
+              </a:rPr>
+              <a:t>mankatò</a:t>
+            </a:r>
+            <a:r>
+              <a:rPr lang="fr-FR" sz="9600" b="1" dirty="0">
+                <a:effectLst>
+                  <a:outerShdw blurRad="38100" dist="38100" dir="2700000" algn="tl">
+                    <a:srgbClr val="000000">
+                      <a:alpha val="43137"/>
+                    </a:srgbClr>
+                  </a:outerShdw>
+                </a:effectLst>
+              </a:rPr>
+              <a:t> </a:t>
+            </a:r>
+            <a:r>
+              <a:rPr lang="fr-FR" sz="9600" b="1" dirty="0" err="1">
+                <a:effectLst>
+                  <a:outerShdw blurRad="38100" dist="38100" dir="2700000" algn="tl">
+                    <a:srgbClr val="000000">
+                      <a:alpha val="43137"/>
+                    </a:srgbClr>
+                  </a:outerShdw>
+                </a:effectLst>
+              </a:rPr>
+              <a:t>tokoa</a:t>
+            </a:r>
+            <a:r>
+              <a:rPr lang="fr-FR" sz="9600" b="1" dirty="0">
+                <a:effectLst>
+                  <a:outerShdw blurRad="38100" dist="38100" dir="2700000" algn="tl">
+                    <a:srgbClr val="000000">
+                      <a:alpha val="43137"/>
+                    </a:srgbClr>
+                  </a:outerShdw>
+                </a:effectLst>
+              </a:rPr>
+              <a:t> </a:t>
+            </a:r>
+            <a:r>
+              <a:rPr lang="fr-FR" sz="9600" b="1" dirty="0" err="1">
+                <a:effectLst>
+                  <a:outerShdw blurRad="38100" dist="38100" dir="2700000" algn="tl">
+                    <a:srgbClr val="000000">
+                      <a:alpha val="43137"/>
+                    </a:srgbClr>
+                  </a:outerShdw>
+                </a:effectLst>
+              </a:rPr>
+              <a:t>tokoa</a:t>
+            </a:r>
+            <a:r>
+              <a:rPr lang="fr-FR" sz="9600" b="1" dirty="0">
+                <a:effectLst>
+                  <a:outerShdw blurRad="38100" dist="38100" dir="2700000" algn="tl">
+                    <a:srgbClr val="000000">
+                      <a:alpha val="43137"/>
+                    </a:srgbClr>
+                  </a:outerShdw>
+                </a:effectLst>
+              </a:rPr>
+              <a:t> </a:t>
+            </a:r>
+          </a:p>
+        </p:txBody>
+      </p:sp>
+    </p:spTree>
+    <p:extLst>
+      <p:ext uri="{BB962C8B-B14F-4D97-AF65-F5344CB8AC3E}">
+        <p14:creationId xmlns:p14="http://schemas.microsoft.com/office/powerpoint/2010/main" val="2312259054"/>
+      </p:ext>
+    </p:extLst>
+  </p:cSld>
+  <p:clrMapOvr>
+    <a:masterClrMapping/>
+  </p:clrMapOvr>
+  <p:timing>
+    <p:tnLst>
+      <p:par>
+        <p:cTn id="1" dur="indefinite" restart="never" nodeType="tmRoot"/>
+      </p:par>
+    </p:tnLst>
+  </p:timing>
+</p:sld>
+</file>
+
+<file path=ppt/slides/slide4.xml><?xml version="1.0" encoding="utf-8"?>
+<p:sld xmlns:a="http://schemas.openxmlformats.org/drawingml/2006/main" xmlns:r="http://schemas.openxmlformats.org/officeDocument/2006/relationships" xmlns:p="http://schemas.openxmlformats.org/presentationml/2006/main">
+  <p:cSld>
+    <p:spTree>
+      <p:nvGrpSpPr>
+        <p:cNvPr id="1" name=""/>
+        <p:cNvGrpSpPr/>
+        <p:nvPr/>
+      </p:nvGrpSpPr>
+      <p:grpSpPr>
+        <a:xfrm>
+          <a:off x="0" y="0"/>
+          <a:ext cx="0" cy="0"/>
+          <a:chOff x="0" y="0"/>
+          <a:chExt cx="0" cy="0"/>
+        </a:xfrm>
+      </p:grpSpPr>
+      <p:sp>
+        <p:nvSpPr>
+          <p:cNvPr id="2" name="Rectangle 1"/>
+          <p:cNvSpPr/>
+          <p:nvPr/>
+        </p:nvSpPr>
+        <p:spPr>
+          <a:xfrm>
+            <a:off x="0" y="-3"/>
+            <a:ext cx="12192000" cy="6863417"/>
+          </a:xfrm>
+          <a:prstGeom prst="rect">
+            <a:avLst/>
+          </a:prstGeom>
+        </p:spPr>
+        <p:txBody>
+          <a:bodyPr wrap="square">
+            <a:spAutoFit/>
+          </a:bodyPr>
+          <a:lstStyle/>
+          <a:p>
+            <a:pPr algn="ctr"/>
+            <a:r>
+              <a:rPr lang="fr-FR" sz="8800" b="1" dirty="0" err="1" smtClean="0">
+                <a:effectLst>
+                  <a:outerShdw blurRad="38100" dist="38100" dir="2700000" algn="tl">
+                    <a:srgbClr val="000000">
+                      <a:alpha val="43137"/>
+                    </a:srgbClr>
+                  </a:outerShdw>
+                </a:effectLst>
+              </a:rPr>
+              <a:t>Tsy</a:t>
+            </a:r>
+            <a:r>
+              <a:rPr lang="fr-FR" sz="8800" b="1" dirty="0" smtClean="0">
+                <a:effectLst>
+                  <a:outerShdw blurRad="38100" dist="38100" dir="2700000" algn="tl">
+                    <a:srgbClr val="000000">
+                      <a:alpha val="43137"/>
+                    </a:srgbClr>
+                  </a:outerShdw>
+                </a:effectLst>
+              </a:rPr>
+              <a:t> </a:t>
+            </a:r>
+            <a:r>
+              <a:rPr lang="fr-FR" sz="8800" b="1" dirty="0" err="1" smtClean="0">
+                <a:effectLst>
+                  <a:outerShdw blurRad="38100" dist="38100" dir="2700000" algn="tl">
+                    <a:srgbClr val="000000">
+                      <a:alpha val="43137"/>
+                    </a:srgbClr>
+                  </a:outerShdw>
+                </a:effectLst>
+              </a:rPr>
+              <a:t>manao</a:t>
+            </a:r>
+            <a:r>
+              <a:rPr lang="fr-FR" sz="8800" b="1" dirty="0" smtClean="0">
+                <a:effectLst>
+                  <a:outerShdw blurRad="38100" dist="38100" dir="2700000" algn="tl">
+                    <a:srgbClr val="000000">
+                      <a:alpha val="43137"/>
+                    </a:srgbClr>
+                  </a:outerShdw>
+                </a:effectLst>
+              </a:rPr>
+              <a:t> </a:t>
+            </a:r>
+            <a:r>
+              <a:rPr lang="fr-FR" sz="8800" b="1" dirty="0" err="1" smtClean="0">
+                <a:effectLst>
+                  <a:outerShdw blurRad="38100" dist="38100" dir="2700000" algn="tl">
+                    <a:srgbClr val="000000">
+                      <a:alpha val="43137"/>
+                    </a:srgbClr>
+                  </a:outerShdw>
+                </a:effectLst>
+              </a:rPr>
+              <a:t>be</a:t>
+            </a:r>
+            <a:r>
+              <a:rPr lang="fr-FR" sz="8800" b="1" dirty="0" smtClean="0">
+                <a:effectLst>
+                  <a:outerShdw blurRad="38100" dist="38100" dir="2700000" algn="tl">
+                    <a:srgbClr val="000000">
+                      <a:alpha val="43137"/>
+                    </a:srgbClr>
+                  </a:outerShdw>
+                </a:effectLst>
+              </a:rPr>
+              <a:t> </a:t>
+            </a:r>
+            <a:r>
+              <a:rPr lang="fr-FR" sz="8800" b="1" dirty="0" err="1" smtClean="0">
+                <a:effectLst>
+                  <a:outerShdw blurRad="38100" dist="38100" dir="2700000" algn="tl">
+                    <a:srgbClr val="000000">
+                      <a:alpha val="43137"/>
+                    </a:srgbClr>
+                  </a:outerShdw>
+                </a:effectLst>
+              </a:rPr>
+              <a:t>loha</a:t>
+            </a:r>
+            <a:r>
+              <a:rPr lang="fr-FR" sz="8800" b="1" dirty="0" smtClean="0">
+                <a:effectLst>
+                  <a:outerShdw blurRad="38100" dist="38100" dir="2700000" algn="tl">
+                    <a:srgbClr val="000000">
+                      <a:alpha val="43137"/>
+                    </a:srgbClr>
+                  </a:outerShdw>
+                </a:effectLst>
+              </a:rPr>
+              <a:t> </a:t>
+            </a:r>
+            <a:r>
+              <a:rPr lang="fr-FR" sz="8800" b="1" dirty="0" err="1" smtClean="0">
+                <a:effectLst>
+                  <a:outerShdw blurRad="38100" dist="38100" dir="2700000" algn="tl">
+                    <a:srgbClr val="000000">
+                      <a:alpha val="43137"/>
+                    </a:srgbClr>
+                  </a:outerShdw>
+                </a:effectLst>
+              </a:rPr>
+              <a:t>zany</a:t>
+            </a:r>
+            <a:endParaRPr lang="fr-FR" sz="8800" b="1" dirty="0" smtClean="0">
+              <a:effectLst>
+                <a:outerShdw blurRad="38100" dist="38100" dir="2700000" algn="tl">
+                  <a:srgbClr val="000000">
+                    <a:alpha val="43137"/>
+                  </a:srgbClr>
+                </a:outerShdw>
+              </a:effectLst>
+            </a:endParaRPr>
+          </a:p>
+          <a:p>
+            <a:pPr algn="ctr"/>
+            <a:r>
+              <a:rPr lang="fr-FR" sz="8800" b="1" dirty="0" err="1" smtClean="0">
+                <a:effectLst>
+                  <a:outerShdw blurRad="38100" dist="38100" dir="2700000" algn="tl">
+                    <a:srgbClr val="000000">
+                      <a:alpha val="43137"/>
+                    </a:srgbClr>
+                  </a:outerShdw>
+                </a:effectLst>
+              </a:rPr>
+              <a:t>Tsy</a:t>
+            </a:r>
+            <a:r>
+              <a:rPr lang="fr-FR" sz="8800" b="1" dirty="0" smtClean="0">
+                <a:effectLst>
+                  <a:outerShdw blurRad="38100" dist="38100" dir="2700000" algn="tl">
+                    <a:srgbClr val="000000">
+                      <a:alpha val="43137"/>
+                    </a:srgbClr>
+                  </a:outerShdw>
+                </a:effectLst>
+              </a:rPr>
+              <a:t> </a:t>
+            </a:r>
+            <a:r>
+              <a:rPr lang="fr-FR" sz="8800" b="1" dirty="0" err="1" smtClean="0">
+                <a:effectLst>
+                  <a:outerShdw blurRad="38100" dist="38100" dir="2700000" algn="tl">
+                    <a:srgbClr val="000000">
+                      <a:alpha val="43137"/>
+                    </a:srgbClr>
+                  </a:outerShdw>
+                </a:effectLst>
+              </a:rPr>
+              <a:t>manao</a:t>
+            </a:r>
+            <a:r>
+              <a:rPr lang="fr-FR" sz="8800" b="1" dirty="0" smtClean="0">
+                <a:effectLst>
+                  <a:outerShdw blurRad="38100" dist="38100" dir="2700000" algn="tl">
+                    <a:srgbClr val="000000">
+                      <a:alpha val="43137"/>
+                    </a:srgbClr>
+                  </a:outerShdw>
+                </a:effectLst>
+              </a:rPr>
+              <a:t> </a:t>
+            </a:r>
+            <a:r>
+              <a:rPr lang="fr-FR" sz="8800" b="1" dirty="0" err="1" smtClean="0">
+                <a:effectLst>
+                  <a:outerShdw blurRad="38100" dist="38100" dir="2700000" algn="tl">
+                    <a:srgbClr val="000000">
+                      <a:alpha val="43137"/>
+                    </a:srgbClr>
+                  </a:outerShdw>
+                </a:effectLst>
+              </a:rPr>
+              <a:t>mafy</a:t>
+            </a:r>
+            <a:r>
+              <a:rPr lang="fr-FR" sz="8800" b="1" dirty="0" smtClean="0">
+                <a:effectLst>
+                  <a:outerShdw blurRad="38100" dist="38100" dir="2700000" algn="tl">
+                    <a:srgbClr val="000000">
+                      <a:alpha val="43137"/>
+                    </a:srgbClr>
+                  </a:outerShdw>
+                </a:effectLst>
+              </a:rPr>
+              <a:t> </a:t>
+            </a:r>
+            <a:endParaRPr lang="fr-FR" sz="8800" b="1" dirty="0" smtClean="0">
+              <a:effectLst>
+                <a:outerShdw blurRad="38100" dist="38100" dir="2700000" algn="tl">
+                  <a:srgbClr val="000000">
+                    <a:alpha val="43137"/>
+                  </a:srgbClr>
+                </a:outerShdw>
+              </a:effectLst>
+            </a:endParaRPr>
+          </a:p>
+          <a:p>
+            <a:pPr algn="ctr"/>
+            <a:r>
+              <a:rPr lang="fr-FR" sz="8800" b="1" dirty="0" err="1" smtClean="0">
+                <a:effectLst>
+                  <a:outerShdw blurRad="38100" dist="38100" dir="2700000" algn="tl">
+                    <a:srgbClr val="000000">
+                      <a:alpha val="43137"/>
+                    </a:srgbClr>
+                  </a:outerShdw>
+                </a:effectLst>
+              </a:rPr>
+              <a:t>loha</a:t>
+            </a:r>
+            <a:r>
+              <a:rPr lang="fr-FR" sz="8800" b="1" dirty="0" smtClean="0">
+                <a:effectLst>
+                  <a:outerShdw blurRad="38100" dist="38100" dir="2700000" algn="tl">
+                    <a:srgbClr val="000000">
+                      <a:alpha val="43137"/>
+                    </a:srgbClr>
+                  </a:outerShdw>
+                </a:effectLst>
+              </a:rPr>
+              <a:t> </a:t>
+            </a:r>
+            <a:r>
+              <a:rPr lang="fr-FR" sz="8800" b="1" dirty="0" err="1" smtClean="0">
+                <a:effectLst>
+                  <a:outerShdw blurRad="38100" dist="38100" dir="2700000" algn="tl">
+                    <a:srgbClr val="000000">
+                      <a:alpha val="43137"/>
+                    </a:srgbClr>
+                  </a:outerShdw>
+                </a:effectLst>
+              </a:rPr>
+              <a:t>zany</a:t>
+            </a:r>
+            <a:r>
+              <a:rPr lang="fr-FR" sz="8800" b="1" dirty="0" smtClean="0">
+                <a:effectLst>
+                  <a:outerShdw blurRad="38100" dist="38100" dir="2700000" algn="tl">
+                    <a:srgbClr val="000000">
+                      <a:alpha val="43137"/>
+                    </a:srgbClr>
+                  </a:outerShdw>
+                </a:effectLst>
+              </a:rPr>
+              <a:t> </a:t>
+            </a:r>
+          </a:p>
+          <a:p>
+            <a:pPr algn="ctr"/>
+            <a:r>
+              <a:rPr lang="fr-FR" sz="8800" b="1" dirty="0" smtClean="0">
+                <a:effectLst>
+                  <a:outerShdw blurRad="38100" dist="38100" dir="2700000" algn="tl">
+                    <a:srgbClr val="000000">
+                      <a:alpha val="43137"/>
+                    </a:srgbClr>
+                  </a:outerShdw>
+                </a:effectLst>
+              </a:rPr>
+              <a:t>Fa dia </a:t>
+            </a:r>
+            <a:r>
+              <a:rPr lang="fr-FR" sz="8800" b="1" dirty="0" err="1" smtClean="0">
+                <a:effectLst>
+                  <a:outerShdw blurRad="38100" dist="38100" dir="2700000" algn="tl">
+                    <a:srgbClr val="000000">
+                      <a:alpha val="43137"/>
+                    </a:srgbClr>
+                  </a:outerShdw>
+                </a:effectLst>
+              </a:rPr>
+              <a:t>mankatò</a:t>
+            </a:r>
+            <a:r>
+              <a:rPr lang="fr-FR" sz="8800" b="1" dirty="0" smtClean="0">
+                <a:effectLst>
+                  <a:outerShdw blurRad="38100" dist="38100" dir="2700000" algn="tl">
+                    <a:srgbClr val="000000">
+                      <a:alpha val="43137"/>
+                    </a:srgbClr>
+                  </a:outerShdw>
+                </a:effectLst>
+              </a:rPr>
+              <a:t> </a:t>
+            </a:r>
+            <a:endParaRPr lang="fr-FR" sz="8800" b="1" dirty="0" smtClean="0">
+              <a:effectLst>
+                <a:outerShdw blurRad="38100" dist="38100" dir="2700000" algn="tl">
+                  <a:srgbClr val="000000">
+                    <a:alpha val="43137"/>
+                  </a:srgbClr>
+                </a:outerShdw>
+              </a:effectLst>
+            </a:endParaRPr>
+          </a:p>
+          <a:p>
+            <a:pPr algn="ctr"/>
+            <a:r>
+              <a:rPr lang="fr-FR" sz="8800" b="1" dirty="0" err="1" smtClean="0">
+                <a:effectLst>
+                  <a:outerShdw blurRad="38100" dist="38100" dir="2700000" algn="tl">
+                    <a:srgbClr val="000000">
+                      <a:alpha val="43137"/>
+                    </a:srgbClr>
+                  </a:outerShdw>
+                </a:effectLst>
+              </a:rPr>
+              <a:t>hatrany</a:t>
+            </a:r>
+            <a:r>
+              <a:rPr lang="fr-FR" sz="8800" b="1" dirty="0" smtClean="0">
+                <a:effectLst>
+                  <a:outerShdw blurRad="38100" dist="38100" dir="2700000" algn="tl">
+                    <a:srgbClr val="000000">
+                      <a:alpha val="43137"/>
+                    </a:srgbClr>
+                  </a:outerShdw>
+                </a:effectLst>
+              </a:rPr>
+              <a:t> </a:t>
+            </a:r>
+            <a:r>
+              <a:rPr lang="fr-FR" sz="8800" b="1" dirty="0" err="1" smtClean="0">
+                <a:effectLst>
+                  <a:outerShdw blurRad="38100" dist="38100" dir="2700000" algn="tl">
+                    <a:srgbClr val="000000">
+                      <a:alpha val="43137"/>
+                    </a:srgbClr>
+                  </a:outerShdw>
+                </a:effectLst>
+              </a:rPr>
+              <a:t>hatrany</a:t>
+            </a:r>
+            <a:r>
+              <a:rPr lang="fr-FR" sz="8800" b="1" dirty="0" smtClean="0">
+                <a:effectLst>
+                  <a:outerShdw blurRad="38100" dist="38100" dir="2700000" algn="tl">
+                    <a:srgbClr val="000000">
+                      <a:alpha val="43137"/>
+                    </a:srgbClr>
+                  </a:outerShdw>
+                </a:effectLst>
+              </a:rPr>
+              <a:t> </a:t>
+            </a:r>
+            <a:endParaRPr lang="fr-FR" sz="8800" b="1" dirty="0">
+              <a:effectLst>
+                <a:outerShdw blurRad="38100" dist="38100" dir="2700000" algn="tl">
+                  <a:srgbClr val="000000">
+                    <a:alpha val="43137"/>
+                  </a:srgbClr>
+                </a:outerShdw>
+              </a:effectLst>
+            </a:endParaRPr>
+          </a:p>
+        </p:txBody>
+      </p:sp>
+    </p:spTree>
+    <p:extLst>
+      <p:ext uri="{BB962C8B-B14F-4D97-AF65-F5344CB8AC3E}">
+        <p14:creationId xmlns:p14="http://schemas.microsoft.com/office/powerpoint/2010/main" val="2393730872"/>
+      </p:ext>
+    </p:extLst>
+  </p:cSld>
+  <p:clrMapOvr>
+    <a:masterClrMapping/>
+  </p:clrMapOvr>
+  <p:timing>
+    <p:tnLst>
+      <p:par>
+        <p:cTn id="1" dur="indefinite" restart="never" nodeType="tmRoot"/>
+      </p:par>
+    </p:tnLst>
+  </p:timing>
 </p:sld>
 </file>
 
@@ -4652,168 +5396,6 @@
               </a:rPr>
               <a:t>Jeso</a:t>
             </a:r>
-            <a:r>
-              <a:rPr lang="fr-FR" sz="7200" b="1" dirty="0" smtClean="0">
-                <a:effectLst>
-                  <a:outerShdw blurRad="38100" dist="38100" dir="2700000" algn="tl">
-                    <a:srgbClr val="000000">
-                      <a:alpha val="43137"/>
-                    </a:srgbClr>
-                  </a:outerShdw>
-                </a:effectLst>
-              </a:rPr>
-              <a:t> </a:t>
-            </a:r>
-          </a:p>
-          <a:p>
-            <a:pPr algn="ctr"/>
-            <a:r>
-              <a:rPr lang="fr-FR" sz="7200" b="1" dirty="0" err="1" smtClean="0">
-                <a:effectLst>
-                  <a:outerShdw blurRad="38100" dist="38100" dir="2700000" algn="tl">
-                    <a:srgbClr val="000000">
-                      <a:alpha val="43137"/>
-                    </a:srgbClr>
-                  </a:outerShdw>
-                </a:effectLst>
-              </a:rPr>
-              <a:t>Tsy</a:t>
-            </a:r>
-            <a:r>
-              <a:rPr lang="fr-FR" sz="7200" b="1" dirty="0" smtClean="0">
-                <a:effectLst>
-                  <a:outerShdw blurRad="38100" dist="38100" dir="2700000" algn="tl">
-                    <a:srgbClr val="000000">
-                      <a:alpha val="43137"/>
-                    </a:srgbClr>
-                  </a:outerShdw>
-                </a:effectLst>
-              </a:rPr>
-              <a:t> </a:t>
-            </a:r>
-            <a:r>
-              <a:rPr lang="fr-FR" sz="7200" b="1" dirty="0" err="1" smtClean="0">
-                <a:effectLst>
-                  <a:outerShdw blurRad="38100" dist="38100" dir="2700000" algn="tl">
-                    <a:srgbClr val="000000">
-                      <a:alpha val="43137"/>
-                    </a:srgbClr>
-                  </a:outerShdw>
-                </a:effectLst>
-              </a:rPr>
-              <a:t>mamalivaly</a:t>
-            </a:r>
-            <a:r>
-              <a:rPr lang="fr-FR" sz="7200" b="1" dirty="0" smtClean="0">
-                <a:effectLst>
-                  <a:outerShdw blurRad="38100" dist="38100" dir="2700000" algn="tl">
-                    <a:srgbClr val="000000">
-                      <a:alpha val="43137"/>
-                    </a:srgbClr>
-                  </a:outerShdw>
-                </a:effectLst>
-              </a:rPr>
-              <a:t> </a:t>
-            </a:r>
-          </a:p>
-          <a:p>
-            <a:pPr algn="ctr"/>
-            <a:r>
-              <a:rPr lang="fr-FR" sz="7200" b="1" dirty="0" smtClean="0">
-                <a:effectLst>
-                  <a:outerShdw blurRad="38100" dist="38100" dir="2700000" algn="tl">
-                    <a:srgbClr val="000000">
-                      <a:alpha val="43137"/>
-                    </a:srgbClr>
-                  </a:outerShdw>
-                </a:effectLst>
-              </a:rPr>
-              <a:t>non </a:t>
-            </a:r>
-            <a:r>
-              <a:rPr lang="fr-FR" sz="7200" b="1" dirty="0" err="1" smtClean="0">
-                <a:effectLst>
-                  <a:outerShdw blurRad="38100" dist="38100" dir="2700000" algn="tl">
-                    <a:srgbClr val="000000">
-                      <a:alpha val="43137"/>
-                    </a:srgbClr>
-                  </a:outerShdw>
-                </a:effectLst>
-              </a:rPr>
-              <a:t>non</a:t>
-            </a:r>
-            <a:r>
-              <a:rPr lang="fr-FR" sz="7200" b="1" dirty="0" smtClean="0">
-                <a:effectLst>
-                  <a:outerShdw blurRad="38100" dist="38100" dir="2700000" algn="tl">
-                    <a:srgbClr val="000000">
-                      <a:alpha val="43137"/>
-                    </a:srgbClr>
-                  </a:outerShdw>
-                </a:effectLst>
-              </a:rPr>
-              <a:t> </a:t>
-            </a:r>
-            <a:r>
-              <a:rPr lang="fr-FR" sz="7200" b="1" dirty="0" err="1" smtClean="0">
-                <a:effectLst>
-                  <a:outerShdw blurRad="38100" dist="38100" dir="2700000" algn="tl">
-                    <a:srgbClr val="000000">
-                      <a:alpha val="43137"/>
-                    </a:srgbClr>
-                  </a:outerShdw>
-                </a:effectLst>
-              </a:rPr>
-              <a:t>non</a:t>
-            </a:r>
-            <a:r>
-              <a:rPr lang="fr-FR" sz="7200" b="1" dirty="0" smtClean="0">
-                <a:effectLst>
-                  <a:outerShdw blurRad="38100" dist="38100" dir="2700000" algn="tl">
-                    <a:srgbClr val="000000">
-                      <a:alpha val="43137"/>
-                    </a:srgbClr>
-                  </a:outerShdw>
-                </a:effectLst>
-              </a:rPr>
-              <a:t> </a:t>
-            </a:r>
-            <a:r>
-              <a:rPr lang="fr-FR" sz="7200" b="1" dirty="0" err="1" smtClean="0">
-                <a:effectLst>
-                  <a:outerShdw blurRad="38100" dist="38100" dir="2700000" algn="tl">
-                    <a:srgbClr val="000000">
-                      <a:alpha val="43137"/>
-                    </a:srgbClr>
-                  </a:outerShdw>
-                </a:effectLst>
-              </a:rPr>
-              <a:t>non</a:t>
-            </a:r>
-            <a:r>
-              <a:rPr lang="fr-FR" sz="7200" b="1" dirty="0" smtClean="0">
-                <a:effectLst>
-                  <a:outerShdw blurRad="38100" dist="38100" dir="2700000" algn="tl">
-                    <a:srgbClr val="000000">
-                      <a:alpha val="43137"/>
-                    </a:srgbClr>
-                  </a:outerShdw>
-                </a:effectLst>
-              </a:rPr>
-              <a:t> </a:t>
-            </a:r>
-            <a:r>
-              <a:rPr lang="fr-FR" sz="7200" b="1" dirty="0" err="1" smtClean="0">
-                <a:effectLst>
-                  <a:outerShdw blurRad="38100" dist="38100" dir="2700000" algn="tl">
-                    <a:srgbClr val="000000">
-                      <a:alpha val="43137"/>
-                    </a:srgbClr>
-                  </a:outerShdw>
-                </a:effectLst>
-              </a:rPr>
-              <a:t>non</a:t>
-            </a:r>
             <a:endParaRPr lang="fr-FR" sz="7200" b="1" dirty="0" smtClean="0">
               <a:effectLst>
                 <a:outerShdw blurRad="38100" dist="38100" dir="2700000" algn="tl">
@@ -4836,6 +5418,192 @@
                   </a:outerShdw>
                 </a:effectLst>
               </a:rPr>
+              <a:t>Tsy</a:t>
+            </a:r>
+            <a:r>
+              <a:rPr lang="fr-FR" sz="7200" b="1" dirty="0" smtClean="0">
+                <a:effectLst>
+                  <a:outerShdw blurRad="38100" dist="38100" dir="2700000" algn="tl">
+                    <a:srgbClr val="000000">
+                      <a:alpha val="43137"/>
+                    </a:srgbClr>
+                  </a:outerShdw>
+                </a:effectLst>
+              </a:rPr>
+              <a:t> </a:t>
+            </a:r>
+            <a:r>
+              <a:rPr lang="fr-FR" sz="7200" b="1" dirty="0" err="1" smtClean="0">
+                <a:effectLst>
+                  <a:outerShdw blurRad="38100" dist="38100" dir="2700000" algn="tl">
+                    <a:srgbClr val="000000">
+                      <a:alpha val="43137"/>
+                    </a:srgbClr>
+                  </a:outerShdw>
+                </a:effectLst>
+              </a:rPr>
+              <a:t>manahy</a:t>
+            </a:r>
+            <a:r>
+              <a:rPr lang="fr-FR" sz="7200" b="1" dirty="0" smtClean="0">
+                <a:effectLst>
+                  <a:outerShdw blurRad="38100" dist="38100" dir="2700000" algn="tl">
+                    <a:srgbClr val="000000">
+                      <a:alpha val="43137"/>
+                    </a:srgbClr>
+                  </a:outerShdw>
+                </a:effectLst>
+              </a:rPr>
+              <a:t> n'</a:t>
+            </a:r>
+            <a:r>
+              <a:rPr lang="fr-FR" sz="7200" b="1" dirty="0" err="1" smtClean="0">
+                <a:effectLst>
+                  <a:outerShdw blurRad="38100" dist="38100" dir="2700000" algn="tl">
+                    <a:srgbClr val="000000">
+                      <a:alpha val="43137"/>
+                    </a:srgbClr>
+                  </a:outerShdw>
+                </a:effectLst>
+              </a:rPr>
+              <a:t>inona</a:t>
+            </a:r>
+            <a:r>
+              <a:rPr lang="fr-FR" sz="7200" b="1" dirty="0" smtClean="0">
+                <a:effectLst>
+                  <a:outerShdw blurRad="38100" dist="38100" dir="2700000" algn="tl">
+                    <a:srgbClr val="000000">
+                      <a:alpha val="43137"/>
+                    </a:srgbClr>
+                  </a:outerShdw>
+                </a:effectLst>
+              </a:rPr>
+              <a:t> n'</a:t>
+            </a:r>
+            <a:r>
+              <a:rPr lang="fr-FR" sz="7200" b="1" dirty="0" err="1" smtClean="0">
+                <a:effectLst>
+                  <a:outerShdw blurRad="38100" dist="38100" dir="2700000" algn="tl">
+                    <a:srgbClr val="000000">
+                      <a:alpha val="43137"/>
+                    </a:srgbClr>
+                  </a:outerShdw>
+                </a:effectLst>
+              </a:rPr>
+              <a:t>inona</a:t>
+            </a:r>
+            <a:r>
+              <a:rPr lang="fr-FR" sz="7200" b="1" dirty="0" smtClean="0">
+                <a:effectLst>
+                  <a:outerShdw blurRad="38100" dist="38100" dir="2700000" algn="tl">
+                    <a:srgbClr val="000000">
+                      <a:alpha val="43137"/>
+                    </a:srgbClr>
+                  </a:outerShdw>
+                </a:effectLst>
+              </a:rPr>
+              <a:t> </a:t>
+            </a:r>
+          </a:p>
+          <a:p>
+            <a:pPr algn="ctr"/>
+            <a:r>
+              <a:rPr lang="fr-FR" sz="7200" b="1" dirty="0" smtClean="0">
+                <a:effectLst>
+                  <a:outerShdw blurRad="38100" dist="38100" dir="2700000" algn="tl">
+                    <a:srgbClr val="000000">
+                      <a:alpha val="43137"/>
+                    </a:srgbClr>
+                  </a:outerShdw>
+                </a:effectLst>
+              </a:rPr>
+              <a:t>Fa </a:t>
+            </a:r>
+            <a:r>
+              <a:rPr lang="fr-FR" sz="7200" b="1" dirty="0" err="1" smtClean="0">
+                <a:effectLst>
+                  <a:outerShdw blurRad="38100" dist="38100" dir="2700000" algn="tl">
+                    <a:srgbClr val="000000">
+                      <a:alpha val="43137"/>
+                    </a:srgbClr>
+                  </a:outerShdw>
+                </a:effectLst>
+              </a:rPr>
+              <a:t>mahery</a:t>
+            </a:r>
+            <a:r>
+              <a:rPr lang="fr-FR" sz="7200" b="1" dirty="0" smtClean="0">
+                <a:effectLst>
+                  <a:outerShdw blurRad="38100" dist="38100" dir="2700000" algn="tl">
+                    <a:srgbClr val="000000">
+                      <a:alpha val="43137"/>
+                    </a:srgbClr>
+                  </a:outerShdw>
+                </a:effectLst>
+              </a:rPr>
+              <a:t> </a:t>
+            </a:r>
+            <a:r>
+              <a:rPr lang="fr-FR" sz="7200" b="1" dirty="0" err="1" smtClean="0">
+                <a:effectLst>
+                  <a:outerShdw blurRad="38100" dist="38100" dir="2700000" algn="tl">
+                    <a:srgbClr val="000000">
+                      <a:alpha val="43137"/>
+                    </a:srgbClr>
+                  </a:outerShdw>
+                </a:effectLst>
+              </a:rPr>
+              <a:t>Izy</a:t>
+            </a:r>
+            <a:r>
+              <a:rPr lang="fr-FR" sz="7200" b="1" dirty="0" smtClean="0">
+                <a:effectLst>
+                  <a:outerShdw blurRad="38100" dist="38100" dir="2700000" algn="tl">
+                    <a:srgbClr val="000000">
+                      <a:alpha val="43137"/>
+                    </a:srgbClr>
+                  </a:outerShdw>
+                </a:effectLst>
+              </a:rPr>
+              <a:t> </a:t>
+            </a:r>
+            <a:r>
+              <a:rPr lang="fr-FR" sz="7200" b="1" dirty="0" err="1" smtClean="0">
+                <a:effectLst>
+                  <a:outerShdw blurRad="38100" dist="38100" dir="2700000" algn="tl">
+                    <a:srgbClr val="000000">
+                      <a:alpha val="43137"/>
+                    </a:srgbClr>
+                  </a:outerShdw>
+                </a:effectLst>
+              </a:rPr>
+              <a:t>tsinona</a:t>
+            </a:r>
+            <a:r>
+              <a:rPr lang="fr-FR" sz="7200" b="1" dirty="0" smtClean="0">
+                <a:effectLst>
+                  <a:outerShdw blurRad="38100" dist="38100" dir="2700000" algn="tl">
+                    <a:srgbClr val="000000">
+                      <a:alpha val="43137"/>
+                    </a:srgbClr>
+                  </a:outerShdw>
+                </a:effectLst>
+              </a:rPr>
+              <a:t> ô</a:t>
+            </a:r>
+          </a:p>
+          <a:p>
+            <a:pPr algn="ctr"/>
+            <a:r>
+              <a:rPr lang="fr-FR" sz="7200" b="1" dirty="0" err="1" smtClean="0">
+                <a:effectLst>
+                  <a:outerShdw blurRad="38100" dist="38100" dir="2700000" algn="tl">
+                    <a:srgbClr val="000000">
+                      <a:alpha val="43137"/>
+                    </a:srgbClr>
+                  </a:outerShdw>
+                </a:effectLst>
+              </a:rPr>
               <a:t>Rehefa</a:t>
             </a:r>
             <a:r>
@@ -4886,181 +5654,7 @@
               </a:rPr>
               <a:t>Jeso</a:t>
             </a:r>
-            <a:r>
-              <a:rPr lang="fr-FR" sz="7200" b="1" dirty="0" smtClean="0">
-                <a:effectLst>
-                  <a:outerShdw blurRad="38100" dist="38100" dir="2700000" algn="tl">
-                    <a:srgbClr val="000000">
-                      <a:alpha val="43137"/>
-                    </a:srgbClr>
-                  </a:outerShdw>
-                </a:effectLst>
-              </a:rPr>
-              <a:t> </a:t>
-            </a:r>
-          </a:p>
-          <a:p>
-            <a:pPr algn="ctr"/>
-            <a:r>
-              <a:rPr lang="fr-FR" sz="7200" b="1" dirty="0" err="1" smtClean="0">
-                <a:effectLst>
-                  <a:outerShdw blurRad="38100" dist="38100" dir="2700000" algn="tl">
-                    <a:srgbClr val="000000">
-                      <a:alpha val="43137"/>
-                    </a:srgbClr>
-                  </a:outerShdw>
-                </a:effectLst>
-              </a:rPr>
-              <a:t>Tsika</a:t>
-            </a:r>
-            <a:r>
-              <a:rPr lang="fr-FR" sz="7200" b="1" dirty="0" smtClean="0">
-                <a:effectLst>
-                  <a:outerShdw blurRad="38100" dist="38100" dir="2700000" algn="tl">
-                    <a:srgbClr val="000000">
-                      <a:alpha val="43137"/>
-                    </a:srgbClr>
-                  </a:outerShdw>
-                </a:effectLst>
-              </a:rPr>
-              <a:t> </a:t>
-            </a:r>
-            <a:r>
-              <a:rPr lang="fr-FR" sz="7200" b="1" dirty="0" err="1" smtClean="0">
-                <a:effectLst>
-                  <a:outerShdw blurRad="38100" dist="38100" dir="2700000" algn="tl">
-                    <a:srgbClr val="000000">
-                      <a:alpha val="43137"/>
-                    </a:srgbClr>
-                  </a:outerShdw>
-                </a:effectLst>
-              </a:rPr>
-              <a:t>falifaly</a:t>
-            </a:r>
-            <a:r>
-              <a:rPr lang="fr-FR" sz="7200" b="1" dirty="0" smtClean="0">
-                <a:effectLst>
-                  <a:outerShdw blurRad="38100" dist="38100" dir="2700000" algn="tl">
-                    <a:srgbClr val="000000">
-                      <a:alpha val="43137"/>
-                    </a:srgbClr>
-                  </a:outerShdw>
-                </a:effectLst>
-              </a:rPr>
-              <a:t> </a:t>
-            </a:r>
-          </a:p>
-          <a:p>
-            <a:pPr algn="ctr"/>
-            <a:r>
-              <a:rPr lang="fr-FR" sz="7200" b="1" dirty="0" smtClean="0">
-                <a:effectLst>
-                  <a:outerShdw blurRad="38100" dist="38100" dir="2700000" algn="tl">
-                    <a:srgbClr val="000000">
-                      <a:alpha val="43137"/>
-                    </a:srgbClr>
-                  </a:outerShdw>
-                </a:effectLst>
-              </a:rPr>
-              <a:t>bon </a:t>
-            </a:r>
-            <a:r>
-              <a:rPr lang="fr-FR" sz="7200" b="1" dirty="0" err="1" smtClean="0">
-                <a:effectLst>
-                  <a:outerShdw blurRad="38100" dist="38100" dir="2700000" algn="tl">
-                    <a:srgbClr val="000000">
-                      <a:alpha val="43137"/>
-                    </a:srgbClr>
-                  </a:outerShdw>
-                </a:effectLst>
-              </a:rPr>
-              <a:t>bon</a:t>
-            </a:r>
-            <a:r>
-              <a:rPr lang="fr-FR" sz="7200" b="1" dirty="0" smtClean="0">
-                <a:effectLst>
-                  <a:outerShdw blurRad="38100" dist="38100" dir="2700000" algn="tl">
-                    <a:srgbClr val="000000">
-                      <a:alpha val="43137"/>
-                    </a:srgbClr>
-                  </a:outerShdw>
-                </a:effectLst>
-              </a:rPr>
-              <a:t> </a:t>
-            </a:r>
-            <a:r>
-              <a:rPr lang="fr-FR" sz="7200" b="1" dirty="0" err="1" smtClean="0">
-                <a:effectLst>
-                  <a:outerShdw blurRad="38100" dist="38100" dir="2700000" algn="tl">
-                    <a:srgbClr val="000000">
-                      <a:alpha val="43137"/>
-                    </a:srgbClr>
-                  </a:outerShdw>
-                </a:effectLst>
-              </a:rPr>
-              <a:t>bon</a:t>
-            </a:r>
-            <a:r>
-              <a:rPr lang="fr-FR" sz="7200" b="1" dirty="0" smtClean="0">
-                <a:effectLst>
-                  <a:outerShdw blurRad="38100" dist="38100" dir="2700000" algn="tl">
-                    <a:srgbClr val="000000">
-                      <a:alpha val="43137"/>
-                    </a:srgbClr>
-                  </a:outerShdw>
-                </a:effectLst>
-              </a:rPr>
-              <a:t> </a:t>
-            </a:r>
-            <a:r>
-              <a:rPr lang="fr-FR" sz="7200" b="1" dirty="0" err="1" smtClean="0">
-                <a:effectLst>
-                  <a:outerShdw blurRad="38100" dist="38100" dir="2700000" algn="tl">
-                    <a:srgbClr val="000000">
-                      <a:alpha val="43137"/>
-                    </a:srgbClr>
-                  </a:outerShdw>
-                </a:effectLst>
-              </a:rPr>
-              <a:t>bon</a:t>
-            </a:r>
-            <a:r>
-              <a:rPr lang="fr-FR" sz="7200" b="1" dirty="0" smtClean="0">
-                <a:effectLst>
-                  <a:outerShdw blurRad="38100" dist="38100" dir="2700000" algn="tl">
-                    <a:srgbClr val="000000">
-                      <a:alpha val="43137"/>
-                    </a:srgbClr>
-                  </a:outerShdw>
-                </a:effectLst>
-              </a:rPr>
-              <a:t> </a:t>
-            </a:r>
-            <a:r>
-              <a:rPr lang="fr-FR" sz="7200" b="1" dirty="0" err="1" smtClean="0">
-                <a:effectLst>
-                  <a:outerShdw blurRad="38100" dist="38100" dir="2700000" algn="tl">
-                    <a:srgbClr val="000000">
-                      <a:alpha val="43137"/>
-                    </a:srgbClr>
-                  </a:outerShdw>
-                </a:effectLst>
-              </a:rPr>
-              <a:t>bon</a:t>
-            </a:r>
-            <a:r>
-              <a:rPr lang="fr-FR" sz="7200" b="1" dirty="0" smtClean="0">
-                <a:effectLst>
-                  <a:outerShdw blurRad="38100" dist="38100" dir="2700000" algn="tl">
-                    <a:srgbClr val="000000">
-                      <a:alpha val="43137"/>
-                    </a:srgbClr>
-                  </a:outerShdw>
-                </a:effectLst>
-              </a:rPr>
-              <a:t> </a:t>
-            </a:r>
-            <a:endParaRPr lang="fr-FR" sz="7200" b="1" dirty="0">
+            <a:endParaRPr lang="fr-FR" sz="7200" b="1" dirty="0" smtClean="0">
               <a:effectLst>
                 <a:outerShdw blurRad="38100" dist="38100" dir="2700000" algn="tl">
                   <a:srgbClr val="000000">
@@ -5070,18 +5664,160 @@
               </a:effectLst>
             </a:endParaRPr>
           </a:p>
+          <a:p>
+            <a:pPr algn="ctr"/>
+            <a:r>
+              <a:rPr lang="fr-FR" sz="7200" b="1" dirty="0" smtClean="0">
+                <a:effectLst>
+                  <a:outerShdw blurRad="38100" dist="38100" dir="2700000" algn="tl">
+                    <a:srgbClr val="000000">
+                      <a:alpha val="43137"/>
+                    </a:srgbClr>
+                  </a:outerShdw>
+                </a:effectLst>
+              </a:rPr>
+              <a:t>Dia </a:t>
+            </a:r>
+            <a:r>
+              <a:rPr lang="fr-FR" sz="7200" b="1" dirty="0" err="1" smtClean="0">
+                <a:effectLst>
+                  <a:outerShdw blurRad="38100" dist="38100" dir="2700000" algn="tl">
+                    <a:srgbClr val="000000">
+                      <a:alpha val="43137"/>
+                    </a:srgbClr>
+                  </a:outerShdw>
+                </a:effectLst>
+              </a:rPr>
+              <a:t>mpandresy</a:t>
+            </a:r>
+            <a:r>
+              <a:rPr lang="fr-FR" sz="7200" b="1" dirty="0" smtClean="0">
+                <a:effectLst>
+                  <a:outerShdw blurRad="38100" dist="38100" dir="2700000" algn="tl">
+                    <a:srgbClr val="000000">
+                      <a:alpha val="43137"/>
+                    </a:srgbClr>
+                  </a:outerShdw>
+                </a:effectLst>
+              </a:rPr>
+              <a:t> </a:t>
+            </a:r>
+            <a:r>
+              <a:rPr lang="fr-FR" sz="7200" b="1" dirty="0" err="1" smtClean="0">
+                <a:effectLst>
+                  <a:outerShdw blurRad="38100" dist="38100" dir="2700000" algn="tl">
+                    <a:srgbClr val="000000">
+                      <a:alpha val="43137"/>
+                    </a:srgbClr>
+                  </a:outerShdw>
+                </a:effectLst>
+              </a:rPr>
+              <a:t>foana</a:t>
+            </a:r>
+            <a:r>
+              <a:rPr lang="fr-FR" sz="7200" b="1" dirty="0" smtClean="0">
+                <a:effectLst>
+                  <a:outerShdw blurRad="38100" dist="38100" dir="2700000" algn="tl">
+                    <a:srgbClr val="000000">
+                      <a:alpha val="43137"/>
+                    </a:srgbClr>
+                  </a:outerShdw>
+                </a:effectLst>
+              </a:rPr>
+              <a:t> </a:t>
+            </a:r>
+            <a:endParaRPr lang="fr-FR" sz="7200" b="1" dirty="0" smtClean="0">
+              <a:effectLst>
+                <a:outerShdw blurRad="38100" dist="38100" dir="2700000" algn="tl">
+                  <a:srgbClr val="000000">
+                    <a:alpha val="43137"/>
+                  </a:srgbClr>
+                </a:outerShdw>
+              </a:effectLst>
+            </a:endParaRPr>
+          </a:p>
+          <a:p>
+            <a:pPr algn="ctr"/>
+            <a:r>
+              <a:rPr lang="fr-FR" sz="7200" b="1" dirty="0" smtClean="0">
+                <a:effectLst>
+                  <a:outerShdw blurRad="38100" dist="38100" dir="2700000" algn="tl">
+                    <a:srgbClr val="000000">
+                      <a:alpha val="43137"/>
+                    </a:srgbClr>
+                  </a:outerShdw>
+                </a:effectLst>
+              </a:rPr>
+              <a:t>na </a:t>
+            </a:r>
+            <a:r>
+              <a:rPr lang="fr-FR" sz="7200" b="1" dirty="0" err="1" smtClean="0">
+                <a:effectLst>
+                  <a:outerShdw blurRad="38100" dist="38100" dir="2700000" algn="tl">
+                    <a:srgbClr val="000000">
+                      <a:alpha val="43137"/>
+                    </a:srgbClr>
+                  </a:outerShdw>
+                </a:effectLst>
+              </a:rPr>
+              <a:t>ahoana</a:t>
+            </a:r>
+            <a:r>
+              <a:rPr lang="fr-FR" sz="7200" b="1" dirty="0" smtClean="0">
+                <a:effectLst>
+                  <a:outerShdw blurRad="38100" dist="38100" dir="2700000" algn="tl">
+                    <a:srgbClr val="000000">
+                      <a:alpha val="43137"/>
+                    </a:srgbClr>
+                  </a:outerShdw>
+                </a:effectLst>
+              </a:rPr>
+              <a:t> na </a:t>
+            </a:r>
+            <a:r>
+              <a:rPr lang="fr-FR" sz="7200" b="1" dirty="0" err="1" smtClean="0">
+                <a:effectLst>
+                  <a:outerShdw blurRad="38100" dist="38100" dir="2700000" algn="tl">
+                    <a:srgbClr val="000000">
+                      <a:alpha val="43137"/>
+                    </a:srgbClr>
+                  </a:outerShdw>
+                </a:effectLst>
+              </a:rPr>
+              <a:t>ahoana</a:t>
+            </a:r>
+            <a:r>
+              <a:rPr lang="fr-FR" sz="7200" b="1" dirty="0" smtClean="0">
+                <a:effectLst>
+                  <a:outerShdw blurRad="38100" dist="38100" dir="2700000" algn="tl">
+                    <a:srgbClr val="000000">
+                      <a:alpha val="43137"/>
+                    </a:srgbClr>
+                  </a:outerShdw>
+                </a:effectLst>
+              </a:rPr>
+              <a:t> </a:t>
+            </a:r>
+          </a:p>
         </p:txBody>
       </p:sp>
     </p:spTree>
     <p:extLst>
       <p:ext uri="{BB962C8B-B14F-4D97-AF65-F5344CB8AC3E}">
-        <p14:creationId xmlns:p14="http://schemas.microsoft.com/office/powerpoint/2010/main" val="141250016"/>
+        <p14:creationId xmlns:p14="http://schemas.microsoft.com/office/powerpoint/2010/main" val="2172762215"/>
       </p:ext>
     </p:extLst>
   </p:cSld>
   <p:clrMapOvr>
     <a:masterClrMapping/>
   </p:clrMapOvr>
+  <p:timing>
+    <p:tnLst>
+      <p:par>
+        <p:cTn id="1" dur="indefinite" restart="never" nodeType="tmRoot"/>
+      </p:par>
+    </p:tnLst>
+  </p:timing>
 </p:sld>
 </file>
 
@@ -5125,6 +5861,18 @@
           <a:p>
             <a:pPr algn="ctr"/>
             <a:r>
+              <a:rPr lang="fr-FR" sz="7200" b="1" dirty="0" err="1" smtClean="0">
+                <a:effectLst>
+                  <a:outerShdw blurRad="38100" dist="38100" dir="2700000" algn="tl">
+                    <a:srgbClr val="000000">
+                      <a:alpha val="43137"/>
+                    </a:srgbClr>
+                  </a:outerShdw>
+                </a:effectLst>
+              </a:rPr>
+              <a:t>Rehefa</a:t>
+            </a:r>
+            <a:r>
               <a:rPr lang="fr-FR" sz="7200" b="1" dirty="0" smtClean="0">
                 <a:effectLst>
                   <a:outerShdw blurRad="38100" dist="38100" dir="2700000" algn="tl">
@@ -5134,7 +5882,7 @@
                   </a:outerShdw>
                 </a:effectLst>
               </a:rPr>
-              <a:t>2- </a:t>
+              <a:t> </a:t>
             </a:r>
             <a:r>
               <a:rPr lang="fr-FR" sz="7200" b="1" dirty="0" err="1" smtClean="0">
@@ -5146,7 +5894,7 @@
                   </a:outerShdw>
                 </a:effectLst>
               </a:rPr>
-              <a:t>Rehefa</a:t>
+              <a:t>miaraka</a:t>
             </a:r>
             <a:r>
               <a:rPr lang="fr-FR" sz="7200" b="1" dirty="0" smtClean="0">
@@ -5158,7 +5906,7 @@
                   </a:outerShdw>
                 </a:effectLst>
               </a:rPr>
-              <a:t> </a:t>
+              <a:t> @ i </a:t>
             </a:r>
             <a:r>
               <a:rPr lang="fr-FR" sz="7200" b="1" dirty="0" err="1" smtClean="0">
@@ -5170,7 +5918,7 @@
                   </a:outerShdw>
                 </a:effectLst>
               </a:rPr>
-              <a:t>miaraka</a:t>
+              <a:t>Jeso</a:t>
             </a:r>
             <a:r>
               <a:rPr lang="fr-FR" sz="7200" b="1" dirty="0" smtClean="0">
@@ -5182,8 +5930,11 @@
                   </a:outerShdw>
                 </a:effectLst>
               </a:rPr>
-              <a:t> @ i </a:t>
-            </a:r>
+              <a:t> </a:t>
+            </a:r>
+          </a:p>
+          <a:p>
+            <a:pPr algn="ctr"/>
             <a:r>
               <a:rPr lang="fr-FR" sz="7200" b="1" dirty="0" err="1" smtClean="0">
                 <a:effectLst>
@@ -5194,7 +5945,7 @@
                   </a:outerShdw>
                 </a:effectLst>
               </a:rPr>
-              <a:t>Jeso</a:t>
+              <a:t>Tsy</a:t>
             </a:r>
             <a:r>
               <a:rPr lang="fr-FR" sz="7200" b="1" dirty="0" smtClean="0">
@@ -5208,10 +5959,46 @@
               </a:rPr>
               <a:t> </a:t>
             </a:r>
+            <a:r>
+              <a:rPr lang="fr-FR" sz="7200" b="1" dirty="0" err="1" smtClean="0">
+                <a:effectLst>
+                  <a:outerShdw blurRad="38100" dist="38100" dir="2700000" algn="tl">
+                    <a:srgbClr val="000000">
+                      <a:alpha val="43137"/>
+                    </a:srgbClr>
+                  </a:outerShdw>
+                </a:effectLst>
+              </a:rPr>
+              <a:t>mamalivaly</a:t>
+            </a:r>
+            <a:r>
+              <a:rPr lang="fr-FR" sz="7200" b="1" dirty="0" smtClean="0">
+                <a:effectLst>
+                  <a:outerShdw blurRad="38100" dist="38100" dir="2700000" algn="tl">
+                    <a:srgbClr val="000000">
+                      <a:alpha val="43137"/>
+                    </a:srgbClr>
+                  </a:outerShdw>
+                </a:effectLst>
+              </a:rPr>
+              <a:t> </a:t>
+            </a:r>
           </a:p>
           <a:p>
             <a:pPr algn="ctr"/>
             <a:r>
+              <a:rPr lang="fr-FR" sz="7200" b="1" dirty="0" smtClean="0">
+                <a:effectLst>
+                  <a:outerShdw blurRad="38100" dist="38100" dir="2700000" algn="tl">
+                    <a:srgbClr val="000000">
+                      <a:alpha val="43137"/>
+                    </a:srgbClr>
+                  </a:outerShdw>
+                </a:effectLst>
+              </a:rPr>
+              <a:t>non </a:t>
+            </a:r>
+            <a:r>
               <a:rPr lang="fr-FR" sz="7200" b="1" dirty="0" err="1" smtClean="0">
                 <a:effectLst>
                   <a:outerShdw blurRad="38100" dist="38100" dir="2700000" algn="tl">
@@ -5221,7 +6008,7 @@
                   </a:outerShdw>
                 </a:effectLst>
               </a:rPr>
-              <a:t>Tsy</a:t>
+              <a:t>non</a:t>
             </a:r>
             <a:r>
               <a:rPr lang="fr-FR" sz="7200" b="1" dirty="0" smtClean="0">
@@ -5245,7 +6032,7 @@
                   </a:outerShdw>
                 </a:effectLst>
               </a:rPr>
-              <a:t>be</a:t>
+              <a:t>non</a:t>
             </a:r>
             <a:r>
               <a:rPr lang="fr-FR" sz="7200" b="1" dirty="0" smtClean="0">
@@ -5269,7 +6056,7 @@
                   </a:outerShdw>
                 </a:effectLst>
               </a:rPr>
-              <a:t>marenina</a:t>
+              <a:t>non</a:t>
             </a:r>
             <a:r>
               <a:rPr lang="fr-FR" sz="7200" b="1" dirty="0" smtClean="0">
@@ -5283,9 +6070,6 @@
               </a:rPr>
               <a:t> </a:t>
             </a:r>
-          </a:p>
-          <a:p>
-            <a:pPr algn="ctr"/>
             <a:r>
               <a:rPr lang="fr-FR" sz="7200" b="1" dirty="0" err="1" smtClean="0">
                 <a:effectLst>
@@ -5296,55 +6080,7 @@
                   </a:outerShdw>
                 </a:effectLst>
               </a:rPr>
-              <a:t>Rehefa</a:t>
-            </a:r>
-            <a:r>
-              <a:rPr lang="fr-FR" sz="7200" b="1" dirty="0" smtClean="0">
-                <a:effectLst>
-                  <a:outerShdw blurRad="38100" dist="38100" dir="2700000" algn="tl">
-                    <a:srgbClr val="000000">
-                      <a:alpha val="43137"/>
-                    </a:srgbClr>
-                  </a:outerShdw>
-                </a:effectLst>
-              </a:rPr>
-              <a:t> </a:t>
-            </a:r>
-            <a:r>
-              <a:rPr lang="fr-FR" sz="7200" b="1" dirty="0" err="1" smtClean="0">
-                <a:effectLst>
-                  <a:outerShdw blurRad="38100" dist="38100" dir="2700000" algn="tl">
-                    <a:srgbClr val="000000">
-                      <a:alpha val="43137"/>
-                    </a:srgbClr>
-                  </a:outerShdw>
-                </a:effectLst>
-              </a:rPr>
-              <a:t>miaraka</a:t>
-            </a:r>
-            <a:r>
-              <a:rPr lang="fr-FR" sz="7200" b="1" dirty="0" smtClean="0">
-                <a:effectLst>
-                  <a:outerShdw blurRad="38100" dist="38100" dir="2700000" algn="tl">
-                    <a:srgbClr val="000000">
-                      <a:alpha val="43137"/>
-                    </a:srgbClr>
-                  </a:outerShdw>
-                </a:effectLst>
-              </a:rPr>
-              <a:t> @ i </a:t>
-            </a:r>
-            <a:r>
-              <a:rPr lang="fr-FR" sz="7200" b="1" dirty="0" err="1" smtClean="0">
-                <a:effectLst>
-                  <a:outerShdw blurRad="38100" dist="38100" dir="2700000" algn="tl">
-                    <a:srgbClr val="000000">
-                      <a:alpha val="43137"/>
-                    </a:srgbClr>
-                  </a:outerShdw>
-                </a:effectLst>
-              </a:rPr>
-              <a:t>Jeso</a:t>
+              <a:t>non</a:t>
             </a:r>
             <a:endParaRPr lang="fr-FR" sz="7200" b="1" dirty="0" smtClean="0">
               <a:effectLst>
@@ -5359,6 +6095,18 @@
           <a:p>
             <a:pPr algn="ctr"/>
             <a:r>
+              <a:rPr lang="fr-FR" sz="7200" b="1" dirty="0" err="1" smtClean="0">
+                <a:effectLst>
+                  <a:outerShdw blurRad="38100" dist="38100" dir="2700000" algn="tl">
+                    <a:srgbClr val="000000">
+                      <a:alpha val="43137"/>
+                    </a:srgbClr>
+                  </a:outerShdw>
+                </a:effectLst>
+              </a:rPr>
+              <a:t>Rehefa</a:t>
+            </a:r>
+            <a:r>
               <a:rPr lang="fr-FR" sz="7200" b="1" dirty="0" smtClean="0">
                 <a:effectLst>
                   <a:outerShdw blurRad="38100" dist="38100" dir="2700000" algn="tl">
@@ -5368,7 +6116,7 @@
                   </a:outerShdw>
                 </a:effectLst>
               </a:rPr>
-              <a:t>Mora </a:t>
+              <a:t> </a:t>
             </a:r>
             <a:r>
               <a:rPr lang="fr-FR" sz="7200" b="1" dirty="0" err="1" smtClean="0">
@@ -5380,7 +6128,7 @@
                   </a:outerShdw>
                 </a:effectLst>
               </a:rPr>
-              <a:t>tenenina</a:t>
+              <a:t>miaraka</a:t>
             </a:r>
             <a:r>
               <a:rPr lang="fr-FR" sz="7200" b="1" dirty="0" smtClean="0">
@@ -5392,6 +6140,30 @@
                   </a:outerShdw>
                 </a:effectLst>
               </a:rPr>
+              <a:t> @ i </a:t>
+            </a:r>
+            <a:r>
+              <a:rPr lang="fr-FR" sz="7200" b="1" dirty="0" err="1" smtClean="0">
+                <a:effectLst>
+                  <a:outerShdw blurRad="38100" dist="38100" dir="2700000" algn="tl">
+                    <a:srgbClr val="000000">
+                      <a:alpha val="43137"/>
+                    </a:srgbClr>
+                  </a:outerShdw>
+                </a:effectLst>
+              </a:rPr>
+              <a:t>Jeso</a:t>
+            </a:r>
+            <a:r>
+              <a:rPr lang="fr-FR" sz="7200" b="1" dirty="0" smtClean="0">
+                <a:effectLst>
+                  <a:outerShdw blurRad="38100" dist="38100" dir="2700000" algn="tl">
+                    <a:srgbClr val="000000">
+                      <a:alpha val="43137"/>
+                    </a:srgbClr>
+                  </a:outerShdw>
+                </a:effectLst>
+              </a:rPr>
               <a:t> </a:t>
             </a:r>
           </a:p>
@@ -5407,7 +6179,7 @@
                   </a:outerShdw>
                 </a:effectLst>
               </a:rPr>
-              <a:t>Manaja</a:t>
+              <a:t>Tsika</a:t>
             </a:r>
             <a:r>
               <a:rPr lang="fr-FR" sz="7200" b="1" dirty="0" smtClean="0">
@@ -5419,12 +6191,48 @@
                   </a:outerShdw>
                 </a:effectLst>
               </a:rPr>
-              <a:t> an 'i Dada </a:t>
+              <a:t> </a:t>
+            </a:r>
+            <a:r>
+              <a:rPr lang="fr-FR" sz="7200" b="1" dirty="0" err="1" smtClean="0">
+                <a:effectLst>
+                  <a:outerShdw blurRad="38100" dist="38100" dir="2700000" algn="tl">
+                    <a:srgbClr val="000000">
+                      <a:alpha val="43137"/>
+                    </a:srgbClr>
+                  </a:outerShdw>
+                </a:effectLst>
+              </a:rPr>
+              <a:t>falifaly</a:t>
+            </a:r>
+            <a:r>
+              <a:rPr lang="fr-FR" sz="7200" b="1" dirty="0" smtClean="0">
+                <a:effectLst>
+                  <a:outerShdw blurRad="38100" dist="38100" dir="2700000" algn="tl">
+                    <a:srgbClr val="000000">
+                      <a:alpha val="43137"/>
+                    </a:srgbClr>
+                  </a:outerShdw>
+                </a:effectLst>
+              </a:rPr>
+              <a:t> </a:t>
             </a:r>
           </a:p>
           <a:p>
             <a:pPr algn="ctr"/>
             <a:r>
+              <a:rPr lang="fr-FR" sz="7200" b="1" dirty="0" smtClean="0">
+                <a:effectLst>
+                  <a:outerShdw blurRad="38100" dist="38100" dir="2700000" algn="tl">
+                    <a:srgbClr val="000000">
+                      <a:alpha val="43137"/>
+                    </a:srgbClr>
+                  </a:outerShdw>
+                </a:effectLst>
+              </a:rPr>
+              <a:t>bon </a:t>
+            </a:r>
+            <a:r>
               <a:rPr lang="fr-FR" sz="7200" b="1" dirty="0" err="1" smtClean="0">
                 <a:effectLst>
                   <a:outerShdw blurRad="38100" dist="38100" dir="2700000" algn="tl">
@@ -5434,7 +6242,7 @@
                   </a:outerShdw>
                 </a:effectLst>
               </a:rPr>
-              <a:t>Manaja</a:t>
+              <a:t>bon</a:t>
             </a:r>
             <a:r>
               <a:rPr lang="fr-FR" sz="7200" b="1" dirty="0" smtClean="0">
@@ -5446,7 +6254,7 @@
                   </a:outerShdw>
                 </a:effectLst>
               </a:rPr>
-              <a:t> an' i </a:t>
+              <a:t> </a:t>
             </a:r>
             <a:r>
               <a:rPr lang="fr-FR" sz="7200" b="1" dirty="0" err="1" smtClean="0">
@@ -5458,7 +6266,67 @@
                   </a:outerShdw>
                 </a:effectLst>
               </a:rPr>
-              <a:t>Neny</a:t>
+              <a:t>bon</a:t>
+            </a:r>
+            <a:r>
+              <a:rPr lang="fr-FR" sz="7200" b="1" dirty="0" smtClean="0">
+                <a:effectLst>
+                  <a:outerShdw blurRad="38100" dist="38100" dir="2700000" algn="tl">
+                    <a:srgbClr val="000000">
+                      <a:alpha val="43137"/>
+                    </a:srgbClr>
+                  </a:outerShdw>
+                </a:effectLst>
+              </a:rPr>
+              <a:t> </a:t>
+            </a:r>
+            <a:r>
+              <a:rPr lang="fr-FR" sz="7200" b="1" dirty="0" err="1" smtClean="0">
+                <a:effectLst>
+                  <a:outerShdw blurRad="38100" dist="38100" dir="2700000" algn="tl">
+                    <a:srgbClr val="000000">
+                      <a:alpha val="43137"/>
+                    </a:srgbClr>
+                  </a:outerShdw>
+                </a:effectLst>
+              </a:rPr>
+              <a:t>bon</a:t>
+            </a:r>
+            <a:r>
+              <a:rPr lang="fr-FR" sz="7200" b="1" dirty="0" smtClean="0">
+                <a:effectLst>
+                  <a:outerShdw blurRad="38100" dist="38100" dir="2700000" algn="tl">
+                    <a:srgbClr val="000000">
+                      <a:alpha val="43137"/>
+                    </a:srgbClr>
+                  </a:outerShdw>
+                </a:effectLst>
+              </a:rPr>
+              <a:t> </a:t>
+            </a:r>
+            <a:r>
+              <a:rPr lang="fr-FR" sz="7200" b="1" dirty="0" err="1" smtClean="0">
+                <a:effectLst>
+                  <a:outerShdw blurRad="38100" dist="38100" dir="2700000" algn="tl">
+                    <a:srgbClr val="000000">
+                      <a:alpha val="43137"/>
+                    </a:srgbClr>
+                  </a:outerShdw>
+                </a:effectLst>
+              </a:rPr>
+              <a:t>bon</a:t>
+            </a:r>
+            <a:r>
+              <a:rPr lang="fr-FR" sz="7200" b="1" dirty="0" smtClean="0">
+                <a:effectLst>
+                  <a:outerShdw blurRad="38100" dist="38100" dir="2700000" algn="tl">
+                    <a:srgbClr val="000000">
+                      <a:alpha val="43137"/>
+                    </a:srgbClr>
+                  </a:outerShdw>
+                </a:effectLst>
+              </a:rPr>
+              <a:t> </a:t>
             </a:r>
             <a:endParaRPr lang="fr-FR" sz="7200" b="1" dirty="0">
               <a:effectLst>
@@ -5475,13 +6343,20 @@
     </p:spTree>
     <p:extLst>
       <p:ext uri="{BB962C8B-B14F-4D97-AF65-F5344CB8AC3E}">
-        <p14:creationId xmlns:p14="http://schemas.microsoft.com/office/powerpoint/2010/main" val="3100304109"/>
+        <p14:creationId xmlns:p14="http://schemas.microsoft.com/office/powerpoint/2010/main" val="141250016"/>
       </p:ext>
     </p:extLst>
   </p:cSld>
   <p:clrMapOvr>
     <a:masterClrMapping/>
   </p:clrMapOvr>
+  <p:timing>
+    <p:tnLst>
+      <p:par>
+        <p:cTn id="1" dur="indefinite" restart="never" nodeType="tmRoot"/>
+      </p:par>
+    </p:tnLst>
+  </p:timing>
 </p:sld>
 </file>
 
@@ -5510,8 +6385,8 @@
         </p:nvSpPr>
         <p:spPr>
           <a:xfrm>
-            <a:off x="0" y="59637"/>
-            <a:ext cx="12192000" cy="6740307"/>
+            <a:off x="0" y="0"/>
+            <a:ext cx="12192000" cy="6863417"/>
           </a:xfrm>
           <a:prstGeom prst="rect">
             <a:avLst/>
@@ -5525,354 +6400,66 @@
           <a:p>
             <a:pPr algn="ctr"/>
             <a:r>
-              <a:rPr lang="fr-FR" sz="7200" b="1" dirty="0" err="1" smtClean="0">
-                <a:effectLst>
-                  <a:outerShdw blurRad="38100" dist="38100" dir="2700000" algn="tl">
-                    <a:srgbClr val="000000">
-                      <a:alpha val="43137"/>
-                    </a:srgbClr>
-                  </a:outerShdw>
-                </a:effectLst>
-              </a:rPr>
-              <a:t>Tsy</a:t>
-            </a:r>
-            <a:r>
-              <a:rPr lang="fr-FR" sz="7200" b="1" dirty="0" smtClean="0">
-                <a:effectLst>
-                  <a:outerShdw blurRad="38100" dist="38100" dir="2700000" algn="tl">
-                    <a:srgbClr val="000000">
-                      <a:alpha val="43137"/>
-                    </a:srgbClr>
-                  </a:outerShdw>
-                </a:effectLst>
-              </a:rPr>
-              <a:t> </a:t>
-            </a:r>
-            <a:r>
-              <a:rPr lang="fr-FR" sz="7200" b="1" dirty="0" err="1" smtClean="0">
-                <a:effectLst>
-                  <a:outerShdw blurRad="38100" dist="38100" dir="2700000" algn="tl">
-                    <a:srgbClr val="000000">
-                      <a:alpha val="43137"/>
-                    </a:srgbClr>
-                  </a:outerShdw>
-                </a:effectLst>
-              </a:rPr>
-              <a:t>atao</a:t>
-            </a:r>
-            <a:r>
-              <a:rPr lang="fr-FR" sz="7200" b="1" dirty="0" smtClean="0">
-                <a:effectLst>
-                  <a:outerShdw blurRad="38100" dist="38100" dir="2700000" algn="tl">
-                    <a:srgbClr val="000000">
-                      <a:alpha val="43137"/>
-                    </a:srgbClr>
-                  </a:outerShdw>
-                </a:effectLst>
-              </a:rPr>
-              <a:t> tata-bava </a:t>
-            </a:r>
-            <a:r>
-              <a:rPr lang="fr-FR" sz="7200" b="1" dirty="0" err="1" smtClean="0">
-                <a:effectLst>
-                  <a:outerShdw blurRad="38100" dist="38100" dir="2700000" algn="tl">
-                    <a:srgbClr val="000000">
-                      <a:alpha val="43137"/>
-                    </a:srgbClr>
-                  </a:outerShdw>
-                </a:effectLst>
-              </a:rPr>
-              <a:t>rehefa</a:t>
-            </a:r>
-            <a:r>
-              <a:rPr lang="fr-FR" sz="7200" b="1" dirty="0" smtClean="0">
-                <a:effectLst>
-                  <a:outerShdw blurRad="38100" dist="38100" dir="2700000" algn="tl">
-                    <a:srgbClr val="000000">
-                      <a:alpha val="43137"/>
-                    </a:srgbClr>
-                  </a:outerShdw>
-                </a:effectLst>
-              </a:rPr>
-              <a:t> </a:t>
-            </a:r>
-            <a:r>
-              <a:rPr lang="fr-FR" sz="7200" b="1" dirty="0" err="1" smtClean="0">
-                <a:effectLst>
-                  <a:outerShdw blurRad="38100" dist="38100" dir="2700000" algn="tl">
-                    <a:srgbClr val="000000">
-                      <a:alpha val="43137"/>
-                    </a:srgbClr>
-                  </a:outerShdw>
-                </a:effectLst>
-              </a:rPr>
-              <a:t>miteny</a:t>
-            </a:r>
-            <a:r>
-              <a:rPr lang="fr-FR" sz="7200" b="1" dirty="0" smtClean="0">
-                <a:effectLst>
-                  <a:outerShdw blurRad="38100" dist="38100" dir="2700000" algn="tl">
-                    <a:srgbClr val="000000">
-                      <a:alpha val="43137"/>
-                    </a:srgbClr>
-                  </a:outerShdw>
-                </a:effectLst>
-              </a:rPr>
-              <a:t> </a:t>
-            </a:r>
-          </a:p>
-          <a:p>
-            <a:pPr algn="ctr"/>
-            <a:r>
-              <a:rPr lang="fr-FR" sz="7200" b="1" dirty="0" err="1" smtClean="0">
-                <a:effectLst>
-                  <a:outerShdw blurRad="38100" dist="38100" dir="2700000" algn="tl">
-                    <a:srgbClr val="000000">
-                      <a:alpha val="43137"/>
-                    </a:srgbClr>
-                  </a:outerShdw>
-                </a:effectLst>
-              </a:rPr>
-              <a:t>Manaja</a:t>
-            </a:r>
-            <a:r>
-              <a:rPr lang="fr-FR" sz="7200" b="1" dirty="0" smtClean="0">
-                <a:effectLst>
-                  <a:outerShdw blurRad="38100" dist="38100" dir="2700000" algn="tl">
-                    <a:srgbClr val="000000">
-                      <a:alpha val="43137"/>
-                    </a:srgbClr>
-                  </a:outerShdw>
-                </a:effectLst>
-              </a:rPr>
-              <a:t> an 'i Dada </a:t>
-            </a:r>
-            <a:r>
-              <a:rPr lang="fr-FR" sz="7200" b="1" dirty="0" err="1" smtClean="0">
-                <a:effectLst>
-                  <a:outerShdw blurRad="38100" dist="38100" dir="2700000" algn="tl">
-                    <a:srgbClr val="000000">
-                      <a:alpha val="43137"/>
-                    </a:srgbClr>
-                  </a:outerShdw>
-                </a:effectLst>
-              </a:rPr>
-              <a:t>foana</a:t>
-            </a:r>
-            <a:r>
-              <a:rPr lang="fr-FR" sz="7200" b="1" dirty="0" smtClean="0">
-                <a:effectLst>
-                  <a:outerShdw blurRad="38100" dist="38100" dir="2700000" algn="tl">
-                    <a:srgbClr val="000000">
-                      <a:alpha val="43137"/>
-                    </a:srgbClr>
-                  </a:outerShdw>
-                </a:effectLst>
-              </a:rPr>
-              <a:t> </a:t>
-            </a:r>
-          </a:p>
-          <a:p>
-            <a:pPr algn="ctr"/>
-            <a:r>
-              <a:rPr lang="fr-FR" sz="7200" b="1" dirty="0" err="1" smtClean="0">
-                <a:effectLst>
-                  <a:outerShdw blurRad="38100" dist="38100" dir="2700000" algn="tl">
-                    <a:srgbClr val="000000">
-                      <a:alpha val="43137"/>
-                    </a:srgbClr>
-                  </a:outerShdw>
-                </a:effectLst>
-              </a:rPr>
-              <a:t>Manaja</a:t>
-            </a:r>
-            <a:r>
-              <a:rPr lang="fr-FR" sz="7200" b="1" dirty="0" smtClean="0">
-                <a:effectLst>
-                  <a:outerShdw blurRad="38100" dist="38100" dir="2700000" algn="tl">
-                    <a:srgbClr val="000000">
-                      <a:alpha val="43137"/>
-                    </a:srgbClr>
-                  </a:outerShdw>
-                </a:effectLst>
-              </a:rPr>
-              <a:t> an' i </a:t>
-            </a:r>
-            <a:r>
-              <a:rPr lang="fr-FR" sz="7200" b="1" dirty="0" err="1" smtClean="0">
-                <a:effectLst>
-                  <a:outerShdw blurRad="38100" dist="38100" dir="2700000" algn="tl">
-                    <a:srgbClr val="000000">
-                      <a:alpha val="43137"/>
-                    </a:srgbClr>
-                  </a:outerShdw>
-                </a:effectLst>
-              </a:rPr>
-              <a:t>Neny</a:t>
-            </a:r>
-            <a:r>
-              <a:rPr lang="fr-FR" sz="7200" b="1" dirty="0" smtClean="0">
-                <a:effectLst>
-                  <a:outerShdw blurRad="38100" dist="38100" dir="2700000" algn="tl">
-                    <a:srgbClr val="000000">
-                      <a:alpha val="43137"/>
-                    </a:srgbClr>
-                  </a:outerShdw>
-                </a:effectLst>
-              </a:rPr>
-              <a:t> </a:t>
-            </a:r>
-            <a:r>
-              <a:rPr lang="fr-FR" sz="7200" b="1" dirty="0" err="1" smtClean="0">
-                <a:effectLst>
-                  <a:outerShdw blurRad="38100" dist="38100" dir="2700000" algn="tl">
-                    <a:srgbClr val="000000">
-                      <a:alpha val="43137"/>
-                    </a:srgbClr>
-                  </a:outerShdw>
-                </a:effectLst>
-              </a:rPr>
-              <a:t>foana</a:t>
-            </a:r>
-            <a:r>
-              <a:rPr lang="fr-FR" sz="7200" b="1" dirty="0" smtClean="0">
-                <a:effectLst>
-                  <a:outerShdw blurRad="38100" dist="38100" dir="2700000" algn="tl">
-                    <a:srgbClr val="000000">
-                      <a:alpha val="43137"/>
-                    </a:srgbClr>
-                  </a:outerShdw>
-                </a:effectLst>
-              </a:rPr>
-              <a:t> </a:t>
-            </a:r>
-          </a:p>
-          <a:p>
-            <a:pPr algn="ctr"/>
-            <a:r>
-              <a:rPr lang="fr-FR" sz="7200" b="1" dirty="0" err="1" smtClean="0">
-                <a:effectLst>
-                  <a:outerShdw blurRad="38100" dist="38100" dir="2700000" algn="tl">
-                    <a:srgbClr val="000000">
-                      <a:alpha val="43137"/>
-                    </a:srgbClr>
-                  </a:outerShdw>
-                </a:effectLst>
-              </a:rPr>
-              <a:t>Manaja</a:t>
-            </a:r>
-            <a:r>
-              <a:rPr lang="fr-FR" sz="7200" b="1" dirty="0" smtClean="0">
-                <a:effectLst>
-                  <a:outerShdw blurRad="38100" dist="38100" dir="2700000" algn="tl">
-                    <a:srgbClr val="000000">
-                      <a:alpha val="43137"/>
-                    </a:srgbClr>
-                  </a:outerShdw>
-                </a:effectLst>
-              </a:rPr>
-              <a:t> </a:t>
-            </a:r>
-            <a:r>
-              <a:rPr lang="fr-FR" sz="7200" b="1" dirty="0" err="1" smtClean="0">
-                <a:effectLst>
-                  <a:outerShdw blurRad="38100" dist="38100" dir="2700000" algn="tl">
-                    <a:srgbClr val="000000">
-                      <a:alpha val="43137"/>
-                    </a:srgbClr>
-                  </a:outerShdw>
-                </a:effectLst>
-              </a:rPr>
-              <a:t>azy</a:t>
-            </a:r>
-            <a:r>
-              <a:rPr lang="fr-FR" sz="7200" b="1" dirty="0" smtClean="0">
-                <a:effectLst>
-                  <a:outerShdw blurRad="38100" dist="38100" dir="2700000" algn="tl">
-                    <a:srgbClr val="000000">
-                      <a:alpha val="43137"/>
-                    </a:srgbClr>
-                  </a:outerShdw>
-                </a:effectLst>
-              </a:rPr>
-              <a:t> </a:t>
-            </a:r>
-          </a:p>
-          <a:p>
-            <a:pPr algn="ctr"/>
-            <a:r>
-              <a:rPr lang="fr-FR" sz="7200" b="1" dirty="0" err="1" smtClean="0">
-                <a:effectLst>
-                  <a:outerShdw blurRad="38100" dist="38100" dir="2700000" algn="tl">
-                    <a:srgbClr val="000000">
-                      <a:alpha val="43137"/>
-                    </a:srgbClr>
-                  </a:outerShdw>
-                </a:effectLst>
-              </a:rPr>
-              <a:t>ireo</a:t>
-            </a:r>
-            <a:r>
-              <a:rPr lang="fr-FR" sz="7200" b="1" dirty="0" smtClean="0">
-                <a:effectLst>
-                  <a:outerShdw blurRad="38100" dist="38100" dir="2700000" algn="tl">
-                    <a:srgbClr val="000000">
-                      <a:alpha val="43137"/>
-                    </a:srgbClr>
-                  </a:outerShdw>
-                </a:effectLst>
-              </a:rPr>
-              <a:t> </a:t>
-            </a:r>
-            <a:r>
-              <a:rPr lang="fr-FR" sz="7200" b="1" dirty="0" err="1" smtClean="0">
-                <a:effectLst>
-                  <a:outerShdw blurRad="38100" dist="38100" dir="2700000" algn="tl">
-                    <a:srgbClr val="000000">
-                      <a:alpha val="43137"/>
-                    </a:srgbClr>
-                  </a:outerShdw>
-                </a:effectLst>
-              </a:rPr>
-              <a:t>manandava</a:t>
-            </a:r>
-            <a:r>
-              <a:rPr lang="fr-FR" sz="7200" b="1" dirty="0" smtClean="0">
-                <a:effectLst>
-                  <a:outerShdw blurRad="38100" dist="38100" dir="2700000" algn="tl">
-                    <a:srgbClr val="000000">
-                      <a:alpha val="43137"/>
-                    </a:srgbClr>
-                  </a:outerShdw>
-                </a:effectLst>
-              </a:rPr>
-              <a:t> </a:t>
-            </a:r>
-            <a:r>
-              <a:rPr lang="fr-FR" sz="7200" b="1" dirty="0" err="1" smtClean="0">
-                <a:effectLst>
-                  <a:outerShdw blurRad="38100" dist="38100" dir="2700000" algn="tl">
-                    <a:srgbClr val="000000">
-                      <a:alpha val="43137"/>
-                    </a:srgbClr>
-                  </a:outerShdw>
-                </a:effectLst>
-              </a:rPr>
-              <a:t>taona</a:t>
-            </a:r>
-            <a:r>
-              <a:rPr lang="fr-FR" sz="7200" b="1" dirty="0" smtClean="0">
-                <a:effectLst>
-                  <a:outerShdw blurRad="38100" dist="38100" dir="2700000" algn="tl">
-                    <a:srgbClr val="000000">
-                      <a:alpha val="43137"/>
-                    </a:srgbClr>
-                  </a:outerShdw>
-                </a:effectLst>
-              </a:rPr>
-              <a:t> </a:t>
-            </a:r>
-            <a:endParaRPr lang="fr-FR" sz="7200" b="1" dirty="0">
+              <a:rPr lang="fr-FR" sz="8800" b="1" dirty="0" smtClean="0">
+                <a:effectLst>
+                  <a:outerShdw blurRad="38100" dist="38100" dir="2700000" algn="tl">
+                    <a:srgbClr val="000000">
+                      <a:alpha val="43137"/>
+                    </a:srgbClr>
+                  </a:outerShdw>
+                </a:effectLst>
+              </a:rPr>
+              <a:t>2- </a:t>
+            </a:r>
+            <a:r>
+              <a:rPr lang="fr-FR" sz="8800" b="1" dirty="0" err="1" smtClean="0">
+                <a:effectLst>
+                  <a:outerShdw blurRad="38100" dist="38100" dir="2700000" algn="tl">
+                    <a:srgbClr val="000000">
+                      <a:alpha val="43137"/>
+                    </a:srgbClr>
+                  </a:outerShdw>
+                </a:effectLst>
+              </a:rPr>
+              <a:t>Rehefa</a:t>
+            </a:r>
+            <a:r>
+              <a:rPr lang="fr-FR" sz="8800" b="1" dirty="0" smtClean="0">
+                <a:effectLst>
+                  <a:outerShdw blurRad="38100" dist="38100" dir="2700000" algn="tl">
+                    <a:srgbClr val="000000">
+                      <a:alpha val="43137"/>
+                    </a:srgbClr>
+                  </a:outerShdw>
+                </a:effectLst>
+              </a:rPr>
+              <a:t> </a:t>
+            </a:r>
+            <a:r>
+              <a:rPr lang="fr-FR" sz="8800" b="1" dirty="0" err="1" smtClean="0">
+                <a:effectLst>
+                  <a:outerShdw blurRad="38100" dist="38100" dir="2700000" algn="tl">
+                    <a:srgbClr val="000000">
+                      <a:alpha val="43137"/>
+                    </a:srgbClr>
+                  </a:outerShdw>
+                </a:effectLst>
+              </a:rPr>
+              <a:t>miaraka</a:t>
+            </a:r>
+            <a:r>
+              <a:rPr lang="fr-FR" sz="8800" b="1" dirty="0" smtClean="0">
+                <a:effectLst>
+                  <a:outerShdw blurRad="38100" dist="38100" dir="2700000" algn="tl">
+                    <a:srgbClr val="000000">
+                      <a:alpha val="43137"/>
+                    </a:srgbClr>
+                  </a:outerShdw>
+                </a:effectLst>
+              </a:rPr>
+              <a:t> </a:t>
+            </a:r>
+            <a:endParaRPr lang="fr-FR" sz="8800" b="1" dirty="0" smtClean="0">
               <a:effectLst>
                 <a:outerShdw blurRad="38100" dist="38100" dir="2700000" algn="tl">
                   <a:srgbClr val="000000">
@@ -5882,18 +6469,262 @@
               </a:effectLst>
             </a:endParaRPr>
           </a:p>
+          <a:p>
+            <a:pPr algn="ctr"/>
+            <a:r>
+              <a:rPr lang="fr-FR" sz="8800" b="1" dirty="0" smtClean="0">
+                <a:effectLst>
+                  <a:outerShdw blurRad="38100" dist="38100" dir="2700000" algn="tl">
+                    <a:srgbClr val="000000">
+                      <a:alpha val="43137"/>
+                    </a:srgbClr>
+                  </a:outerShdw>
+                </a:effectLst>
+              </a:rPr>
+              <a:t>@ </a:t>
+            </a:r>
+            <a:r>
+              <a:rPr lang="fr-FR" sz="8800" b="1" dirty="0" smtClean="0">
+                <a:effectLst>
+                  <a:outerShdw blurRad="38100" dist="38100" dir="2700000" algn="tl">
+                    <a:srgbClr val="000000">
+                      <a:alpha val="43137"/>
+                    </a:srgbClr>
+                  </a:outerShdw>
+                </a:effectLst>
+              </a:rPr>
+              <a:t>i </a:t>
+            </a:r>
+            <a:r>
+              <a:rPr lang="fr-FR" sz="8800" b="1" dirty="0" err="1" smtClean="0">
+                <a:effectLst>
+                  <a:outerShdw blurRad="38100" dist="38100" dir="2700000" algn="tl">
+                    <a:srgbClr val="000000">
+                      <a:alpha val="43137"/>
+                    </a:srgbClr>
+                  </a:outerShdw>
+                </a:effectLst>
+              </a:rPr>
+              <a:t>Jeso</a:t>
+            </a:r>
+            <a:r>
+              <a:rPr lang="fr-FR" sz="8800" b="1" dirty="0" smtClean="0">
+                <a:effectLst>
+                  <a:outerShdw blurRad="38100" dist="38100" dir="2700000" algn="tl">
+                    <a:srgbClr val="000000">
+                      <a:alpha val="43137"/>
+                    </a:srgbClr>
+                  </a:outerShdw>
+                </a:effectLst>
+              </a:rPr>
+              <a:t> </a:t>
+            </a:r>
+          </a:p>
+          <a:p>
+            <a:pPr algn="ctr"/>
+            <a:r>
+              <a:rPr lang="fr-FR" sz="8800" b="1" dirty="0" err="1" smtClean="0">
+                <a:effectLst>
+                  <a:outerShdw blurRad="38100" dist="38100" dir="2700000" algn="tl">
+                    <a:srgbClr val="000000">
+                      <a:alpha val="43137"/>
+                    </a:srgbClr>
+                  </a:outerShdw>
+                </a:effectLst>
+              </a:rPr>
+              <a:t>Tsy</a:t>
+            </a:r>
+            <a:r>
+              <a:rPr lang="fr-FR" sz="8800" b="1" dirty="0" smtClean="0">
+                <a:effectLst>
+                  <a:outerShdw blurRad="38100" dist="38100" dir="2700000" algn="tl">
+                    <a:srgbClr val="000000">
+                      <a:alpha val="43137"/>
+                    </a:srgbClr>
+                  </a:outerShdw>
+                </a:effectLst>
+              </a:rPr>
+              <a:t> </a:t>
+            </a:r>
+            <a:r>
+              <a:rPr lang="fr-FR" sz="8800" b="1" dirty="0" err="1" smtClean="0">
+                <a:effectLst>
+                  <a:outerShdw blurRad="38100" dist="38100" dir="2700000" algn="tl">
+                    <a:srgbClr val="000000">
+                      <a:alpha val="43137"/>
+                    </a:srgbClr>
+                  </a:outerShdw>
+                </a:effectLst>
+              </a:rPr>
+              <a:t>be</a:t>
+            </a:r>
+            <a:r>
+              <a:rPr lang="fr-FR" sz="8800" b="1" dirty="0" smtClean="0">
+                <a:effectLst>
+                  <a:outerShdw blurRad="38100" dist="38100" dir="2700000" algn="tl">
+                    <a:srgbClr val="000000">
+                      <a:alpha val="43137"/>
+                    </a:srgbClr>
+                  </a:outerShdw>
+                </a:effectLst>
+              </a:rPr>
+              <a:t> </a:t>
+            </a:r>
+            <a:r>
+              <a:rPr lang="fr-FR" sz="8800" b="1" dirty="0" err="1" smtClean="0">
+                <a:effectLst>
+                  <a:outerShdw blurRad="38100" dist="38100" dir="2700000" algn="tl">
+                    <a:srgbClr val="000000">
+                      <a:alpha val="43137"/>
+                    </a:srgbClr>
+                  </a:outerShdw>
+                </a:effectLst>
+              </a:rPr>
+              <a:t>marenina</a:t>
+            </a:r>
+            <a:r>
+              <a:rPr lang="fr-FR" sz="8800" b="1" dirty="0" smtClean="0">
+                <a:effectLst>
+                  <a:outerShdw blurRad="38100" dist="38100" dir="2700000" algn="tl">
+                    <a:srgbClr val="000000">
+                      <a:alpha val="43137"/>
+                    </a:srgbClr>
+                  </a:outerShdw>
+                </a:effectLst>
+              </a:rPr>
+              <a:t> </a:t>
+            </a:r>
+          </a:p>
+          <a:p>
+            <a:pPr algn="ctr"/>
+            <a:r>
+              <a:rPr lang="fr-FR" sz="8800" b="1" dirty="0" err="1" smtClean="0">
+                <a:effectLst>
+                  <a:outerShdw blurRad="38100" dist="38100" dir="2700000" algn="tl">
+                    <a:srgbClr val="000000">
+                      <a:alpha val="43137"/>
+                    </a:srgbClr>
+                  </a:outerShdw>
+                </a:effectLst>
+              </a:rPr>
+              <a:t>Rehefa</a:t>
+            </a:r>
+            <a:r>
+              <a:rPr lang="fr-FR" sz="8800" b="1" dirty="0" smtClean="0">
+                <a:effectLst>
+                  <a:outerShdw blurRad="38100" dist="38100" dir="2700000" algn="tl">
+                    <a:srgbClr val="000000">
+                      <a:alpha val="43137"/>
+                    </a:srgbClr>
+                  </a:outerShdw>
+                </a:effectLst>
+              </a:rPr>
+              <a:t> </a:t>
+            </a:r>
+            <a:r>
+              <a:rPr lang="fr-FR" sz="8800" b="1" dirty="0" err="1" smtClean="0">
+                <a:effectLst>
+                  <a:outerShdw blurRad="38100" dist="38100" dir="2700000" algn="tl">
+                    <a:srgbClr val="000000">
+                      <a:alpha val="43137"/>
+                    </a:srgbClr>
+                  </a:outerShdw>
+                </a:effectLst>
+              </a:rPr>
+              <a:t>miaraka</a:t>
+            </a:r>
+            <a:r>
+              <a:rPr lang="fr-FR" sz="8800" b="1" dirty="0" smtClean="0">
+                <a:effectLst>
+                  <a:outerShdw blurRad="38100" dist="38100" dir="2700000" algn="tl">
+                    <a:srgbClr val="000000">
+                      <a:alpha val="43137"/>
+                    </a:srgbClr>
+                  </a:outerShdw>
+                </a:effectLst>
+              </a:rPr>
+              <a:t> @ i </a:t>
+            </a:r>
+            <a:r>
+              <a:rPr lang="fr-FR" sz="8800" b="1" dirty="0" err="1" smtClean="0">
+                <a:effectLst>
+                  <a:outerShdw blurRad="38100" dist="38100" dir="2700000" algn="tl">
+                    <a:srgbClr val="000000">
+                      <a:alpha val="43137"/>
+                    </a:srgbClr>
+                  </a:outerShdw>
+                </a:effectLst>
+              </a:rPr>
+              <a:t>Jeso</a:t>
+            </a:r>
+            <a:endParaRPr lang="fr-FR" sz="8800" b="1" dirty="0" smtClean="0">
+              <a:effectLst>
+                <a:outerShdw blurRad="38100" dist="38100" dir="2700000" algn="tl">
+                  <a:srgbClr val="000000">
+                    <a:alpha val="43137"/>
+                  </a:srgbClr>
+                </a:outerShdw>
+              </a:effectLst>
+            </a:endParaRPr>
+          </a:p>
+          <a:p>
+            <a:pPr algn="ctr"/>
+            <a:r>
+              <a:rPr lang="fr-FR" sz="8800" b="1" dirty="0" smtClean="0">
+                <a:effectLst>
+                  <a:outerShdw blurRad="38100" dist="38100" dir="2700000" algn="tl">
+                    <a:srgbClr val="000000">
+                      <a:alpha val="43137"/>
+                    </a:srgbClr>
+                  </a:outerShdw>
+                </a:effectLst>
+              </a:rPr>
+              <a:t>Mora </a:t>
+            </a:r>
+            <a:r>
+              <a:rPr lang="fr-FR" sz="8800" b="1" dirty="0" err="1" smtClean="0">
+                <a:effectLst>
+                  <a:outerShdw blurRad="38100" dist="38100" dir="2700000" algn="tl">
+                    <a:srgbClr val="000000">
+                      <a:alpha val="43137"/>
+                    </a:srgbClr>
+                  </a:outerShdw>
+                </a:effectLst>
+              </a:rPr>
+              <a:t>tenenina</a:t>
+            </a:r>
+            <a:r>
+              <a:rPr lang="fr-FR" sz="8800" b="1" dirty="0" smtClean="0">
+                <a:effectLst>
+                  <a:outerShdw blurRad="38100" dist="38100" dir="2700000" algn="tl">
+                    <a:srgbClr val="000000">
+                      <a:alpha val="43137"/>
+                    </a:srgbClr>
+                  </a:outerShdw>
+                </a:effectLst>
+              </a:rPr>
+              <a:t> </a:t>
+            </a:r>
+          </a:p>
         </p:txBody>
       </p:sp>
     </p:spTree>
     <p:extLst>
       <p:ext uri="{BB962C8B-B14F-4D97-AF65-F5344CB8AC3E}">
-        <p14:creationId xmlns:p14="http://schemas.microsoft.com/office/powerpoint/2010/main" val="2125077323"/>
+        <p14:creationId xmlns:p14="http://schemas.microsoft.com/office/powerpoint/2010/main" val="3100304109"/>
       </p:ext>
     </p:extLst>
   </p:cSld>
   <p:clrMapOvr>
     <a:masterClrMapping/>
   </p:clrMapOvr>
+  <p:timing>
+    <p:tnLst>
+      <p:par>
+        <p:cTn id="1" dur="indefinite" restart="never" nodeType="tmRoot"/>
+      </p:par>
+    </p:tnLst>
+  </p:timing>
 </p:sld>
 </file>
 
@@ -5922,8 +6753,8 @@
         </p:nvSpPr>
         <p:spPr>
           <a:xfrm>
-            <a:off x="0" y="0"/>
-            <a:ext cx="12192000" cy="6740307"/>
+            <a:off x="0" y="399249"/>
+            <a:ext cx="12192000" cy="6001643"/>
           </a:xfrm>
           <a:prstGeom prst="rect">
             <a:avLst/>
@@ -5937,66 +6768,69 @@
           <a:p>
             <a:pPr algn="ctr"/>
             <a:r>
-              <a:rPr lang="fr-FR" sz="7200" b="1" dirty="0" err="1" smtClean="0">
-                <a:effectLst>
-                  <a:outerShdw blurRad="38100" dist="38100" dir="2700000" algn="tl">
-                    <a:srgbClr val="000000">
-                      <a:alpha val="43137"/>
-                    </a:srgbClr>
-                  </a:outerShdw>
-                </a:effectLst>
-              </a:rPr>
-              <a:t>Rehefa</a:t>
-            </a:r>
-            <a:r>
-              <a:rPr lang="fr-FR" sz="7200" b="1" dirty="0" smtClean="0">
-                <a:effectLst>
-                  <a:outerShdw blurRad="38100" dist="38100" dir="2700000" algn="tl">
-                    <a:srgbClr val="000000">
-                      <a:alpha val="43137"/>
-                    </a:srgbClr>
-                  </a:outerShdw>
-                </a:effectLst>
-              </a:rPr>
-              <a:t> </a:t>
-            </a:r>
-            <a:r>
-              <a:rPr lang="fr-FR" sz="7200" b="1" dirty="0" err="1" smtClean="0">
-                <a:effectLst>
-                  <a:outerShdw blurRad="38100" dist="38100" dir="2700000" algn="tl">
-                    <a:srgbClr val="000000">
-                      <a:alpha val="43137"/>
-                    </a:srgbClr>
-                  </a:outerShdw>
-                </a:effectLst>
-              </a:rPr>
-              <a:t>miaraka</a:t>
-            </a:r>
-            <a:r>
-              <a:rPr lang="fr-FR" sz="7200" b="1" dirty="0" smtClean="0">
-                <a:effectLst>
-                  <a:outerShdw blurRad="38100" dist="38100" dir="2700000" algn="tl">
-                    <a:srgbClr val="000000">
-                      <a:alpha val="43137"/>
-                    </a:srgbClr>
-                  </a:outerShdw>
-                </a:effectLst>
-              </a:rPr>
-              <a:t> @ i </a:t>
-            </a:r>
-            <a:r>
-              <a:rPr lang="fr-FR" sz="7200" b="1" dirty="0" err="1" smtClean="0">
-                <a:effectLst>
-                  <a:outerShdw blurRad="38100" dist="38100" dir="2700000" algn="tl">
-                    <a:srgbClr val="000000">
-                      <a:alpha val="43137"/>
-                    </a:srgbClr>
-                  </a:outerShdw>
-                </a:effectLst>
-              </a:rPr>
-              <a:t>Jeso</a:t>
-            </a:r>
-            <a:endParaRPr lang="fr-FR" sz="7200" b="1" dirty="0" smtClean="0">
+              <a:rPr lang="fr-FR" sz="9600" b="1" dirty="0" err="1">
+                <a:effectLst>
+                  <a:outerShdw blurRad="38100" dist="38100" dir="2700000" algn="tl">
+                    <a:srgbClr val="000000">
+                      <a:alpha val="43137"/>
+                    </a:srgbClr>
+                  </a:outerShdw>
+                </a:effectLst>
+              </a:rPr>
+              <a:t>Manaja</a:t>
+            </a:r>
+            <a:r>
+              <a:rPr lang="fr-FR" sz="9600" b="1" dirty="0">
+                <a:effectLst>
+                  <a:outerShdw blurRad="38100" dist="38100" dir="2700000" algn="tl">
+                    <a:srgbClr val="000000">
+                      <a:alpha val="43137"/>
+                    </a:srgbClr>
+                  </a:outerShdw>
+                </a:effectLst>
+              </a:rPr>
+              <a:t> an 'i Dada </a:t>
+            </a:r>
+          </a:p>
+          <a:p>
+            <a:pPr algn="ctr"/>
+            <a:r>
+              <a:rPr lang="fr-FR" sz="9600" b="1" dirty="0" err="1">
+                <a:effectLst>
+                  <a:outerShdw blurRad="38100" dist="38100" dir="2700000" algn="tl">
+                    <a:srgbClr val="000000">
+                      <a:alpha val="43137"/>
+                    </a:srgbClr>
+                  </a:outerShdw>
+                </a:effectLst>
+              </a:rPr>
+              <a:t>Manaja</a:t>
+            </a:r>
+            <a:r>
+              <a:rPr lang="fr-FR" sz="9600" b="1" dirty="0">
+                <a:effectLst>
+                  <a:outerShdw blurRad="38100" dist="38100" dir="2700000" algn="tl">
+                    <a:srgbClr val="000000">
+                      <a:alpha val="43137"/>
+                    </a:srgbClr>
+                  </a:outerShdw>
+                </a:effectLst>
+              </a:rPr>
+              <a:t> an' i </a:t>
+            </a:r>
+            <a:r>
+              <a:rPr lang="fr-FR" sz="9600" b="1" dirty="0" err="1" smtClean="0">
+                <a:effectLst>
+                  <a:outerShdw blurRad="38100" dist="38100" dir="2700000" algn="tl">
+                    <a:srgbClr val="000000">
+                      <a:alpha val="43137"/>
+                    </a:srgbClr>
+                  </a:outerShdw>
+                </a:effectLst>
+              </a:rPr>
+              <a:t>Neny</a:t>
+            </a:r>
+            <a:endParaRPr lang="fr-FR" sz="9600" b="1" dirty="0" smtClean="0">
               <a:effectLst>
                 <a:outerShdw blurRad="38100" dist="38100" dir="2700000" algn="tl">
                   <a:srgbClr val="000000">
@@ -6009,7 +6843,7 @@
           <a:p>
             <a:pPr algn="ctr"/>
             <a:r>
-              <a:rPr lang="fr-FR" sz="7200" b="1" dirty="0" err="1" smtClean="0">
+              <a:rPr lang="fr-FR" sz="9600" b="1" dirty="0" err="1">
                 <a:effectLst>
                   <a:outerShdw blurRad="38100" dist="38100" dir="2700000" algn="tl">
                     <a:srgbClr val="000000">
@@ -6021,349 +6855,79 @@
               <a:t>Tsy</a:t>
             </a:r>
             <a:r>
-              <a:rPr lang="fr-FR" sz="7200" b="1" dirty="0" smtClean="0">
-                <a:effectLst>
-                  <a:outerShdw blurRad="38100" dist="38100" dir="2700000" algn="tl">
-                    <a:srgbClr val="000000">
-                      <a:alpha val="43137"/>
-                    </a:srgbClr>
-                  </a:outerShdw>
-                </a:effectLst>
-              </a:rPr>
-              <a:t> </a:t>
-            </a:r>
-            <a:r>
-              <a:rPr lang="fr-FR" sz="7200" b="1" dirty="0" err="1" smtClean="0">
-                <a:effectLst>
-                  <a:outerShdw blurRad="38100" dist="38100" dir="2700000" algn="tl">
-                    <a:srgbClr val="000000">
-                      <a:alpha val="43137"/>
-                    </a:srgbClr>
-                  </a:outerShdw>
-                </a:effectLst>
-              </a:rPr>
-              <a:t>manahy</a:t>
-            </a:r>
-            <a:r>
-              <a:rPr lang="fr-FR" sz="7200" b="1" dirty="0" smtClean="0">
-                <a:effectLst>
-                  <a:outerShdw blurRad="38100" dist="38100" dir="2700000" algn="tl">
-                    <a:srgbClr val="000000">
-                      <a:alpha val="43137"/>
-                    </a:srgbClr>
-                  </a:outerShdw>
-                </a:effectLst>
-              </a:rPr>
-              <a:t> n'</a:t>
-            </a:r>
-            <a:r>
-              <a:rPr lang="fr-FR" sz="7200" b="1" dirty="0" err="1" smtClean="0">
-                <a:effectLst>
-                  <a:outerShdw blurRad="38100" dist="38100" dir="2700000" algn="tl">
-                    <a:srgbClr val="000000">
-                      <a:alpha val="43137"/>
-                    </a:srgbClr>
-                  </a:outerShdw>
-                </a:effectLst>
-              </a:rPr>
-              <a:t>inona</a:t>
-            </a:r>
-            <a:r>
-              <a:rPr lang="fr-FR" sz="7200" b="1" dirty="0" smtClean="0">
-                <a:effectLst>
-                  <a:outerShdw blurRad="38100" dist="38100" dir="2700000" algn="tl">
-                    <a:srgbClr val="000000">
-                      <a:alpha val="43137"/>
-                    </a:srgbClr>
-                  </a:outerShdw>
-                </a:effectLst>
-              </a:rPr>
-              <a:t> n'</a:t>
-            </a:r>
-            <a:r>
-              <a:rPr lang="fr-FR" sz="7200" b="1" dirty="0" err="1" smtClean="0">
-                <a:effectLst>
-                  <a:outerShdw blurRad="38100" dist="38100" dir="2700000" algn="tl">
-                    <a:srgbClr val="000000">
-                      <a:alpha val="43137"/>
-                    </a:srgbClr>
-                  </a:outerShdw>
-                </a:effectLst>
-              </a:rPr>
-              <a:t>inona</a:t>
-            </a:r>
-            <a:r>
-              <a:rPr lang="fr-FR" sz="7200" b="1" dirty="0" smtClean="0">
-                <a:effectLst>
-                  <a:outerShdw blurRad="38100" dist="38100" dir="2700000" algn="tl">
-                    <a:srgbClr val="000000">
-                      <a:alpha val="43137"/>
-                    </a:srgbClr>
-                  </a:outerShdw>
-                </a:effectLst>
-              </a:rPr>
-              <a:t> </a:t>
-            </a:r>
-          </a:p>
-          <a:p>
-            <a:pPr algn="ctr"/>
-            <a:r>
-              <a:rPr lang="fr-FR" sz="7200" b="1" dirty="0" smtClean="0">
-                <a:effectLst>
-                  <a:outerShdw blurRad="38100" dist="38100" dir="2700000" algn="tl">
-                    <a:srgbClr val="000000">
-                      <a:alpha val="43137"/>
-                    </a:srgbClr>
-                  </a:outerShdw>
-                </a:effectLst>
-              </a:rPr>
-              <a:t>Fa </a:t>
-            </a:r>
-            <a:r>
-              <a:rPr lang="fr-FR" sz="7200" b="1" dirty="0" err="1" smtClean="0">
-                <a:effectLst>
-                  <a:outerShdw blurRad="38100" dist="38100" dir="2700000" algn="tl">
-                    <a:srgbClr val="000000">
-                      <a:alpha val="43137"/>
-                    </a:srgbClr>
-                  </a:outerShdw>
-                </a:effectLst>
-              </a:rPr>
-              <a:t>mahery</a:t>
-            </a:r>
-            <a:r>
-              <a:rPr lang="fr-FR" sz="7200" b="1" dirty="0" smtClean="0">
-                <a:effectLst>
-                  <a:outerShdw blurRad="38100" dist="38100" dir="2700000" algn="tl">
-                    <a:srgbClr val="000000">
-                      <a:alpha val="43137"/>
-                    </a:srgbClr>
-                  </a:outerShdw>
-                </a:effectLst>
-              </a:rPr>
-              <a:t> </a:t>
-            </a:r>
-            <a:r>
-              <a:rPr lang="fr-FR" sz="7200" b="1" dirty="0" err="1" smtClean="0">
-                <a:effectLst>
-                  <a:outerShdw blurRad="38100" dist="38100" dir="2700000" algn="tl">
-                    <a:srgbClr val="000000">
-                      <a:alpha val="43137"/>
-                    </a:srgbClr>
-                  </a:outerShdw>
-                </a:effectLst>
-              </a:rPr>
-              <a:t>Izy</a:t>
-            </a:r>
-            <a:r>
-              <a:rPr lang="fr-FR" sz="7200" b="1" dirty="0" smtClean="0">
-                <a:effectLst>
-                  <a:outerShdw blurRad="38100" dist="38100" dir="2700000" algn="tl">
-                    <a:srgbClr val="000000">
-                      <a:alpha val="43137"/>
-                    </a:srgbClr>
-                  </a:outerShdw>
-                </a:effectLst>
-              </a:rPr>
-              <a:t> </a:t>
-            </a:r>
-            <a:r>
-              <a:rPr lang="fr-FR" sz="7200" b="1" dirty="0" err="1" smtClean="0">
-                <a:effectLst>
-                  <a:outerShdw blurRad="38100" dist="38100" dir="2700000" algn="tl">
-                    <a:srgbClr val="000000">
-                      <a:alpha val="43137"/>
-                    </a:srgbClr>
-                  </a:outerShdw>
-                </a:effectLst>
-              </a:rPr>
-              <a:t>tsinona</a:t>
-            </a:r>
-            <a:r>
-              <a:rPr lang="fr-FR" sz="7200" b="1" dirty="0" smtClean="0">
-                <a:effectLst>
-                  <a:outerShdw blurRad="38100" dist="38100" dir="2700000" algn="tl">
-                    <a:srgbClr val="000000">
-                      <a:alpha val="43137"/>
-                    </a:srgbClr>
-                  </a:outerShdw>
-                </a:effectLst>
-              </a:rPr>
-              <a:t> ô</a:t>
-            </a:r>
-          </a:p>
-          <a:p>
-            <a:pPr algn="ctr"/>
-            <a:r>
-              <a:rPr lang="fr-FR" sz="7200" b="1" dirty="0" err="1" smtClean="0">
-                <a:effectLst>
-                  <a:outerShdw blurRad="38100" dist="38100" dir="2700000" algn="tl">
-                    <a:srgbClr val="000000">
-                      <a:alpha val="43137"/>
-                    </a:srgbClr>
-                  </a:outerShdw>
-                </a:effectLst>
-              </a:rPr>
-              <a:t>Rehefa</a:t>
-            </a:r>
-            <a:r>
-              <a:rPr lang="fr-FR" sz="7200" b="1" dirty="0" smtClean="0">
-                <a:effectLst>
-                  <a:outerShdw blurRad="38100" dist="38100" dir="2700000" algn="tl">
-                    <a:srgbClr val="000000">
-                      <a:alpha val="43137"/>
-                    </a:srgbClr>
-                  </a:outerShdw>
-                </a:effectLst>
-              </a:rPr>
-              <a:t> </a:t>
-            </a:r>
-            <a:r>
-              <a:rPr lang="fr-FR" sz="7200" b="1" dirty="0" err="1" smtClean="0">
-                <a:effectLst>
-                  <a:outerShdw blurRad="38100" dist="38100" dir="2700000" algn="tl">
-                    <a:srgbClr val="000000">
-                      <a:alpha val="43137"/>
-                    </a:srgbClr>
-                  </a:outerShdw>
-                </a:effectLst>
-              </a:rPr>
-              <a:t>miaraka</a:t>
-            </a:r>
-            <a:r>
-              <a:rPr lang="fr-FR" sz="7200" b="1" dirty="0" smtClean="0">
-                <a:effectLst>
-                  <a:outerShdw blurRad="38100" dist="38100" dir="2700000" algn="tl">
-                    <a:srgbClr val="000000">
-                      <a:alpha val="43137"/>
-                    </a:srgbClr>
-                  </a:outerShdw>
-                </a:effectLst>
-              </a:rPr>
-              <a:t> @ i </a:t>
-            </a:r>
-            <a:r>
-              <a:rPr lang="fr-FR" sz="7200" b="1" dirty="0" err="1" smtClean="0">
-                <a:effectLst>
-                  <a:outerShdw blurRad="38100" dist="38100" dir="2700000" algn="tl">
-                    <a:srgbClr val="000000">
-                      <a:alpha val="43137"/>
-                    </a:srgbClr>
-                  </a:outerShdw>
-                </a:effectLst>
-              </a:rPr>
-              <a:t>Jeso</a:t>
-            </a:r>
-            <a:endParaRPr lang="fr-FR" sz="7200" b="1" dirty="0" smtClean="0">
-              <a:effectLst>
-                <a:outerShdw blurRad="38100" dist="38100" dir="2700000" algn="tl">
-                  <a:srgbClr val="000000">
-                    <a:alpha val="43137"/>
-                  </a:srgbClr>
-                </a:outerShdw>
-              </a:effectLst>
-            </a:endParaRPr>
-          </a:p>
-          <a:p>
-            <a:pPr algn="ctr"/>
-            <a:r>
-              <a:rPr lang="fr-FR" sz="7200" b="1" dirty="0" smtClean="0">
-                <a:effectLst>
-                  <a:outerShdw blurRad="38100" dist="38100" dir="2700000" algn="tl">
-                    <a:srgbClr val="000000">
-                      <a:alpha val="43137"/>
-                    </a:srgbClr>
-                  </a:outerShdw>
-                </a:effectLst>
-              </a:rPr>
-              <a:t>Dia </a:t>
-            </a:r>
-            <a:r>
-              <a:rPr lang="fr-FR" sz="7200" b="1" dirty="0" err="1" smtClean="0">
-                <a:effectLst>
-                  <a:outerShdw blurRad="38100" dist="38100" dir="2700000" algn="tl">
-                    <a:srgbClr val="000000">
-                      <a:alpha val="43137"/>
-                    </a:srgbClr>
-                  </a:outerShdw>
-                </a:effectLst>
-              </a:rPr>
-              <a:t>mpandresy</a:t>
-            </a:r>
-            <a:r>
-              <a:rPr lang="fr-FR" sz="7200" b="1" dirty="0" smtClean="0">
-                <a:effectLst>
-                  <a:outerShdw blurRad="38100" dist="38100" dir="2700000" algn="tl">
-                    <a:srgbClr val="000000">
-                      <a:alpha val="43137"/>
-                    </a:srgbClr>
-                  </a:outerShdw>
-                </a:effectLst>
-              </a:rPr>
-              <a:t> </a:t>
-            </a:r>
-            <a:r>
-              <a:rPr lang="fr-FR" sz="7200" b="1" dirty="0" err="1" smtClean="0">
-                <a:effectLst>
-                  <a:outerShdw blurRad="38100" dist="38100" dir="2700000" algn="tl">
-                    <a:srgbClr val="000000">
-                      <a:alpha val="43137"/>
-                    </a:srgbClr>
-                  </a:outerShdw>
-                </a:effectLst>
-              </a:rPr>
-              <a:t>foana</a:t>
-            </a:r>
-            <a:r>
-              <a:rPr lang="fr-FR" sz="7200" b="1" dirty="0" smtClean="0">
-                <a:effectLst>
-                  <a:outerShdw blurRad="38100" dist="38100" dir="2700000" algn="tl">
-                    <a:srgbClr val="000000">
-                      <a:alpha val="43137"/>
-                    </a:srgbClr>
-                  </a:outerShdw>
-                </a:effectLst>
-              </a:rPr>
-              <a:t> na </a:t>
-            </a:r>
-            <a:r>
-              <a:rPr lang="fr-FR" sz="7200" b="1" dirty="0" err="1" smtClean="0">
-                <a:effectLst>
-                  <a:outerShdw blurRad="38100" dist="38100" dir="2700000" algn="tl">
-                    <a:srgbClr val="000000">
-                      <a:alpha val="43137"/>
-                    </a:srgbClr>
-                  </a:outerShdw>
-                </a:effectLst>
-              </a:rPr>
-              <a:t>ahoana</a:t>
-            </a:r>
-            <a:r>
-              <a:rPr lang="fr-FR" sz="7200" b="1" dirty="0" smtClean="0">
-                <a:effectLst>
-                  <a:outerShdw blurRad="38100" dist="38100" dir="2700000" algn="tl">
-                    <a:srgbClr val="000000">
-                      <a:alpha val="43137"/>
-                    </a:srgbClr>
-                  </a:outerShdw>
-                </a:effectLst>
-              </a:rPr>
-              <a:t> na </a:t>
-            </a:r>
-            <a:r>
-              <a:rPr lang="fr-FR" sz="7200" b="1" dirty="0" err="1" smtClean="0">
-                <a:effectLst>
-                  <a:outerShdw blurRad="38100" dist="38100" dir="2700000" algn="tl">
-                    <a:srgbClr val="000000">
-                      <a:alpha val="43137"/>
-                    </a:srgbClr>
-                  </a:outerShdw>
-                </a:effectLst>
-              </a:rPr>
-              <a:t>ahoana</a:t>
-            </a:r>
-            <a:r>
-              <a:rPr lang="fr-FR" sz="7200" b="1" dirty="0" smtClean="0">
+              <a:rPr lang="fr-FR" sz="9600" b="1" dirty="0">
+                <a:effectLst>
+                  <a:outerShdw blurRad="38100" dist="38100" dir="2700000" algn="tl">
+                    <a:srgbClr val="000000">
+                      <a:alpha val="43137"/>
+                    </a:srgbClr>
+                  </a:outerShdw>
+                </a:effectLst>
+              </a:rPr>
+              <a:t> </a:t>
+            </a:r>
+            <a:r>
+              <a:rPr lang="fr-FR" sz="9600" b="1" dirty="0" err="1">
+                <a:effectLst>
+                  <a:outerShdw blurRad="38100" dist="38100" dir="2700000" algn="tl">
+                    <a:srgbClr val="000000">
+                      <a:alpha val="43137"/>
+                    </a:srgbClr>
+                  </a:outerShdw>
+                </a:effectLst>
+              </a:rPr>
+              <a:t>atao</a:t>
+            </a:r>
+            <a:r>
+              <a:rPr lang="fr-FR" sz="9600" b="1" dirty="0">
+                <a:effectLst>
+                  <a:outerShdw blurRad="38100" dist="38100" dir="2700000" algn="tl">
+                    <a:srgbClr val="000000">
+                      <a:alpha val="43137"/>
+                    </a:srgbClr>
+                  </a:outerShdw>
+                </a:effectLst>
+              </a:rPr>
+              <a:t> tata-bava </a:t>
+            </a:r>
+            <a:r>
+              <a:rPr lang="fr-FR" sz="9600" b="1" dirty="0" err="1">
+                <a:effectLst>
+                  <a:outerShdw blurRad="38100" dist="38100" dir="2700000" algn="tl">
+                    <a:srgbClr val="000000">
+                      <a:alpha val="43137"/>
+                    </a:srgbClr>
+                  </a:outerShdw>
+                </a:effectLst>
+              </a:rPr>
+              <a:t>rehefa</a:t>
+            </a:r>
+            <a:r>
+              <a:rPr lang="fr-FR" sz="9600" b="1" dirty="0">
+                <a:effectLst>
+                  <a:outerShdw blurRad="38100" dist="38100" dir="2700000" algn="tl">
+                    <a:srgbClr val="000000">
+                      <a:alpha val="43137"/>
+                    </a:srgbClr>
+                  </a:outerShdw>
+                </a:effectLst>
+              </a:rPr>
+              <a:t> </a:t>
+            </a:r>
+            <a:r>
+              <a:rPr lang="fr-FR" sz="9600" b="1" dirty="0" err="1">
+                <a:effectLst>
+                  <a:outerShdw blurRad="38100" dist="38100" dir="2700000" algn="tl">
+                    <a:srgbClr val="000000">
+                      <a:alpha val="43137"/>
+                    </a:srgbClr>
+                  </a:outerShdw>
+                </a:effectLst>
+              </a:rPr>
+              <a:t>miteny</a:t>
+            </a:r>
+            <a:r>
+              <a:rPr lang="fr-FR" sz="9600" b="1" dirty="0">
                 <a:effectLst>
                   <a:outerShdw blurRad="38100" dist="38100" dir="2700000" algn="tl">
                     <a:srgbClr val="000000">
@@ -6380,13 +6944,20 @@
     </p:spTree>
     <p:extLst>
       <p:ext uri="{BB962C8B-B14F-4D97-AF65-F5344CB8AC3E}">
-        <p14:creationId xmlns:p14="http://schemas.microsoft.com/office/powerpoint/2010/main" val="716134702"/>
+        <p14:creationId xmlns:p14="http://schemas.microsoft.com/office/powerpoint/2010/main" val="4169711445"/>
       </p:ext>
     </p:extLst>
   </p:cSld>
   <p:clrMapOvr>
     <a:masterClrMapping/>
   </p:clrMapOvr>
+  <p:timing>
+    <p:tnLst>
+      <p:par>
+        <p:cTn id="1" dur="indefinite" restart="never" nodeType="tmRoot"/>
+      </p:par>
+    </p:tnLst>
+  </p:timing>
 </p:sld>
 </file>
 
@@ -6415,8 +6986,8 @@
         </p:nvSpPr>
         <p:spPr>
           <a:xfrm>
-            <a:off x="0" y="0"/>
-            <a:ext cx="12192000" cy="6740307"/>
+            <a:off x="0" y="574795"/>
+            <a:ext cx="12192000" cy="5509200"/>
           </a:xfrm>
           <a:prstGeom prst="rect">
             <a:avLst/>
@@ -6430,67 +7001,55 @@
           <a:p>
             <a:pPr algn="ctr"/>
             <a:r>
-              <a:rPr lang="fr-FR" sz="7200" b="1" dirty="0" err="1" smtClean="0">
-                <a:effectLst>
-                  <a:outerShdw blurRad="38100" dist="38100" dir="2700000" algn="tl">
-                    <a:srgbClr val="000000">
-                      <a:alpha val="43137"/>
-                    </a:srgbClr>
-                  </a:outerShdw>
-                </a:effectLst>
-              </a:rPr>
-              <a:t>Rehefa</a:t>
-            </a:r>
-            <a:r>
-              <a:rPr lang="fr-FR" sz="7200" b="1" dirty="0" smtClean="0">
-                <a:effectLst>
-                  <a:outerShdw blurRad="38100" dist="38100" dir="2700000" algn="tl">
-                    <a:srgbClr val="000000">
-                      <a:alpha val="43137"/>
-                    </a:srgbClr>
-                  </a:outerShdw>
-                </a:effectLst>
-              </a:rPr>
-              <a:t> </a:t>
-            </a:r>
-            <a:r>
-              <a:rPr lang="fr-FR" sz="7200" b="1" dirty="0" err="1" smtClean="0">
-                <a:effectLst>
-                  <a:outerShdw blurRad="38100" dist="38100" dir="2700000" algn="tl">
-                    <a:srgbClr val="000000">
-                      <a:alpha val="43137"/>
-                    </a:srgbClr>
-                  </a:outerShdw>
-                </a:effectLst>
-              </a:rPr>
-              <a:t>miaraka</a:t>
-            </a:r>
-            <a:r>
-              <a:rPr lang="fr-FR" sz="7200" b="1" dirty="0" smtClean="0">
-                <a:effectLst>
-                  <a:outerShdw blurRad="38100" dist="38100" dir="2700000" algn="tl">
-                    <a:srgbClr val="000000">
-                      <a:alpha val="43137"/>
-                    </a:srgbClr>
-                  </a:outerShdw>
-                </a:effectLst>
-              </a:rPr>
-              <a:t> @ i </a:t>
-            </a:r>
-            <a:r>
-              <a:rPr lang="fr-FR" sz="7200" b="1" dirty="0" err="1" smtClean="0">
-                <a:effectLst>
-                  <a:outerShdw blurRad="38100" dist="38100" dir="2700000" algn="tl">
-                    <a:srgbClr val="000000">
-                      <a:alpha val="43137"/>
-                    </a:srgbClr>
-                  </a:outerShdw>
-                </a:effectLst>
-              </a:rPr>
-              <a:t>Jeso</a:t>
-            </a:r>
-            <a:r>
-              <a:rPr lang="fr-FR" sz="7200" b="1" dirty="0" smtClean="0">
+              <a:rPr lang="fr-FR" sz="8800" b="1" dirty="0" err="1" smtClean="0">
+                <a:effectLst>
+                  <a:outerShdw blurRad="38100" dist="38100" dir="2700000" algn="tl">
+                    <a:srgbClr val="000000">
+                      <a:alpha val="43137"/>
+                    </a:srgbClr>
+                  </a:outerShdw>
+                </a:effectLst>
+              </a:rPr>
+              <a:t>Manaja</a:t>
+            </a:r>
+            <a:r>
+              <a:rPr lang="fr-FR" sz="8800" b="1" dirty="0" smtClean="0">
+                <a:effectLst>
+                  <a:outerShdw blurRad="38100" dist="38100" dir="2700000" algn="tl">
+                    <a:srgbClr val="000000">
+                      <a:alpha val="43137"/>
+                    </a:srgbClr>
+                  </a:outerShdw>
+                </a:effectLst>
+              </a:rPr>
+              <a:t> </a:t>
+            </a:r>
+            <a:r>
+              <a:rPr lang="fr-FR" sz="8800" b="1" dirty="0" smtClean="0">
+                <a:effectLst>
+                  <a:outerShdw blurRad="38100" dist="38100" dir="2700000" algn="tl">
+                    <a:srgbClr val="000000">
+                      <a:alpha val="43137"/>
+                    </a:srgbClr>
+                  </a:outerShdw>
+                </a:effectLst>
+              </a:rPr>
+              <a:t>an 'i Dada </a:t>
+            </a:r>
+            <a:r>
+              <a:rPr lang="fr-FR" sz="8800" b="1" dirty="0" err="1" smtClean="0">
+                <a:effectLst>
+                  <a:outerShdw blurRad="38100" dist="38100" dir="2700000" algn="tl">
+                    <a:srgbClr val="000000">
+                      <a:alpha val="43137"/>
+                    </a:srgbClr>
+                  </a:outerShdw>
+                </a:effectLst>
+              </a:rPr>
+              <a:t>foana</a:t>
+            </a:r>
+            <a:r>
+              <a:rPr lang="fr-FR" sz="8800" b="1" dirty="0" smtClean="0">
                 <a:effectLst>
                   <a:outerShdw blurRad="38100" dist="38100" dir="2700000" algn="tl">
                     <a:srgbClr val="000000">
@@ -6505,43 +7064,67 @@
           <a:p>
             <a:pPr algn="ctr"/>
             <a:r>
-              <a:rPr lang="fr-FR" sz="7200" b="1" dirty="0" err="1" smtClean="0">
-                <a:effectLst>
-                  <a:outerShdw blurRad="38100" dist="38100" dir="2700000" algn="tl">
-                    <a:srgbClr val="000000">
-                      <a:alpha val="43137"/>
-                    </a:srgbClr>
-                  </a:outerShdw>
-                </a:effectLst>
-              </a:rPr>
-              <a:t>Tsy</a:t>
-            </a:r>
-            <a:r>
-              <a:rPr lang="fr-FR" sz="7200" b="1" dirty="0" smtClean="0">
-                <a:effectLst>
-                  <a:outerShdw blurRad="38100" dist="38100" dir="2700000" algn="tl">
-                    <a:srgbClr val="000000">
-                      <a:alpha val="43137"/>
-                    </a:srgbClr>
-                  </a:outerShdw>
-                </a:effectLst>
-              </a:rPr>
-              <a:t> </a:t>
-            </a:r>
-            <a:r>
-              <a:rPr lang="fr-FR" sz="7200" b="1" dirty="0" err="1" smtClean="0">
-                <a:effectLst>
-                  <a:outerShdw blurRad="38100" dist="38100" dir="2700000" algn="tl">
-                    <a:srgbClr val="000000">
-                      <a:alpha val="43137"/>
-                    </a:srgbClr>
-                  </a:outerShdw>
-                </a:effectLst>
-              </a:rPr>
-              <a:t>mamalivaly</a:t>
-            </a:r>
-            <a:r>
-              <a:rPr lang="fr-FR" sz="7200" b="1" dirty="0" smtClean="0">
+              <a:rPr lang="fr-FR" sz="8800" b="1" dirty="0" err="1" smtClean="0">
+                <a:effectLst>
+                  <a:outerShdw blurRad="38100" dist="38100" dir="2700000" algn="tl">
+                    <a:srgbClr val="000000">
+                      <a:alpha val="43137"/>
+                    </a:srgbClr>
+                  </a:outerShdw>
+                </a:effectLst>
+              </a:rPr>
+              <a:t>Manaja</a:t>
+            </a:r>
+            <a:r>
+              <a:rPr lang="fr-FR" sz="8800" b="1" dirty="0" smtClean="0">
+                <a:effectLst>
+                  <a:outerShdw blurRad="38100" dist="38100" dir="2700000" algn="tl">
+                    <a:srgbClr val="000000">
+                      <a:alpha val="43137"/>
+                    </a:srgbClr>
+                  </a:outerShdw>
+                </a:effectLst>
+              </a:rPr>
+              <a:t> an' i </a:t>
+            </a:r>
+            <a:r>
+              <a:rPr lang="fr-FR" sz="8800" b="1" dirty="0" err="1" smtClean="0">
+                <a:effectLst>
+                  <a:outerShdw blurRad="38100" dist="38100" dir="2700000" algn="tl">
+                    <a:srgbClr val="000000">
+                      <a:alpha val="43137"/>
+                    </a:srgbClr>
+                  </a:outerShdw>
+                </a:effectLst>
+              </a:rPr>
+              <a:t>Neny</a:t>
+            </a:r>
+            <a:r>
+              <a:rPr lang="fr-FR" sz="8800" b="1" dirty="0" smtClean="0">
+                <a:effectLst>
+                  <a:outerShdw blurRad="38100" dist="38100" dir="2700000" algn="tl">
+                    <a:srgbClr val="000000">
+                      <a:alpha val="43137"/>
+                    </a:srgbClr>
+                  </a:outerShdw>
+                </a:effectLst>
+              </a:rPr>
+              <a:t> </a:t>
+            </a:r>
+            <a:r>
+              <a:rPr lang="fr-FR" sz="8800" b="1" dirty="0" err="1" smtClean="0">
+                <a:effectLst>
+                  <a:outerShdw blurRad="38100" dist="38100" dir="2700000" algn="tl">
+                    <a:srgbClr val="000000">
+                      <a:alpha val="43137"/>
+                    </a:srgbClr>
+                  </a:outerShdw>
+                </a:effectLst>
+              </a:rPr>
+              <a:t>foana</a:t>
+            </a:r>
+            <a:r>
+              <a:rPr lang="fr-FR" sz="8800" b="1" dirty="0" smtClean="0">
                 <a:effectLst>
                   <a:outerShdw blurRad="38100" dist="38100" dir="2700000" algn="tl">
                     <a:srgbClr val="000000">
@@ -6556,102 +7139,129 @@
           <a:p>
             <a:pPr algn="ctr"/>
             <a:r>
-              <a:rPr lang="fr-FR" sz="7200" b="1" dirty="0" smtClean="0">
-                <a:effectLst>
-                  <a:outerShdw blurRad="38100" dist="38100" dir="2700000" algn="tl">
-                    <a:srgbClr val="000000">
-                      <a:alpha val="43137"/>
-                    </a:srgbClr>
-                  </a:outerShdw>
-                </a:effectLst>
-              </a:rPr>
-              <a:t>non </a:t>
-            </a:r>
-            <a:r>
-              <a:rPr lang="fr-FR" sz="7200" b="1" dirty="0" err="1" smtClean="0">
-                <a:effectLst>
-                  <a:outerShdw blurRad="38100" dist="38100" dir="2700000" algn="tl">
-                    <a:srgbClr val="000000">
-                      <a:alpha val="43137"/>
-                    </a:srgbClr>
-                  </a:outerShdw>
-                </a:effectLst>
-              </a:rPr>
-              <a:t>non</a:t>
-            </a:r>
-            <a:r>
-              <a:rPr lang="fr-FR" sz="7200" b="1" dirty="0" smtClean="0">
-                <a:effectLst>
-                  <a:outerShdw blurRad="38100" dist="38100" dir="2700000" algn="tl">
-                    <a:srgbClr val="000000">
-                      <a:alpha val="43137"/>
-                    </a:srgbClr>
-                  </a:outerShdw>
-                </a:effectLst>
-              </a:rPr>
-              <a:t> </a:t>
-            </a:r>
-            <a:r>
-              <a:rPr lang="fr-FR" sz="7200" b="1" dirty="0" err="1" smtClean="0">
-                <a:effectLst>
-                  <a:outerShdw blurRad="38100" dist="38100" dir="2700000" algn="tl">
-                    <a:srgbClr val="000000">
-                      <a:alpha val="43137"/>
-                    </a:srgbClr>
-                  </a:outerShdw>
-                </a:effectLst>
-              </a:rPr>
-              <a:t>non</a:t>
-            </a:r>
-            <a:r>
-              <a:rPr lang="fr-FR" sz="7200" b="1" dirty="0" smtClean="0">
-                <a:effectLst>
-                  <a:outerShdw blurRad="38100" dist="38100" dir="2700000" algn="tl">
-                    <a:srgbClr val="000000">
-                      <a:alpha val="43137"/>
-                    </a:srgbClr>
-                  </a:outerShdw>
-                </a:effectLst>
-              </a:rPr>
-              <a:t> </a:t>
-            </a:r>
-            <a:r>
-              <a:rPr lang="fr-FR" sz="7200" b="1" dirty="0" err="1" smtClean="0">
-                <a:effectLst>
-                  <a:outerShdw blurRad="38100" dist="38100" dir="2700000" algn="tl">
-                    <a:srgbClr val="000000">
-                      <a:alpha val="43137"/>
-                    </a:srgbClr>
-                  </a:outerShdw>
-                </a:effectLst>
-              </a:rPr>
-              <a:t>non</a:t>
-            </a:r>
-            <a:r>
-              <a:rPr lang="fr-FR" sz="7200" b="1" dirty="0" smtClean="0">
-                <a:effectLst>
-                  <a:outerShdw blurRad="38100" dist="38100" dir="2700000" algn="tl">
-                    <a:srgbClr val="000000">
-                      <a:alpha val="43137"/>
-                    </a:srgbClr>
-                  </a:outerShdw>
-                </a:effectLst>
-              </a:rPr>
-              <a:t> </a:t>
-            </a:r>
-            <a:r>
-              <a:rPr lang="fr-FR" sz="7200" b="1" dirty="0" err="1" smtClean="0">
-                <a:effectLst>
-                  <a:outerShdw blurRad="38100" dist="38100" dir="2700000" algn="tl">
-                    <a:srgbClr val="000000">
-                      <a:alpha val="43137"/>
-                    </a:srgbClr>
-                  </a:outerShdw>
-                </a:effectLst>
-              </a:rPr>
-              <a:t>non</a:t>
-            </a:r>
-            <a:endParaRPr lang="fr-FR" sz="7200" b="1" dirty="0" smtClean="0">
+              <a:rPr lang="fr-FR" sz="8800" b="1" dirty="0" err="1" smtClean="0">
+                <a:effectLst>
+                  <a:outerShdw blurRad="38100" dist="38100" dir="2700000" algn="tl">
+                    <a:srgbClr val="000000">
+                      <a:alpha val="43137"/>
+                    </a:srgbClr>
+                  </a:outerShdw>
+                </a:effectLst>
+              </a:rPr>
+              <a:t>Manaja</a:t>
+            </a:r>
+            <a:r>
+              <a:rPr lang="fr-FR" sz="8800" b="1" dirty="0" smtClean="0">
+                <a:effectLst>
+                  <a:outerShdw blurRad="38100" dist="38100" dir="2700000" algn="tl">
+                    <a:srgbClr val="000000">
+                      <a:alpha val="43137"/>
+                    </a:srgbClr>
+                  </a:outerShdw>
+                </a:effectLst>
+              </a:rPr>
+              <a:t> </a:t>
+            </a:r>
+            <a:r>
+              <a:rPr lang="fr-FR" sz="8800" b="1" dirty="0" err="1" smtClean="0">
+                <a:effectLst>
+                  <a:outerShdw blurRad="38100" dist="38100" dir="2700000" algn="tl">
+                    <a:srgbClr val="000000">
+                      <a:alpha val="43137"/>
+                    </a:srgbClr>
+                  </a:outerShdw>
+                </a:effectLst>
+              </a:rPr>
+              <a:t>azy</a:t>
+            </a:r>
+            <a:r>
+              <a:rPr lang="fr-FR" sz="8800" b="1" dirty="0" smtClean="0">
+                <a:effectLst>
+                  <a:outerShdw blurRad="38100" dist="38100" dir="2700000" algn="tl">
+                    <a:srgbClr val="000000">
+                      <a:alpha val="43137"/>
+                    </a:srgbClr>
+                  </a:outerShdw>
+                </a:effectLst>
+              </a:rPr>
+              <a:t> </a:t>
+            </a:r>
+          </a:p>
+          <a:p>
+            <a:pPr algn="ctr"/>
+            <a:r>
+              <a:rPr lang="fr-FR" sz="8800" b="1" dirty="0" err="1" smtClean="0">
+                <a:effectLst>
+                  <a:outerShdw blurRad="38100" dist="38100" dir="2700000" algn="tl">
+                    <a:srgbClr val="000000">
+                      <a:alpha val="43137"/>
+                    </a:srgbClr>
+                  </a:outerShdw>
+                </a:effectLst>
+              </a:rPr>
+              <a:t>ireo</a:t>
+            </a:r>
+            <a:r>
+              <a:rPr lang="fr-FR" sz="8800" b="1" dirty="0" smtClean="0">
+                <a:effectLst>
+                  <a:outerShdw blurRad="38100" dist="38100" dir="2700000" algn="tl">
+                    <a:srgbClr val="000000">
+                      <a:alpha val="43137"/>
+                    </a:srgbClr>
+                  </a:outerShdw>
+                </a:effectLst>
+              </a:rPr>
+              <a:t> </a:t>
+            </a:r>
+            <a:r>
+              <a:rPr lang="fr-FR" sz="8800" b="1" dirty="0" err="1" smtClean="0">
+                <a:effectLst>
+                  <a:outerShdw blurRad="38100" dist="38100" dir="2700000" algn="tl">
+                    <a:srgbClr val="000000">
+                      <a:alpha val="43137"/>
+                    </a:srgbClr>
+                  </a:outerShdw>
+                </a:effectLst>
+              </a:rPr>
+              <a:t>manandava</a:t>
+            </a:r>
+            <a:r>
+              <a:rPr lang="fr-FR" sz="8800" b="1" dirty="0" smtClean="0">
+                <a:effectLst>
+                  <a:outerShdw blurRad="38100" dist="38100" dir="2700000" algn="tl">
+                    <a:srgbClr val="000000">
+                      <a:alpha val="43137"/>
+                    </a:srgbClr>
+                  </a:outerShdw>
+                </a:effectLst>
+              </a:rPr>
+              <a:t> </a:t>
+            </a:r>
+            <a:r>
+              <a:rPr lang="fr-FR" sz="8800" b="1" dirty="0" err="1" smtClean="0">
+                <a:effectLst>
+                  <a:outerShdw blurRad="38100" dist="38100" dir="2700000" algn="tl">
+                    <a:srgbClr val="000000">
+                      <a:alpha val="43137"/>
+                    </a:srgbClr>
+                  </a:outerShdw>
+                </a:effectLst>
+              </a:rPr>
+              <a:t>taona</a:t>
+            </a:r>
+            <a:r>
+              <a:rPr lang="fr-FR" sz="8800" b="1" dirty="0" smtClean="0">
+                <a:effectLst>
+                  <a:outerShdw blurRad="38100" dist="38100" dir="2700000" algn="tl">
+                    <a:srgbClr val="000000">
+                      <a:alpha val="43137"/>
+                    </a:srgbClr>
+                  </a:outerShdw>
+                </a:effectLst>
+              </a:rPr>
+              <a:t> </a:t>
+            </a:r>
+            <a:endParaRPr lang="fr-FR" sz="8800" b="1" dirty="0">
               <a:effectLst>
                 <a:outerShdw blurRad="38100" dist="38100" dir="2700000" algn="tl">
                   <a:srgbClr val="000000">
@@ -6661,264 +7271,25 @@
               </a:effectLst>
             </a:endParaRPr>
           </a:p>
-          <a:p>
-            <a:pPr algn="ctr"/>
-            <a:r>
-              <a:rPr lang="fr-FR" sz="7200" b="1" dirty="0" err="1" smtClean="0">
-                <a:effectLst>
-                  <a:outerShdw blurRad="38100" dist="38100" dir="2700000" algn="tl">
-                    <a:srgbClr val="000000">
-                      <a:alpha val="43137"/>
-                    </a:srgbClr>
-                  </a:outerShdw>
-                </a:effectLst>
-              </a:rPr>
-              <a:t>Rehefa</a:t>
-            </a:r>
-            <a:r>
-              <a:rPr lang="fr-FR" sz="7200" b="1" dirty="0" smtClean="0">
-                <a:effectLst>
-                  <a:outerShdw blurRad="38100" dist="38100" dir="2700000" algn="tl">
-                    <a:srgbClr val="000000">
-                      <a:alpha val="43137"/>
-                    </a:srgbClr>
-                  </a:outerShdw>
-                </a:effectLst>
-              </a:rPr>
-              <a:t> </a:t>
-            </a:r>
-            <a:r>
-              <a:rPr lang="fr-FR" sz="7200" b="1" dirty="0" err="1" smtClean="0">
-                <a:effectLst>
-                  <a:outerShdw blurRad="38100" dist="38100" dir="2700000" algn="tl">
-                    <a:srgbClr val="000000">
-                      <a:alpha val="43137"/>
-                    </a:srgbClr>
-                  </a:outerShdw>
-                </a:effectLst>
-              </a:rPr>
-              <a:t>miaraka</a:t>
-            </a:r>
-            <a:r>
-              <a:rPr lang="fr-FR" sz="7200" b="1" dirty="0" smtClean="0">
-                <a:effectLst>
-                  <a:outerShdw blurRad="38100" dist="38100" dir="2700000" algn="tl">
-                    <a:srgbClr val="000000">
-                      <a:alpha val="43137"/>
-                    </a:srgbClr>
-                  </a:outerShdw>
-                </a:effectLst>
-              </a:rPr>
-              <a:t> @ i </a:t>
-            </a:r>
-            <a:r>
-              <a:rPr lang="fr-FR" sz="7200" b="1" dirty="0" err="1" smtClean="0">
-                <a:effectLst>
-                  <a:outerShdw blurRad="38100" dist="38100" dir="2700000" algn="tl">
-                    <a:srgbClr val="000000">
-                      <a:alpha val="43137"/>
-                    </a:srgbClr>
-                  </a:outerShdw>
-                </a:effectLst>
-              </a:rPr>
-              <a:t>Jeso</a:t>
-            </a:r>
-            <a:r>
-              <a:rPr lang="fr-FR" sz="7200" b="1" dirty="0" smtClean="0">
-                <a:effectLst>
-                  <a:outerShdw blurRad="38100" dist="38100" dir="2700000" algn="tl">
-                    <a:srgbClr val="000000">
-                      <a:alpha val="43137"/>
-                    </a:srgbClr>
-                  </a:outerShdw>
-                </a:effectLst>
-              </a:rPr>
-              <a:t> </a:t>
-            </a:r>
-          </a:p>
-          <a:p>
-            <a:pPr algn="ctr"/>
-            <a:r>
-              <a:rPr lang="fr-FR" sz="7200" b="1" dirty="0" err="1" smtClean="0">
-                <a:effectLst>
-                  <a:outerShdw blurRad="38100" dist="38100" dir="2700000" algn="tl">
-                    <a:srgbClr val="000000">
-                      <a:alpha val="43137"/>
-                    </a:srgbClr>
-                  </a:outerShdw>
-                </a:effectLst>
-              </a:rPr>
-              <a:t>Tsika</a:t>
-            </a:r>
-            <a:r>
-              <a:rPr lang="fr-FR" sz="7200" b="1" dirty="0" smtClean="0">
-                <a:effectLst>
-                  <a:outerShdw blurRad="38100" dist="38100" dir="2700000" algn="tl">
-                    <a:srgbClr val="000000">
-                      <a:alpha val="43137"/>
-                    </a:srgbClr>
-                  </a:outerShdw>
-                </a:effectLst>
-              </a:rPr>
-              <a:t> </a:t>
-            </a:r>
-            <a:r>
-              <a:rPr lang="fr-FR" sz="7200" b="1" dirty="0" err="1" smtClean="0">
-                <a:effectLst>
-                  <a:outerShdw blurRad="38100" dist="38100" dir="2700000" algn="tl">
-                    <a:srgbClr val="000000">
-                      <a:alpha val="43137"/>
-                    </a:srgbClr>
-                  </a:outerShdw>
-                </a:effectLst>
-              </a:rPr>
-              <a:t>falifaly</a:t>
-            </a:r>
-            <a:r>
-              <a:rPr lang="fr-FR" sz="7200" b="1" dirty="0" smtClean="0">
-                <a:effectLst>
-                  <a:outerShdw blurRad="38100" dist="38100" dir="2700000" algn="tl">
-                    <a:srgbClr val="000000">
-                      <a:alpha val="43137"/>
-                    </a:srgbClr>
-                  </a:outerShdw>
-                </a:effectLst>
-              </a:rPr>
-              <a:t> </a:t>
-            </a:r>
-          </a:p>
-          <a:p>
-            <a:pPr algn="ctr"/>
-            <a:r>
-              <a:rPr lang="fr-FR" sz="7200" b="1" dirty="0" smtClean="0">
-                <a:effectLst>
-                  <a:outerShdw blurRad="38100" dist="38100" dir="2700000" algn="tl">
-                    <a:srgbClr val="000000">
-                      <a:alpha val="43137"/>
-                    </a:srgbClr>
-                  </a:outerShdw>
-                </a:effectLst>
-              </a:rPr>
-              <a:t>bon </a:t>
-            </a:r>
-            <a:r>
-              <a:rPr lang="fr-FR" sz="7200" b="1" dirty="0" err="1" smtClean="0">
-                <a:effectLst>
-                  <a:outerShdw blurRad="38100" dist="38100" dir="2700000" algn="tl">
-                    <a:srgbClr val="000000">
-                      <a:alpha val="43137"/>
-                    </a:srgbClr>
-                  </a:outerShdw>
-                </a:effectLst>
-              </a:rPr>
-              <a:t>bon</a:t>
-            </a:r>
-            <a:r>
-              <a:rPr lang="fr-FR" sz="7200" b="1" dirty="0" smtClean="0">
-                <a:effectLst>
-                  <a:outerShdw blurRad="38100" dist="38100" dir="2700000" algn="tl">
-                    <a:srgbClr val="000000">
-                      <a:alpha val="43137"/>
-                    </a:srgbClr>
-                  </a:outerShdw>
-                </a:effectLst>
-              </a:rPr>
-              <a:t> </a:t>
-            </a:r>
-            <a:r>
-              <a:rPr lang="fr-FR" sz="7200" b="1" dirty="0" err="1" smtClean="0">
-                <a:effectLst>
-                  <a:outerShdw blurRad="38100" dist="38100" dir="2700000" algn="tl">
-                    <a:srgbClr val="000000">
-                      <a:alpha val="43137"/>
-                    </a:srgbClr>
-                  </a:outerShdw>
-                </a:effectLst>
-              </a:rPr>
-              <a:t>bon</a:t>
-            </a:r>
-            <a:r>
-              <a:rPr lang="fr-FR" sz="7200" b="1" dirty="0" smtClean="0">
-                <a:effectLst>
-                  <a:outerShdw blurRad="38100" dist="38100" dir="2700000" algn="tl">
-                    <a:srgbClr val="000000">
-                      <a:alpha val="43137"/>
-                    </a:srgbClr>
-                  </a:outerShdw>
-                </a:effectLst>
-              </a:rPr>
-              <a:t> </a:t>
-            </a:r>
-            <a:r>
-              <a:rPr lang="fr-FR" sz="7200" b="1" dirty="0" err="1" smtClean="0">
-                <a:effectLst>
-                  <a:outerShdw blurRad="38100" dist="38100" dir="2700000" algn="tl">
-                    <a:srgbClr val="000000">
-                      <a:alpha val="43137"/>
-                    </a:srgbClr>
-                  </a:outerShdw>
-                </a:effectLst>
-              </a:rPr>
-              <a:t>bon</a:t>
-            </a:r>
-            <a:r>
-              <a:rPr lang="fr-FR" sz="7200" b="1" dirty="0" smtClean="0">
-                <a:effectLst>
-                  <a:outerShdw blurRad="38100" dist="38100" dir="2700000" algn="tl">
-                    <a:srgbClr val="000000">
-                      <a:alpha val="43137"/>
-                    </a:srgbClr>
-                  </a:outerShdw>
-                </a:effectLst>
-              </a:rPr>
-              <a:t> </a:t>
-            </a:r>
-            <a:r>
-              <a:rPr lang="fr-FR" sz="7200" b="1" dirty="0" err="1" smtClean="0">
-                <a:effectLst>
-                  <a:outerShdw blurRad="38100" dist="38100" dir="2700000" algn="tl">
-                    <a:srgbClr val="000000">
-                      <a:alpha val="43137"/>
-                    </a:srgbClr>
-                  </a:outerShdw>
-                </a:effectLst>
-              </a:rPr>
-              <a:t>bon</a:t>
-            </a:r>
-            <a:r>
-              <a:rPr lang="fr-FR" sz="7200" b="1" dirty="0" smtClean="0">
-                <a:effectLst>
-                  <a:outerShdw blurRad="38100" dist="38100" dir="2700000" algn="tl">
-                    <a:srgbClr val="000000">
-                      <a:alpha val="43137"/>
-                    </a:srgbClr>
-                  </a:outerShdw>
-                </a:effectLst>
-              </a:rPr>
-              <a:t> </a:t>
-            </a:r>
-            <a:endParaRPr lang="fr-FR" sz="7200" b="1" dirty="0">
-              <a:effectLst>
-                <a:outerShdw blurRad="38100" dist="38100" dir="2700000" algn="tl">
-                  <a:srgbClr val="000000">
-                    <a:alpha val="43137"/>
-                  </a:srgbClr>
-                </a:outerShdw>
-              </a:effectLst>
-            </a:endParaRPr>
-          </a:p>
         </p:txBody>
       </p:sp>
     </p:spTree>
     <p:extLst>
       <p:ext uri="{BB962C8B-B14F-4D97-AF65-F5344CB8AC3E}">
-        <p14:creationId xmlns:p14="http://schemas.microsoft.com/office/powerpoint/2010/main" val="2065094532"/>
+        <p14:creationId xmlns:p14="http://schemas.microsoft.com/office/powerpoint/2010/main" val="2125077323"/>
       </p:ext>
     </p:extLst>
   </p:cSld>
   <p:clrMapOvr>
     <a:masterClrMapping/>
   </p:clrMapOvr>
+  <p:timing>
+    <p:tnLst>
+      <p:par>
+        <p:cTn id="1" dur="indefinite" restart="never" nodeType="tmRoot"/>
+      </p:par>
+    </p:tnLst>
+  </p:timing>
 </p:sld>
 </file>
 

--- a/Hira samihafa/Rehefa miaraka @ i Jeso.pptx
+++ b/Hira samihafa/Rehefa miaraka @ i Jeso.pptx
@@ -280,7 +280,7 @@
           <a:p>
             <a:fld id="{9CEC725A-4BE0-4D5D-959E-82F5D8F394B7}" type="datetimeFigureOut">
               <a:rPr lang="fr-FR" smtClean="0"/>
-              <a:t>24/11/2024</a:t>
+              <a:t>01/12/2024</a:t>
             </a:fld>
             <a:endParaRPr lang="fr-FR"/>
           </a:p>
@@ -450,7 +450,7 @@
           <a:p>
             <a:fld id="{9CEC725A-4BE0-4D5D-959E-82F5D8F394B7}" type="datetimeFigureOut">
               <a:rPr lang="fr-FR" smtClean="0"/>
-              <a:t>24/11/2024</a:t>
+              <a:t>01/12/2024</a:t>
             </a:fld>
             <a:endParaRPr lang="fr-FR"/>
           </a:p>
@@ -630,7 +630,7 @@
           <a:p>
             <a:fld id="{9CEC725A-4BE0-4D5D-959E-82F5D8F394B7}" type="datetimeFigureOut">
               <a:rPr lang="fr-FR" smtClean="0"/>
-              <a:t>24/11/2024</a:t>
+              <a:t>01/12/2024</a:t>
             </a:fld>
             <a:endParaRPr lang="fr-FR"/>
           </a:p>
@@ -800,7 +800,7 @@
           <a:p>
             <a:fld id="{9CEC725A-4BE0-4D5D-959E-82F5D8F394B7}" type="datetimeFigureOut">
               <a:rPr lang="fr-FR" smtClean="0"/>
-              <a:t>24/11/2024</a:t>
+              <a:t>01/12/2024</a:t>
             </a:fld>
             <a:endParaRPr lang="fr-FR"/>
           </a:p>
@@ -1046,7 +1046,7 @@
           <a:p>
             <a:fld id="{9CEC725A-4BE0-4D5D-959E-82F5D8F394B7}" type="datetimeFigureOut">
               <a:rPr lang="fr-FR" smtClean="0"/>
-              <a:t>24/11/2024</a:t>
+              <a:t>01/12/2024</a:t>
             </a:fld>
             <a:endParaRPr lang="fr-FR"/>
           </a:p>
@@ -1278,7 +1278,7 @@
           <a:p>
             <a:fld id="{9CEC725A-4BE0-4D5D-959E-82F5D8F394B7}" type="datetimeFigureOut">
               <a:rPr lang="fr-FR" smtClean="0"/>
-              <a:t>24/11/2024</a:t>
+              <a:t>01/12/2024</a:t>
             </a:fld>
             <a:endParaRPr lang="fr-FR"/>
           </a:p>
@@ -1645,7 +1645,7 @@
           <a:p>
             <a:fld id="{9CEC725A-4BE0-4D5D-959E-82F5D8F394B7}" type="datetimeFigureOut">
               <a:rPr lang="fr-FR" smtClean="0"/>
-              <a:t>24/11/2024</a:t>
+              <a:t>01/12/2024</a:t>
             </a:fld>
             <a:endParaRPr lang="fr-FR"/>
           </a:p>
@@ -1763,7 +1763,7 @@
           <a:p>
             <a:fld id="{9CEC725A-4BE0-4D5D-959E-82F5D8F394B7}" type="datetimeFigureOut">
               <a:rPr lang="fr-FR" smtClean="0"/>
-              <a:t>24/11/2024</a:t>
+              <a:t>01/12/2024</a:t>
             </a:fld>
             <a:endParaRPr lang="fr-FR"/>
           </a:p>
@@ -1858,7 +1858,7 @@
           <a:p>
             <a:fld id="{9CEC725A-4BE0-4D5D-959E-82F5D8F394B7}" type="datetimeFigureOut">
               <a:rPr lang="fr-FR" smtClean="0"/>
-              <a:t>24/11/2024</a:t>
+              <a:t>01/12/2024</a:t>
             </a:fld>
             <a:endParaRPr lang="fr-FR"/>
           </a:p>
@@ -2135,7 +2135,7 @@
           <a:p>
             <a:fld id="{9CEC725A-4BE0-4D5D-959E-82F5D8F394B7}" type="datetimeFigureOut">
               <a:rPr lang="fr-FR" smtClean="0"/>
-              <a:t>24/11/2024</a:t>
+              <a:t>01/12/2024</a:t>
             </a:fld>
             <a:endParaRPr lang="fr-FR"/>
           </a:p>
@@ -2388,7 +2388,7 @@
           <a:p>
             <a:fld id="{9CEC725A-4BE0-4D5D-959E-82F5D8F394B7}" type="datetimeFigureOut">
               <a:rPr lang="fr-FR" smtClean="0"/>
-              <a:t>24/11/2024</a:t>
+              <a:t>01/12/2024</a:t>
             </a:fld>
             <a:endParaRPr lang="fr-FR"/>
           </a:p>
@@ -2601,7 +2601,7 @@
           <a:p>
             <a:fld id="{9CEC725A-4BE0-4D5D-959E-82F5D8F394B7}" type="datetimeFigureOut">
               <a:rPr lang="fr-FR" smtClean="0"/>
-              <a:t>24/11/2024</a:t>
+              <a:t>01/12/2024</a:t>
             </a:fld>
             <a:endParaRPr lang="fr-FR"/>
           </a:p>
@@ -3517,15 +3517,6 @@
               </a:rPr>
               <a:t> </a:t>
             </a:r>
-            <a:endParaRPr lang="fr-FR" sz="7200" b="1" dirty="0" smtClean="0">
-              <a:effectLst>
-                <a:outerShdw blurRad="38100" dist="38100" dir="2700000" algn="tl">
-                  <a:srgbClr val="000000">
-                    <a:alpha val="43137"/>
-                  </a:srgbClr>
-                </a:outerShdw>
-              </a:effectLst>
-            </a:endParaRPr>
           </a:p>
           <a:p>
             <a:pPr algn="ctr"/>
@@ -4250,15 +4241,6 @@
               </a:rPr>
               <a:t> </a:t>
             </a:r>
-            <a:endParaRPr lang="fr-FR" sz="8800" b="1" dirty="0" smtClean="0">
-              <a:effectLst>
-                <a:outerShdw blurRad="38100" dist="38100" dir="2700000" algn="tl">
-                  <a:srgbClr val="000000">
-                    <a:alpha val="43137"/>
-                  </a:srgbClr>
-                </a:outerShdw>
-              </a:effectLst>
-            </a:endParaRPr>
           </a:p>
           <a:p>
             <a:pPr algn="ctr"/>
@@ -4272,19 +4254,7 @@
                   </a:outerShdw>
                 </a:effectLst>
               </a:rPr>
-              <a:t>@ </a:t>
-            </a:r>
-            <a:r>
-              <a:rPr lang="fr-FR" sz="8800" b="1" dirty="0" smtClean="0">
-                <a:effectLst>
-                  <a:outerShdw blurRad="38100" dist="38100" dir="2700000" algn="tl">
-                    <a:srgbClr val="000000">
-                      <a:alpha val="43137"/>
-                    </a:srgbClr>
-                  </a:outerShdw>
-                </a:effectLst>
-              </a:rPr>
-              <a:t>i </a:t>
+              <a:t>@ i </a:t>
             </a:r>
             <a:r>
               <a:rPr lang="fr-FR" sz="8800" b="1" dirty="0" err="1" smtClean="0">
@@ -4804,8 +4774,20 @@
               </a:rPr>
               <a:t> </a:t>
             </a:r>
-            <a:r>
-              <a:rPr lang="fr-FR" sz="9600" b="1" dirty="0" err="1">
+            <a:endParaRPr lang="fr-FR" sz="9600" b="1" dirty="0" smtClean="0">
+              <a:effectLst>
+                <a:outerShdw blurRad="38100" dist="38100" dir="2700000" algn="tl">
+                  <a:srgbClr val="000000">
+                    <a:alpha val="43137"/>
+                  </a:srgbClr>
+                </a:outerShdw>
+              </a:effectLst>
+            </a:endParaRPr>
+          </a:p>
+          <a:p>
+            <a:pPr algn="ctr"/>
+            <a:r>
+              <a:rPr lang="fr-FR" sz="9600" b="1" dirty="0" err="1" smtClean="0">
                 <a:effectLst>
                   <a:outerShdw blurRad="38100" dist="38100" dir="2700000" algn="tl">
                     <a:srgbClr val="000000">
@@ -4817,7 +4799,7 @@
               <a:t>tokoa</a:t>
             </a:r>
             <a:r>
-              <a:rPr lang="fr-FR" sz="9600" b="1" dirty="0">
+              <a:rPr lang="fr-FR" sz="9600" b="1" dirty="0" smtClean="0">
                 <a:effectLst>
                   <a:outerShdw blurRad="38100" dist="38100" dir="2700000" algn="tl">
                     <a:srgbClr val="000000">
@@ -5106,15 +5088,6 @@
               </a:rPr>
               <a:t> </a:t>
             </a:r>
-            <a:endParaRPr lang="fr-FR" sz="8800" b="1" dirty="0" smtClean="0">
-              <a:effectLst>
-                <a:outerShdw blurRad="38100" dist="38100" dir="2700000" algn="tl">
-                  <a:srgbClr val="000000">
-                    <a:alpha val="43137"/>
-                  </a:srgbClr>
-                </a:outerShdw>
-              </a:effectLst>
-            </a:endParaRPr>
           </a:p>
           <a:p>
             <a:pPr algn="ctr"/>
@@ -5205,15 +5178,6 @@
               </a:rPr>
               <a:t> </a:t>
             </a:r>
-            <a:endParaRPr lang="fr-FR" sz="8800" b="1" dirty="0" smtClean="0">
-              <a:effectLst>
-                <a:outerShdw blurRad="38100" dist="38100" dir="2700000" algn="tl">
-                  <a:srgbClr val="000000">
-                    <a:alpha val="43137"/>
-                  </a:srgbClr>
-                </a:outerShdw>
-              </a:effectLst>
-            </a:endParaRPr>
           </a:p>
           <a:p>
             <a:pPr algn="ctr"/>
@@ -5726,15 +5690,6 @@
               </a:rPr>
               <a:t> </a:t>
             </a:r>
-            <a:endParaRPr lang="fr-FR" sz="7200" b="1" dirty="0" smtClean="0">
-              <a:effectLst>
-                <a:outerShdw blurRad="38100" dist="38100" dir="2700000" algn="tl">
-                  <a:srgbClr val="000000">
-                    <a:alpha val="43137"/>
-                  </a:srgbClr>
-                </a:outerShdw>
-              </a:effectLst>
-            </a:endParaRPr>
           </a:p>
           <a:p>
             <a:pPr algn="ctr"/>
@@ -6459,15 +6414,6 @@
               </a:rPr>
               <a:t> </a:t>
             </a:r>
-            <a:endParaRPr lang="fr-FR" sz="8800" b="1" dirty="0" smtClean="0">
-              <a:effectLst>
-                <a:outerShdw blurRad="38100" dist="38100" dir="2700000" algn="tl">
-                  <a:srgbClr val="000000">
-                    <a:alpha val="43137"/>
-                  </a:srgbClr>
-                </a:outerShdw>
-              </a:effectLst>
-            </a:endParaRPr>
           </a:p>
           <a:p>
             <a:pPr algn="ctr"/>
@@ -6481,19 +6427,7 @@
                   </a:outerShdw>
                 </a:effectLst>
               </a:rPr>
-              <a:t>@ </a:t>
-            </a:r>
-            <a:r>
-              <a:rPr lang="fr-FR" sz="8800" b="1" dirty="0" smtClean="0">
-                <a:effectLst>
-                  <a:outerShdw blurRad="38100" dist="38100" dir="2700000" algn="tl">
-                    <a:srgbClr val="000000">
-                      <a:alpha val="43137"/>
-                    </a:srgbClr>
-                  </a:outerShdw>
-                </a:effectLst>
-              </a:rPr>
-              <a:t>i </a:t>
+              <a:t>@ i </a:t>
             </a:r>
             <a:r>
               <a:rPr lang="fr-FR" sz="8800" b="1" dirty="0" err="1" smtClean="0">
@@ -7022,19 +6956,7 @@
                   </a:outerShdw>
                 </a:effectLst>
               </a:rPr>
-              <a:t> </a:t>
-            </a:r>
-            <a:r>
-              <a:rPr lang="fr-FR" sz="8800" b="1" dirty="0" smtClean="0">
-                <a:effectLst>
-                  <a:outerShdw blurRad="38100" dist="38100" dir="2700000" algn="tl">
-                    <a:srgbClr val="000000">
-                      <a:alpha val="43137"/>
-                    </a:srgbClr>
-                  </a:outerShdw>
-                </a:effectLst>
-              </a:rPr>
-              <a:t>an 'i Dada </a:t>
+              <a:t> an 'i Dada </a:t>
             </a:r>
             <a:r>
               <a:rPr lang="fr-FR" sz="8800" b="1" dirty="0" err="1" smtClean="0">
